--- a/project.pptx
+++ b/project.pptx
@@ -5,7 +5,7 @@
     <p:sldMasterId id="2147483660" r:id="rId1"/>
   </p:sldMasterIdLst>
   <p:notesMasterIdLst>
-    <p:notesMasterId r:id="rId12"/>
+    <p:notesMasterId r:id="rId15"/>
   </p:notesMasterIdLst>
   <p:sldIdLst>
     <p:sldId id="263" r:id="rId2"/>
@@ -17,7 +17,10 @@
     <p:sldId id="264" r:id="rId8"/>
     <p:sldId id="265" r:id="rId9"/>
     <p:sldId id="266" r:id="rId10"/>
-    <p:sldId id="261" r:id="rId11"/>
+    <p:sldId id="267" r:id="rId11"/>
+    <p:sldId id="268" r:id="rId12"/>
+    <p:sldId id="269" r:id="rId13"/>
+    <p:sldId id="261" r:id="rId14"/>
   </p:sldIdLst>
   <p:sldSz cx="9144000" cy="6858000" type="screen4x3"/>
   <p:notesSz cx="6858000" cy="9144000"/>
@@ -202,7 +205,7 @@
             <a:fld id="{ED5275B1-DBA6-4201-BB93-348BBDF8772A}" type="datetimeFigureOut">
               <a:rPr lang="en-US" smtClean="0"/>
               <a:pPr/>
-              <a:t>01-Jun-19</a:t>
+              <a:t>08-Jun-19</a:t>
             </a:fld>
             <a:endParaRPr lang="en-US"/>
           </a:p>
@@ -642,7 +645,7 @@
             <a:fld id="{1D8BD707-D9CF-40AE-B4C6-C98DA3205C09}" type="datetimeFigureOut">
               <a:rPr lang="en-US" smtClean="0"/>
               <a:pPr/>
-              <a:t>01-Jun-19</a:t>
+              <a:t>08-Jun-19</a:t>
             </a:fld>
             <a:endParaRPr lang="en-US"/>
           </a:p>
@@ -809,7 +812,7 @@
             <a:fld id="{1D8BD707-D9CF-40AE-B4C6-C98DA3205C09}" type="datetimeFigureOut">
               <a:rPr lang="en-US" smtClean="0"/>
               <a:pPr/>
-              <a:t>01-Jun-19</a:t>
+              <a:t>08-Jun-19</a:t>
             </a:fld>
             <a:endParaRPr lang="en-US"/>
           </a:p>
@@ -986,7 +989,7 @@
             <a:fld id="{1D8BD707-D9CF-40AE-B4C6-C98DA3205C09}" type="datetimeFigureOut">
               <a:rPr lang="en-US" smtClean="0"/>
               <a:pPr/>
-              <a:t>01-Jun-19</a:t>
+              <a:t>08-Jun-19</a:t>
             </a:fld>
             <a:endParaRPr lang="en-US"/>
           </a:p>
@@ -1153,7 +1156,7 @@
             <a:fld id="{1D8BD707-D9CF-40AE-B4C6-C98DA3205C09}" type="datetimeFigureOut">
               <a:rPr lang="en-US" smtClean="0"/>
               <a:pPr/>
-              <a:t>01-Jun-19</a:t>
+              <a:t>08-Jun-19</a:t>
             </a:fld>
             <a:endParaRPr lang="en-US"/>
           </a:p>
@@ -1397,7 +1400,7 @@
             <a:fld id="{1D8BD707-D9CF-40AE-B4C6-C98DA3205C09}" type="datetimeFigureOut">
               <a:rPr lang="en-US" smtClean="0"/>
               <a:pPr/>
-              <a:t>01-Jun-19</a:t>
+              <a:t>08-Jun-19</a:t>
             </a:fld>
             <a:endParaRPr lang="en-US"/>
           </a:p>
@@ -1663,7 +1666,7 @@
             <a:fld id="{1D8BD707-D9CF-40AE-B4C6-C98DA3205C09}" type="datetimeFigureOut">
               <a:rPr lang="en-US" smtClean="0"/>
               <a:pPr/>
-              <a:t>01-Jun-19</a:t>
+              <a:t>08-Jun-19</a:t>
             </a:fld>
             <a:endParaRPr lang="en-US"/>
           </a:p>
@@ -2043,7 +2046,7 @@
             <a:fld id="{1D8BD707-D9CF-40AE-B4C6-C98DA3205C09}" type="datetimeFigureOut">
               <a:rPr lang="en-US" smtClean="0"/>
               <a:pPr/>
-              <a:t>01-Jun-19</a:t>
+              <a:t>08-Jun-19</a:t>
             </a:fld>
             <a:endParaRPr lang="en-US"/>
           </a:p>
@@ -2195,7 +2198,7 @@
             <a:fld id="{1D8BD707-D9CF-40AE-B4C6-C98DA3205C09}" type="datetimeFigureOut">
               <a:rPr lang="en-US" smtClean="0"/>
               <a:pPr/>
-              <a:t>01-Jun-19</a:t>
+              <a:t>08-Jun-19</a:t>
             </a:fld>
             <a:endParaRPr lang="en-US"/>
           </a:p>
@@ -2287,7 +2290,7 @@
             <a:fld id="{1D8BD707-D9CF-40AE-B4C6-C98DA3205C09}" type="datetimeFigureOut">
               <a:rPr lang="en-US" smtClean="0"/>
               <a:pPr/>
-              <a:t>01-Jun-19</a:t>
+              <a:t>08-Jun-19</a:t>
             </a:fld>
             <a:endParaRPr lang="en-US"/>
           </a:p>
@@ -2550,7 +2553,7 @@
             <a:fld id="{1D8BD707-D9CF-40AE-B4C6-C98DA3205C09}" type="datetimeFigureOut">
               <a:rPr lang="en-US" smtClean="0"/>
               <a:pPr/>
-              <a:t>01-Jun-19</a:t>
+              <a:t>08-Jun-19</a:t>
             </a:fld>
             <a:endParaRPr lang="en-US"/>
           </a:p>
@@ -2840,7 +2843,7 @@
             <a:fld id="{1D8BD707-D9CF-40AE-B4C6-C98DA3205C09}" type="datetimeFigureOut">
               <a:rPr lang="en-US" smtClean="0"/>
               <a:pPr/>
-              <a:t>01-Jun-19</a:t>
+              <a:t>08-Jun-19</a:t>
             </a:fld>
             <a:endParaRPr lang="en-US"/>
           </a:p>
@@ -3613,7 +3616,7 @@
             <a:fld id="{1D8BD707-D9CF-40AE-B4C6-C98DA3205C09}" type="datetimeFigureOut">
               <a:rPr lang="en-US" smtClean="0"/>
               <a:pPr/>
-              <a:t>01-Jun-19</a:t>
+              <a:t>08-Jun-19</a:t>
             </a:fld>
             <a:endParaRPr lang="en-US"/>
           </a:p>
@@ -4666,6 +4669,352 @@
       </p:grpSpPr>
       <p:sp>
         <p:nvSpPr>
+          <p:cNvPr id="2" name="Title 1"/>
+          <p:cNvSpPr>
+            <a:spLocks noGrp="1"/>
+          </p:cNvSpPr>
+          <p:nvPr>
+            <p:ph type="title"/>
+          </p:nvPr>
+        </p:nvSpPr>
+        <p:spPr>
+          <a:xfrm>
+            <a:off x="457200" y="457200"/>
+            <a:ext cx="8229600" cy="609600"/>
+          </a:xfrm>
+        </p:spPr>
+        <p:txBody>
+          <a:bodyPr>
+            <a:normAutofit fontScale="90000"/>
+          </a:bodyPr>
+          <a:lstStyle/>
+          <a:p>
+            <a:pPr algn="ctr"/>
+            <a:r>
+              <a:rPr lang="en-US" b="1" dirty="0" smtClean="0">
+                <a:solidFill>
+                  <a:srgbClr val="FF0000"/>
+                </a:solidFill>
+              </a:rPr>
+              <a:t>Producers how?</a:t>
+            </a:r>
+            <a:endParaRPr lang="en-US" b="1" dirty="0">
+              <a:solidFill>
+                <a:srgbClr val="FF0000"/>
+              </a:solidFill>
+            </a:endParaRPr>
+          </a:p>
+        </p:txBody>
+      </p:sp>
+      <p:sp>
+        <p:nvSpPr>
+          <p:cNvPr id="3" name="Content Placeholder 2"/>
+          <p:cNvSpPr>
+            <a:spLocks noGrp="1"/>
+          </p:cNvSpPr>
+          <p:nvPr>
+            <p:ph idx="1"/>
+          </p:nvPr>
+        </p:nvSpPr>
+        <p:spPr>
+          <a:xfrm>
+            <a:off x="457200" y="1066800"/>
+            <a:ext cx="8229600" cy="6019800"/>
+          </a:xfrm>
+        </p:spPr>
+        <p:txBody>
+          <a:bodyPr>
+            <a:normAutofit fontScale="92500"/>
+          </a:bodyPr>
+          <a:lstStyle/>
+          <a:p>
+            <a:pPr marL="571500" indent="-571500">
+              <a:buClr>
+                <a:srgbClr val="002060"/>
+              </a:buClr>
+              <a:buFont typeface="+mj-lt"/>
+              <a:buAutoNum type="romanLcPeriod"/>
+            </a:pPr>
+            <a:r>
+              <a:rPr lang="en-US" dirty="0" smtClean="0"/>
+              <a:t>Delivery initially from near shop and then from stock (stock buy from pharmaceutical company) and quality matters.</a:t>
+            </a:r>
+          </a:p>
+          <a:p>
+            <a:pPr marL="571500" indent="-571500">
+              <a:buClr>
+                <a:srgbClr val="002060"/>
+              </a:buClr>
+              <a:buFont typeface="Wingdings"/>
+              <a:buChar char="à"/>
+            </a:pPr>
+            <a:r>
+              <a:rPr lang="en-US" dirty="0" smtClean="0">
+                <a:sym typeface="Wingdings" pitchFamily="2" charset="2"/>
+              </a:rPr>
+              <a:t>Same with cloths (if required ).</a:t>
+            </a:r>
+          </a:p>
+          <a:p>
+            <a:pPr marL="571500" indent="-571500">
+              <a:buClr>
+                <a:srgbClr val="002060"/>
+              </a:buClr>
+              <a:buFont typeface="Wingdings"/>
+              <a:buChar char="à"/>
+            </a:pPr>
+            <a:r>
+              <a:rPr lang="en-US" dirty="0" smtClean="0">
+                <a:sym typeface="Wingdings" pitchFamily="2" charset="2"/>
+              </a:rPr>
+              <a:t>Medicine store in hall with different section like library.</a:t>
+            </a:r>
+          </a:p>
+          <a:p>
+            <a:pPr marL="571500" indent="-571500">
+              <a:buClr>
+                <a:srgbClr val="002060"/>
+              </a:buClr>
+              <a:buFont typeface="Wingdings"/>
+              <a:buChar char="à"/>
+            </a:pPr>
+            <a:r>
+              <a:rPr lang="en-US" dirty="0" smtClean="0">
+                <a:sym typeface="Wingdings" pitchFamily="2" charset="2"/>
+              </a:rPr>
+              <a:t>Testing the medicines on plant then added to website.  </a:t>
+            </a:r>
+          </a:p>
+          <a:p>
+            <a:pPr marL="571500" indent="-571500">
+              <a:buClr>
+                <a:srgbClr val="002060"/>
+              </a:buClr>
+              <a:buFont typeface="+mj-lt"/>
+              <a:buAutoNum type="romanLcPeriod" startAt="2"/>
+            </a:pPr>
+            <a:r>
+              <a:rPr lang="en-US" dirty="0" smtClean="0">
+                <a:sym typeface="Wingdings" pitchFamily="2" charset="2"/>
+              </a:rPr>
+              <a:t>Seminar and certification with gift kit during seminar to best producing farmers.</a:t>
+            </a:r>
+          </a:p>
+          <a:p>
+            <a:pPr marL="571500" indent="-571500">
+              <a:buClr>
+                <a:srgbClr val="002060"/>
+              </a:buClr>
+              <a:buFont typeface="+mj-lt"/>
+              <a:buAutoNum type="romanLcPeriod" startAt="2"/>
+            </a:pPr>
+            <a:r>
+              <a:rPr lang="en-US" dirty="0" smtClean="0">
+                <a:sym typeface="Wingdings" pitchFamily="2" charset="2"/>
+              </a:rPr>
+              <a:t>Adviser  should be agricultural specialist.</a:t>
+            </a:r>
+          </a:p>
+          <a:p>
+            <a:pPr marL="571500" indent="-571500">
+              <a:buClr>
+                <a:srgbClr val="002060"/>
+              </a:buClr>
+              <a:buNone/>
+            </a:pPr>
+            <a:r>
+              <a:rPr lang="en-US" dirty="0" smtClean="0">
+                <a:sym typeface="Wingdings" pitchFamily="2" charset="2"/>
+              </a:rPr>
+              <a:t>    1 adviser between/among villages.</a:t>
+            </a:r>
+          </a:p>
+          <a:p>
+            <a:pPr marL="571500" indent="-571500">
+              <a:buClr>
+                <a:srgbClr val="002060"/>
+              </a:buClr>
+              <a:buFont typeface="+mj-lt"/>
+              <a:buAutoNum type="romanLcPeriod" startAt="4"/>
+            </a:pPr>
+            <a:r>
+              <a:rPr lang="en-US" dirty="0" smtClean="0">
+                <a:sym typeface="Wingdings" pitchFamily="2" charset="2"/>
+              </a:rPr>
+              <a:t>NPK, DAP, </a:t>
+            </a:r>
+            <a:r>
+              <a:rPr lang="en-US" dirty="0" err="1" smtClean="0">
+                <a:sym typeface="Wingdings" pitchFamily="2" charset="2"/>
+              </a:rPr>
+              <a:t>Pottash</a:t>
+            </a:r>
+            <a:r>
+              <a:rPr lang="en-US" dirty="0" smtClean="0">
+                <a:sym typeface="Wingdings" pitchFamily="2" charset="2"/>
+              </a:rPr>
+              <a:t> buy from company/Agency directly before season.</a:t>
+            </a:r>
+          </a:p>
+          <a:p>
+            <a:pPr marL="571500" indent="-571500">
+              <a:buClr>
+                <a:srgbClr val="002060"/>
+              </a:buClr>
+              <a:buFont typeface="+mj-lt"/>
+              <a:buAutoNum type="romanLcPeriod" startAt="4"/>
+            </a:pPr>
+            <a:r>
+              <a:rPr lang="en-US" dirty="0" smtClean="0">
+                <a:sym typeface="Wingdings" pitchFamily="2" charset="2"/>
+              </a:rPr>
+              <a:t>KCC/Loan providing which needed account in bank so that EMI is deducted from account of farmer.</a:t>
+            </a:r>
+            <a:endParaRPr lang="en-US" dirty="0" smtClean="0">
+              <a:sym typeface="Wingdings" pitchFamily="2" charset="2"/>
+            </a:endParaRPr>
+          </a:p>
+        </p:txBody>
+      </p:sp>
+    </p:spTree>
+  </p:cSld>
+  <p:clrMapOvr>
+    <a:masterClrMapping/>
+  </p:clrMapOvr>
+</p:sld>
+</file>
+
+<file path=ppt/slides/slide11.xml><?xml version="1.0" encoding="utf-8"?>
+<p:sld xmlns:a="http://schemas.openxmlformats.org/drawingml/2006/main" xmlns:r="http://schemas.openxmlformats.org/officeDocument/2006/relationships" xmlns:p="http://schemas.openxmlformats.org/presentationml/2006/main">
+  <p:cSld>
+    <p:spTree>
+      <p:nvGrpSpPr>
+        <p:cNvPr id="1" name=""/>
+        <p:cNvGrpSpPr/>
+        <p:nvPr/>
+      </p:nvGrpSpPr>
+      <p:grpSpPr>
+        <a:xfrm>
+          <a:off x="0" y="0"/>
+          <a:ext cx="0" cy="0"/>
+          <a:chOff x="0" y="0"/>
+          <a:chExt cx="0" cy="0"/>
+        </a:xfrm>
+      </p:grpSpPr>
+      <p:sp>
+        <p:nvSpPr>
+          <p:cNvPr id="3" name="Content Placeholder 2"/>
+          <p:cNvSpPr>
+            <a:spLocks noGrp="1"/>
+          </p:cNvSpPr>
+          <p:nvPr>
+            <p:ph idx="1"/>
+          </p:nvPr>
+        </p:nvSpPr>
+        <p:spPr>
+          <a:xfrm>
+            <a:off x="457200" y="457200"/>
+            <a:ext cx="8229600" cy="6096000"/>
+          </a:xfrm>
+        </p:spPr>
+        <p:txBody>
+          <a:bodyPr/>
+          <a:lstStyle/>
+          <a:p>
+            <a:endParaRPr lang="en-US" dirty="0"/>
+          </a:p>
+        </p:txBody>
+      </p:sp>
+    </p:spTree>
+  </p:cSld>
+  <p:clrMapOvr>
+    <a:masterClrMapping/>
+  </p:clrMapOvr>
+</p:sld>
+</file>
+
+<file path=ppt/slides/slide12.xml><?xml version="1.0" encoding="utf-8"?>
+<p:sld xmlns:a="http://schemas.openxmlformats.org/drawingml/2006/main" xmlns:r="http://schemas.openxmlformats.org/officeDocument/2006/relationships" xmlns:p="http://schemas.openxmlformats.org/presentationml/2006/main">
+  <p:cSld>
+    <p:spTree>
+      <p:nvGrpSpPr>
+        <p:cNvPr id="1" name=""/>
+        <p:cNvGrpSpPr/>
+        <p:nvPr/>
+      </p:nvGrpSpPr>
+      <p:grpSpPr>
+        <a:xfrm>
+          <a:off x="0" y="0"/>
+          <a:ext cx="0" cy="0"/>
+          <a:chOff x="0" y="0"/>
+          <a:chExt cx="0" cy="0"/>
+        </a:xfrm>
+      </p:grpSpPr>
+      <p:sp>
+        <p:nvSpPr>
+          <p:cNvPr id="2" name="Title 1"/>
+          <p:cNvSpPr>
+            <a:spLocks noGrp="1"/>
+          </p:cNvSpPr>
+          <p:nvPr>
+            <p:ph type="title"/>
+          </p:nvPr>
+        </p:nvSpPr>
+        <p:spPr/>
+        <p:txBody>
+          <a:bodyPr/>
+          <a:lstStyle/>
+          <a:p>
+            <a:endParaRPr lang="en-US"/>
+          </a:p>
+        </p:txBody>
+      </p:sp>
+      <p:sp>
+        <p:nvSpPr>
+          <p:cNvPr id="3" name="Content Placeholder 2"/>
+          <p:cNvSpPr>
+            <a:spLocks noGrp="1"/>
+          </p:cNvSpPr>
+          <p:nvPr>
+            <p:ph idx="1"/>
+          </p:nvPr>
+        </p:nvSpPr>
+        <p:spPr/>
+        <p:txBody>
+          <a:bodyPr/>
+          <a:lstStyle/>
+          <a:p>
+            <a:endParaRPr lang="en-US"/>
+          </a:p>
+        </p:txBody>
+      </p:sp>
+    </p:spTree>
+  </p:cSld>
+  <p:clrMapOvr>
+    <a:masterClrMapping/>
+  </p:clrMapOvr>
+</p:sld>
+</file>
+
+<file path=ppt/slides/slide13.xml><?xml version="1.0" encoding="utf-8"?>
+<p:sld xmlns:a="http://schemas.openxmlformats.org/drawingml/2006/main" xmlns:r="http://schemas.openxmlformats.org/officeDocument/2006/relationships" xmlns:p="http://schemas.openxmlformats.org/presentationml/2006/main">
+  <p:cSld>
+    <p:spTree>
+      <p:nvGrpSpPr>
+        <p:cNvPr id="1" name=""/>
+        <p:cNvGrpSpPr/>
+        <p:nvPr/>
+      </p:nvGrpSpPr>
+      <p:grpSpPr>
+        <a:xfrm>
+          <a:off x="0" y="0"/>
+          <a:ext cx="0" cy="0"/>
+          <a:chOff x="0" y="0"/>
+          <a:chExt cx="0" cy="0"/>
+        </a:xfrm>
+      </p:grpSpPr>
+      <p:sp>
+        <p:nvSpPr>
           <p:cNvPr id="3" name="Content Placeholder 2"/>
           <p:cNvSpPr>
             <a:spLocks noGrp="1"/>
@@ -6394,7 +6743,7 @@
         <p:spPr>
           <a:xfrm>
             <a:off x="457200" y="838200"/>
-            <a:ext cx="8229600" cy="6324600"/>
+            <a:ext cx="8458200" cy="6629400"/>
           </a:xfrm>
         </p:spPr>
         <p:txBody>
@@ -6601,7 +6950,53 @@
                   <a:tileRect/>
                 </a:gradFill>
               </a:rPr>
-              <a:t>  among  two  or  three  village  after  couple of  time  each  adviser  shifted  to  each  villages  for individual carrying of field. </a:t>
+              <a:t> </a:t>
+            </a:r>
+            <a:r>
+              <a:rPr lang="en-US" dirty="0" smtClean="0">
+                <a:gradFill flip="none" rotWithShape="1">
+                  <a:gsLst>
+                    <a:gs pos="0">
+                      <a:srgbClr val="03D4A8"/>
+                    </a:gs>
+                    <a:gs pos="25000">
+                      <a:srgbClr val="21D6E0"/>
+                    </a:gs>
+                    <a:gs pos="75000">
+                      <a:srgbClr val="0087E6"/>
+                    </a:gs>
+                    <a:gs pos="100000">
+                      <a:srgbClr val="005CBF"/>
+                    </a:gs>
+                  </a:gsLst>
+                  <a:lin ang="5400000" scaled="1"/>
+                  <a:tileRect/>
+                </a:gradFill>
+              </a:rPr>
+              <a:t>(Who have a good knowledge of agriculture) </a:t>
+            </a:r>
+            <a:r>
+              <a:rPr lang="en-US" dirty="0" smtClean="0">
+                <a:gradFill flip="none" rotWithShape="1">
+                  <a:gsLst>
+                    <a:gs pos="0">
+                      <a:srgbClr val="03D4A8"/>
+                    </a:gs>
+                    <a:gs pos="25000">
+                      <a:srgbClr val="21D6E0"/>
+                    </a:gs>
+                    <a:gs pos="75000">
+                      <a:srgbClr val="0087E6"/>
+                    </a:gs>
+                    <a:gs pos="100000">
+                      <a:srgbClr val="005CBF"/>
+                    </a:gs>
+                  </a:gsLst>
+                  <a:lin ang="5400000" scaled="1"/>
+                  <a:tileRect/>
+                </a:gradFill>
+              </a:rPr>
+              <a:t>among  two  or  three  village  after  couple of  time  each  adviser  shifted  to  each  villages  for individual carrying of field. </a:t>
             </a:r>
           </a:p>
           <a:p>
@@ -6630,7 +7025,53 @@
                   <a:tileRect/>
                 </a:gradFill>
               </a:rPr>
-              <a:t> NPK, Urea, Potash, </a:t>
+              <a:t> NPK, Urea, </a:t>
+            </a:r>
+            <a:r>
+              <a:rPr lang="en-US" dirty="0" err="1" smtClean="0">
+                <a:gradFill flip="none" rotWithShape="1">
+                  <a:gsLst>
+                    <a:gs pos="0">
+                      <a:srgbClr val="03D4A8"/>
+                    </a:gs>
+                    <a:gs pos="25000">
+                      <a:srgbClr val="21D6E0"/>
+                    </a:gs>
+                    <a:gs pos="75000">
+                      <a:srgbClr val="0087E6"/>
+                    </a:gs>
+                    <a:gs pos="100000">
+                      <a:srgbClr val="005CBF"/>
+                    </a:gs>
+                  </a:gsLst>
+                  <a:lin ang="5400000" scaled="1"/>
+                  <a:tileRect/>
+                </a:gradFill>
+              </a:rPr>
+              <a:t>Pottash</a:t>
+            </a:r>
+            <a:r>
+              <a:rPr lang="en-US" dirty="0" smtClean="0">
+                <a:gradFill flip="none" rotWithShape="1">
+                  <a:gsLst>
+                    <a:gs pos="0">
+                      <a:srgbClr val="03D4A8"/>
+                    </a:gs>
+                    <a:gs pos="25000">
+                      <a:srgbClr val="21D6E0"/>
+                    </a:gs>
+                    <a:gs pos="75000">
+                      <a:srgbClr val="0087E6"/>
+                    </a:gs>
+                    <a:gs pos="100000">
+                      <a:srgbClr val="005CBF"/>
+                    </a:gs>
+                  </a:gsLst>
+                  <a:lin ang="5400000" scaled="1"/>
+                  <a:tileRect/>
+                </a:gradFill>
+              </a:rPr>
+              <a:t>, </a:t>
             </a:r>
             <a:r>
               <a:rPr lang="en-US" dirty="0" err="1" smtClean="0">
@@ -6774,7 +7215,7 @@
                   <a:tileRect/>
                 </a:gradFill>
               </a:rPr>
-              <a:t>Loan</a:t>
+              <a:t>Loan/KCC</a:t>
             </a:r>
             <a:r>
               <a:rPr lang="en-US" dirty="0" smtClean="0">
@@ -6797,7 +7238,76 @@
                   <a:tileRect/>
                 </a:gradFill>
               </a:rPr>
-              <a:t>  every  year  during difficult situation.</a:t>
+              <a:t>  </a:t>
+            </a:r>
+            <a:r>
+              <a:rPr lang="en-US" dirty="0" smtClean="0">
+                <a:gradFill flip="none" rotWithShape="1">
+                  <a:gsLst>
+                    <a:gs pos="0">
+                      <a:srgbClr val="03D4A8"/>
+                    </a:gs>
+                    <a:gs pos="25000">
+                      <a:srgbClr val="21D6E0"/>
+                    </a:gs>
+                    <a:gs pos="75000">
+                      <a:srgbClr val="0087E6"/>
+                    </a:gs>
+                    <a:gs pos="100000">
+                      <a:srgbClr val="005CBF"/>
+                    </a:gs>
+                  </a:gsLst>
+                  <a:lin ang="5400000" scaled="1"/>
+                  <a:tileRect/>
+                </a:gradFill>
+              </a:rPr>
+              <a:t>every  </a:t>
+            </a:r>
+            <a:r>
+              <a:rPr lang="en-US" dirty="0" smtClean="0">
+                <a:gradFill flip="none" rotWithShape="1">
+                  <a:gsLst>
+                    <a:gs pos="0">
+                      <a:srgbClr val="03D4A8"/>
+                    </a:gs>
+                    <a:gs pos="25000">
+                      <a:srgbClr val="21D6E0"/>
+                    </a:gs>
+                    <a:gs pos="75000">
+                      <a:srgbClr val="0087E6"/>
+                    </a:gs>
+                    <a:gs pos="100000">
+                      <a:srgbClr val="005CBF"/>
+                    </a:gs>
+                  </a:gsLst>
+                  <a:lin ang="5400000" scaled="1"/>
+                  <a:tileRect/>
+                </a:gradFill>
+              </a:rPr>
+              <a:t>year </a:t>
+            </a:r>
+            <a:r>
+              <a:rPr lang="en-US" dirty="0" smtClean="0">
+                <a:gradFill flip="none" rotWithShape="1">
+                  <a:gsLst>
+                    <a:gs pos="0">
+                      <a:srgbClr val="03D4A8"/>
+                    </a:gs>
+                    <a:gs pos="25000">
+                      <a:srgbClr val="21D6E0"/>
+                    </a:gs>
+                    <a:gs pos="75000">
+                      <a:srgbClr val="0087E6"/>
+                    </a:gs>
+                    <a:gs pos="100000">
+                      <a:srgbClr val="005CBF"/>
+                    </a:gs>
+                  </a:gsLst>
+                  <a:lin ang="5400000" scaled="1"/>
+                  <a:tileRect/>
+                </a:gradFill>
+              </a:rPr>
+              <a:t>during difficult situation.</a:t>
             </a:r>
           </a:p>
           <a:p>
@@ -7091,8 +7601,51 @@
                   <a:tileRect/>
                 </a:gradFill>
               </a:rPr>
-              <a:t>  or  for any  other  farming  based   work.</a:t>
-            </a:r>
+              <a:t>  or  for any  other  farming  based   </a:t>
+            </a:r>
+            <a:r>
+              <a:rPr lang="en-US" dirty="0" smtClean="0">
+                <a:gradFill flip="none" rotWithShape="1">
+                  <a:gsLst>
+                    <a:gs pos="0">
+                      <a:srgbClr val="03D4A8"/>
+                    </a:gs>
+                    <a:gs pos="25000">
+                      <a:srgbClr val="21D6E0"/>
+                    </a:gs>
+                    <a:gs pos="75000">
+                      <a:srgbClr val="0087E6"/>
+                    </a:gs>
+                    <a:gs pos="100000">
+                      <a:srgbClr val="005CBF"/>
+                    </a:gs>
+                  </a:gsLst>
+                  <a:lin ang="5400000" scaled="1"/>
+                  <a:tileRect/>
+                </a:gradFill>
+              </a:rPr>
+              <a:t>work.</a:t>
+            </a:r>
+            <a:endParaRPr lang="en-US" dirty="0" smtClean="0">
+              <a:gradFill flip="none" rotWithShape="1">
+                <a:gsLst>
+                  <a:gs pos="0">
+                    <a:srgbClr val="03D4A8"/>
+                  </a:gs>
+                  <a:gs pos="25000">
+                    <a:srgbClr val="21D6E0"/>
+                  </a:gs>
+                  <a:gs pos="75000">
+                    <a:srgbClr val="0087E6"/>
+                  </a:gs>
+                  <a:gs pos="100000">
+                    <a:srgbClr val="005CBF"/>
+                  </a:gs>
+                </a:gsLst>
+                <a:lin ang="5400000" scaled="1"/>
+                <a:tileRect/>
+              </a:gradFill>
+            </a:endParaRPr>
           </a:p>
           <a:p>
             <a:pPr marL="571500" indent="-571500">
@@ -7143,7 +7696,30 @@
                   <a:tileRect/>
                 </a:gradFill>
               </a:rPr>
-              <a:t>pump, cable, wire, pipe, </a:t>
+              <a:t>pump</a:t>
+            </a:r>
+            <a:r>
+              <a:rPr lang="en-US" b="1" i="1" u="sng" dirty="0" smtClean="0">
+                <a:gradFill flip="none" rotWithShape="1">
+                  <a:gsLst>
+                    <a:gs pos="0">
+                      <a:srgbClr val="03D4A8"/>
+                    </a:gs>
+                    <a:gs pos="25000">
+                      <a:srgbClr val="21D6E0"/>
+                    </a:gs>
+                    <a:gs pos="75000">
+                      <a:srgbClr val="0087E6"/>
+                    </a:gs>
+                    <a:gs pos="100000">
+                      <a:srgbClr val="005CBF"/>
+                    </a:gs>
+                  </a:gsLst>
+                  <a:lin ang="5400000" scaled="1"/>
+                  <a:tileRect/>
+                </a:gradFill>
+              </a:rPr>
+              <a:t>, cable, wire, pipe, </a:t>
             </a:r>
             <a:r>
               <a:rPr lang="en-US" b="1" i="1" u="sng" dirty="0" err="1" smtClean="0">
@@ -7189,7 +7765,53 @@
                   <a:tileRect/>
                 </a:gradFill>
               </a:rPr>
-              <a:t>, iron pipe, torch.</a:t>
+              <a:t>, iron pipe, </a:t>
+            </a:r>
+            <a:r>
+              <a:rPr lang="en-US" b="1" i="1" u="sng" dirty="0" smtClean="0">
+                <a:gradFill flip="none" rotWithShape="1">
+                  <a:gsLst>
+                    <a:gs pos="0">
+                      <a:srgbClr val="03D4A8"/>
+                    </a:gs>
+                    <a:gs pos="25000">
+                      <a:srgbClr val="21D6E0"/>
+                    </a:gs>
+                    <a:gs pos="75000">
+                      <a:srgbClr val="0087E6"/>
+                    </a:gs>
+                    <a:gs pos="100000">
+                      <a:srgbClr val="005CBF"/>
+                    </a:gs>
+                  </a:gsLst>
+                  <a:lin ang="5400000" scaled="1"/>
+                  <a:tileRect/>
+                </a:gradFill>
+              </a:rPr>
+              <a:t>torch </a:t>
+            </a:r>
+            <a:r>
+              <a:rPr lang="en-US" dirty="0" smtClean="0">
+                <a:gradFill flip="none" rotWithShape="1">
+                  <a:gsLst>
+                    <a:gs pos="0">
+                      <a:srgbClr val="03D4A8"/>
+                    </a:gs>
+                    <a:gs pos="25000">
+                      <a:srgbClr val="21D6E0"/>
+                    </a:gs>
+                    <a:gs pos="75000">
+                      <a:srgbClr val="0087E6"/>
+                    </a:gs>
+                    <a:gs pos="100000">
+                      <a:srgbClr val="005CBF"/>
+                    </a:gs>
+                  </a:gsLst>
+                  <a:lin ang="5400000" scaled="1"/>
+                  <a:tileRect/>
+                </a:gradFill>
+              </a:rPr>
+              <a:t>etc.</a:t>
             </a:r>
           </a:p>
           <a:p>
@@ -7405,7 +8027,76 @@
                   <a:tileRect/>
                 </a:gradFill>
               </a:rPr>
-              <a:t>Online buying of </a:t>
+              <a:t>Online </a:t>
+            </a:r>
+            <a:r>
+              <a:rPr lang="en-US" dirty="0" smtClean="0">
+                <a:gradFill flip="none" rotWithShape="1">
+                  <a:gsLst>
+                    <a:gs pos="0">
+                      <a:srgbClr val="03D4A8"/>
+                    </a:gs>
+                    <a:gs pos="25000">
+                      <a:srgbClr val="21D6E0"/>
+                    </a:gs>
+                    <a:gs pos="75000">
+                      <a:srgbClr val="0087E6"/>
+                    </a:gs>
+                    <a:gs pos="100000">
+                      <a:srgbClr val="005CBF"/>
+                    </a:gs>
+                  </a:gsLst>
+                  <a:lin ang="5400000" scaled="1"/>
+                  <a:tileRect/>
+                </a:gradFill>
+              </a:rPr>
+              <a:t>availability</a:t>
+            </a:r>
+            <a:r>
+              <a:rPr lang="en-US" dirty="0" smtClean="0">
+                <a:gradFill flip="none" rotWithShape="1">
+                  <a:gsLst>
+                    <a:gs pos="0">
+                      <a:srgbClr val="03D4A8"/>
+                    </a:gs>
+                    <a:gs pos="25000">
+                      <a:srgbClr val="21D6E0"/>
+                    </a:gs>
+                    <a:gs pos="75000">
+                      <a:srgbClr val="0087E6"/>
+                    </a:gs>
+                    <a:gs pos="100000">
+                      <a:srgbClr val="005CBF"/>
+                    </a:gs>
+                  </a:gsLst>
+                  <a:lin ang="5400000" scaled="1"/>
+                  <a:tileRect/>
+                </a:gradFill>
+              </a:rPr>
+              <a:t> </a:t>
+            </a:r>
+            <a:r>
+              <a:rPr lang="en-US" dirty="0" smtClean="0">
+                <a:gradFill flip="none" rotWithShape="1">
+                  <a:gsLst>
+                    <a:gs pos="0">
+                      <a:srgbClr val="03D4A8"/>
+                    </a:gs>
+                    <a:gs pos="25000">
+                      <a:srgbClr val="21D6E0"/>
+                    </a:gs>
+                    <a:gs pos="75000">
+                      <a:srgbClr val="0087E6"/>
+                    </a:gs>
+                    <a:gs pos="100000">
+                      <a:srgbClr val="005CBF"/>
+                    </a:gs>
+                  </a:gsLst>
+                  <a:lin ang="5400000" scaled="1"/>
+                  <a:tileRect/>
+                </a:gradFill>
+              </a:rPr>
+              <a:t>of </a:t>
             </a:r>
             <a:r>
               <a:rPr lang="en-US" b="1" i="1" u="sng" dirty="0" smtClean="0">
@@ -7428,7 +8119,7 @@
                   <a:tileRect/>
                 </a:gradFill>
               </a:rPr>
-              <a:t>organic</a:t>
+              <a:t>organic medicine</a:t>
             </a:r>
             <a:r>
               <a:rPr lang="en-US" dirty="0" smtClean="0">
@@ -7451,8 +8142,28 @@
                   <a:tileRect/>
                 </a:gradFill>
               </a:rPr>
-              <a:t> type of plant protective crop .</a:t>
-            </a:r>
+              <a:t> .</a:t>
+            </a:r>
+            <a:endParaRPr lang="en-US" dirty="0" smtClean="0">
+              <a:gradFill flip="none" rotWithShape="1">
+                <a:gsLst>
+                  <a:gs pos="0">
+                    <a:srgbClr val="03D4A8"/>
+                  </a:gs>
+                  <a:gs pos="25000">
+                    <a:srgbClr val="21D6E0"/>
+                  </a:gs>
+                  <a:gs pos="75000">
+                    <a:srgbClr val="0087E6"/>
+                  </a:gs>
+                  <a:gs pos="100000">
+                    <a:srgbClr val="005CBF"/>
+                  </a:gs>
+                </a:gsLst>
+                <a:lin ang="5400000" scaled="1"/>
+                <a:tileRect/>
+              </a:gradFill>
+            </a:endParaRPr>
           </a:p>
           <a:p>
             <a:pPr marL="571500" indent="-571500">
@@ -7480,7 +8191,53 @@
                   <a:tileRect/>
                 </a:gradFill>
               </a:rPr>
-              <a:t> Online  buying of  their  </a:t>
+              <a:t> </a:t>
+            </a:r>
+            <a:r>
+              <a:rPr lang="en-US" b="1" i="1" u="sng" dirty="0" smtClean="0">
+                <a:gradFill flip="none" rotWithShape="1">
+                  <a:gsLst>
+                    <a:gs pos="0">
+                      <a:srgbClr val="03D4A8"/>
+                    </a:gs>
+                    <a:gs pos="25000">
+                      <a:srgbClr val="21D6E0"/>
+                    </a:gs>
+                    <a:gs pos="75000">
+                      <a:srgbClr val="0087E6"/>
+                    </a:gs>
+                    <a:gs pos="100000">
+                      <a:srgbClr val="005CBF"/>
+                    </a:gs>
+                  </a:gsLst>
+                  <a:lin ang="5400000" scaled="1"/>
+                  <a:tileRect/>
+                </a:gradFill>
+              </a:rPr>
+              <a:t>Online  buying </a:t>
+            </a:r>
+            <a:r>
+              <a:rPr lang="en-US" b="1" i="1" u="sng" dirty="0" smtClean="0">
+                <a:gradFill flip="none" rotWithShape="1">
+                  <a:gsLst>
+                    <a:gs pos="0">
+                      <a:srgbClr val="03D4A8"/>
+                    </a:gs>
+                    <a:gs pos="25000">
+                      <a:srgbClr val="21D6E0"/>
+                    </a:gs>
+                    <a:gs pos="75000">
+                      <a:srgbClr val="0087E6"/>
+                    </a:gs>
+                    <a:gs pos="100000">
+                      <a:srgbClr val="005CBF"/>
+                    </a:gs>
+                  </a:gsLst>
+                  <a:lin ang="5400000" scaled="1"/>
+                  <a:tileRect/>
+                </a:gradFill>
+              </a:rPr>
+              <a:t>of  </a:t>
             </a:r>
             <a:r>
               <a:rPr lang="en-US" b="1" i="1" u="sng" dirty="0" smtClean="0">
@@ -7757,6 +8514,29 @@
               <a:buAutoNum type="romanLcPeriod" startAt="10"/>
             </a:pPr>
             <a:r>
+              <a:rPr lang="en-US" dirty="0" err="1" smtClean="0">
+                <a:gradFill flip="none" rotWithShape="1">
+                  <a:gsLst>
+                    <a:gs pos="0">
+                      <a:srgbClr val="03D4A8"/>
+                    </a:gs>
+                    <a:gs pos="25000">
+                      <a:srgbClr val="21D6E0"/>
+                    </a:gs>
+                    <a:gs pos="75000">
+                      <a:srgbClr val="0087E6"/>
+                    </a:gs>
+                    <a:gs pos="100000">
+                      <a:srgbClr val="005CBF"/>
+                    </a:gs>
+                  </a:gsLst>
+                  <a:lin ang="5400000" scaled="1"/>
+                  <a:tileRect/>
+                </a:gradFill>
+              </a:rPr>
+              <a:t>Trauli</a:t>
+            </a:r>
+            <a:r>
               <a:rPr lang="en-US" dirty="0" smtClean="0">
                 <a:gradFill flip="none" rotWithShape="1">
                   <a:gsLst>
@@ -7777,7 +8557,7 @@
                   <a:tileRect/>
                 </a:gradFill>
               </a:rPr>
-              <a:t> </a:t>
+              <a:t>, </a:t>
             </a:r>
             <a:r>
               <a:rPr lang="en-US" dirty="0" err="1" smtClean="0">
@@ -7800,7 +8580,7 @@
                   <a:tileRect/>
                 </a:gradFill>
               </a:rPr>
-              <a:t>Trauli</a:t>
+              <a:t>tracter</a:t>
             </a:r>
             <a:r>
               <a:rPr lang="en-US" dirty="0" smtClean="0">
@@ -7823,7 +8603,7 @@
                   <a:tileRect/>
                 </a:gradFill>
               </a:rPr>
-              <a:t>, </a:t>
+              <a:t> , </a:t>
             </a:r>
             <a:r>
               <a:rPr lang="en-US" dirty="0" err="1" smtClean="0">
@@ -7846,7 +8626,7 @@
                   <a:tileRect/>
                 </a:gradFill>
               </a:rPr>
-              <a:t>tracter</a:t>
+              <a:t>sediel</a:t>
             </a:r>
             <a:r>
               <a:rPr lang="en-US" dirty="0" smtClean="0">
@@ -7869,30 +8649,7 @@
                   <a:tileRect/>
                 </a:gradFill>
               </a:rPr>
-              <a:t> , </a:t>
-            </a:r>
-            <a:r>
-              <a:rPr lang="en-US" dirty="0" err="1" smtClean="0">
-                <a:gradFill flip="none" rotWithShape="1">
-                  <a:gsLst>
-                    <a:gs pos="0">
-                      <a:srgbClr val="03D4A8"/>
-                    </a:gs>
-                    <a:gs pos="25000">
-                      <a:srgbClr val="21D6E0"/>
-                    </a:gs>
-                    <a:gs pos="75000">
-                      <a:srgbClr val="0087E6"/>
-                    </a:gs>
-                    <a:gs pos="100000">
-                      <a:srgbClr val="005CBF"/>
-                    </a:gs>
-                  </a:gsLst>
-                  <a:lin ang="5400000" scaled="1"/>
-                  <a:tileRect/>
-                </a:gradFill>
-              </a:rPr>
-              <a:t>sediel</a:t>
+              <a:t>, (old &amp; new</a:t>
             </a:r>
             <a:r>
               <a:rPr lang="en-US" dirty="0" smtClean="0">
@@ -7915,8 +8672,141 @@
                   <a:tileRect/>
                 </a:gradFill>
               </a:rPr>
-              <a:t>, (old &amp; new)</a:t>
-            </a:r>
+              <a:t>) available on </a:t>
+            </a:r>
+            <a:r>
+              <a:rPr lang="en-US" b="1" i="1" u="sng" dirty="0" smtClean="0">
+                <a:gradFill flip="none" rotWithShape="1">
+                  <a:gsLst>
+                    <a:gs pos="0">
+                      <a:srgbClr val="03D4A8"/>
+                    </a:gs>
+                    <a:gs pos="25000">
+                      <a:srgbClr val="21D6E0"/>
+                    </a:gs>
+                    <a:gs pos="75000">
+                      <a:srgbClr val="0087E6"/>
+                    </a:gs>
+                    <a:gs pos="100000">
+                      <a:srgbClr val="005CBF"/>
+                    </a:gs>
+                  </a:gsLst>
+                  <a:lin ang="5400000" scaled="1"/>
+                  <a:tileRect/>
+                </a:gradFill>
+              </a:rPr>
+              <a:t>rent and for sell. </a:t>
+            </a:r>
+          </a:p>
+          <a:p>
+            <a:pPr marL="571500" indent="-571500">
+              <a:buFont typeface="+mj-lt"/>
+              <a:buAutoNum type="romanLcPeriod" startAt="10"/>
+            </a:pPr>
+            <a:r>
+              <a:rPr lang="en-US" b="1" i="1" u="sng" dirty="0" smtClean="0">
+                <a:gradFill flip="none" rotWithShape="1">
+                  <a:gsLst>
+                    <a:gs pos="0">
+                      <a:srgbClr val="03D4A8"/>
+                    </a:gs>
+                    <a:gs pos="25000">
+                      <a:srgbClr val="21D6E0"/>
+                    </a:gs>
+                    <a:gs pos="75000">
+                      <a:srgbClr val="0087E6"/>
+                    </a:gs>
+                    <a:gs pos="100000">
+                      <a:srgbClr val="005CBF"/>
+                    </a:gs>
+                  </a:gsLst>
+                  <a:lin ang="5400000" scaled="1"/>
+                  <a:tileRect/>
+                </a:gradFill>
+              </a:rPr>
+              <a:t>Organic fertilizer</a:t>
+            </a:r>
+            <a:r>
+              <a:rPr lang="en-US" dirty="0" smtClean="0">
+                <a:gradFill flip="none" rotWithShape="1">
+                  <a:gsLst>
+                    <a:gs pos="0">
+                      <a:srgbClr val="03D4A8"/>
+                    </a:gs>
+                    <a:gs pos="25000">
+                      <a:srgbClr val="21D6E0"/>
+                    </a:gs>
+                    <a:gs pos="75000">
+                      <a:srgbClr val="0087E6"/>
+                    </a:gs>
+                    <a:gs pos="100000">
+                      <a:srgbClr val="005CBF"/>
+                    </a:gs>
+                  </a:gsLst>
+                  <a:lin ang="5400000" scaled="1"/>
+                  <a:tileRect/>
+                </a:gradFill>
+              </a:rPr>
+              <a:t> from dung( home made).</a:t>
+            </a:r>
+          </a:p>
+          <a:p>
+            <a:pPr marL="571500" indent="-571500">
+              <a:buFont typeface="+mj-lt"/>
+              <a:buAutoNum type="romanLcPeriod" startAt="10"/>
+            </a:pPr>
+            <a:r>
+              <a:rPr lang="en-US" b="1" i="1" u="sng" dirty="0" smtClean="0">
+                <a:gradFill flip="none" rotWithShape="1">
+                  <a:gsLst>
+                    <a:gs pos="0">
+                      <a:srgbClr val="03D4A8"/>
+                    </a:gs>
+                    <a:gs pos="25000">
+                      <a:srgbClr val="21D6E0"/>
+                    </a:gs>
+                    <a:gs pos="75000">
+                      <a:srgbClr val="0087E6"/>
+                    </a:gs>
+                    <a:gs pos="100000">
+                      <a:srgbClr val="005CBF"/>
+                    </a:gs>
+                  </a:gsLst>
+                  <a:lin ang="5400000" scaled="1"/>
+                  <a:tileRect/>
+                </a:gradFill>
+              </a:rPr>
+              <a:t>Individual carrying </a:t>
+            </a:r>
+            <a:r>
+              <a:rPr lang="en-US" dirty="0" smtClean="0">
+                <a:gradFill flip="none" rotWithShape="1">
+                  <a:gsLst>
+                    <a:gs pos="0">
+                      <a:srgbClr val="03D4A8"/>
+                    </a:gs>
+                    <a:gs pos="25000">
+                      <a:srgbClr val="21D6E0"/>
+                    </a:gs>
+                    <a:gs pos="75000">
+                      <a:srgbClr val="0087E6"/>
+                    </a:gs>
+                    <a:gs pos="100000">
+                      <a:srgbClr val="005CBF"/>
+                    </a:gs>
+                  </a:gsLst>
+                  <a:lin ang="5400000" scaled="1"/>
+                  <a:tileRect/>
+                </a:gradFill>
+              </a:rPr>
+              <a:t>of field if needed.</a:t>
+            </a:r>
+          </a:p>
+          <a:p>
+            <a:pPr marL="571500" indent="-571500">
+              <a:buFont typeface="+mj-lt"/>
+              <a:buAutoNum type="romanLcPeriod" startAt="10"/>
+            </a:pPr>
             <a:endParaRPr lang="en-US" dirty="0">
               <a:gradFill flip="none" rotWithShape="1">
                 <a:gsLst>
@@ -7967,25 +8857,6 @@
       </p:grpSpPr>
       <p:sp>
         <p:nvSpPr>
-          <p:cNvPr id="2" name="Title 1"/>
-          <p:cNvSpPr>
-            <a:spLocks noGrp="1"/>
-          </p:cNvSpPr>
-          <p:nvPr>
-            <p:ph type="title"/>
-          </p:nvPr>
-        </p:nvSpPr>
-        <p:spPr/>
-        <p:txBody>
-          <a:bodyPr/>
-          <a:lstStyle/>
-          <a:p>
-            <a:endParaRPr lang="en-US"/>
-          </a:p>
-        </p:txBody>
-      </p:sp>
-      <p:sp>
-        <p:nvSpPr>
           <p:cNvPr id="3" name="Content Placeholder 2"/>
           <p:cNvSpPr>
             <a:spLocks noGrp="1"/>
@@ -7994,12 +8865,217 @@
             <p:ph idx="1"/>
           </p:nvPr>
         </p:nvSpPr>
-        <p:spPr/>
+        <p:spPr>
+          <a:xfrm>
+            <a:off x="457200" y="685800"/>
+            <a:ext cx="8229600" cy="5638800"/>
+          </a:xfrm>
+        </p:spPr>
         <p:txBody>
           <a:bodyPr/>
           <a:lstStyle/>
           <a:p>
-            <a:endParaRPr lang="en-US"/>
+            <a:pPr marL="571500" indent="-571500">
+              <a:buFont typeface="+mj-lt"/>
+              <a:buAutoNum type="romanLcPeriod" startAt="19"/>
+            </a:pPr>
+            <a:r>
+              <a:rPr lang="en-US" dirty="0" smtClean="0">
+                <a:gradFill flip="none" rotWithShape="1">
+                  <a:gsLst>
+                    <a:gs pos="0">
+                      <a:srgbClr val="03D4A8"/>
+                    </a:gs>
+                    <a:gs pos="25000">
+                      <a:srgbClr val="21D6E0"/>
+                    </a:gs>
+                    <a:gs pos="75000">
+                      <a:srgbClr val="0087E6"/>
+                    </a:gs>
+                    <a:gs pos="100000">
+                      <a:srgbClr val="005CBF"/>
+                    </a:gs>
+                  </a:gsLst>
+                  <a:lin ang="5400000" scaled="1"/>
+                  <a:tileRect/>
+                </a:gradFill>
+              </a:rPr>
+              <a:t>Online buying of </a:t>
+            </a:r>
+            <a:r>
+              <a:rPr lang="en-US" b="1" i="1" u="sng" dirty="0" smtClean="0">
+                <a:gradFill flip="none" rotWithShape="1">
+                  <a:gsLst>
+                    <a:gs pos="0">
+                      <a:srgbClr val="03D4A8"/>
+                    </a:gs>
+                    <a:gs pos="25000">
+                      <a:srgbClr val="21D6E0"/>
+                    </a:gs>
+                    <a:gs pos="75000">
+                      <a:srgbClr val="0087E6"/>
+                    </a:gs>
+                    <a:gs pos="100000">
+                      <a:srgbClr val="005CBF"/>
+                    </a:gs>
+                  </a:gsLst>
+                  <a:lin ang="5400000" scaled="1"/>
+                  <a:tileRect/>
+                </a:gradFill>
+              </a:rPr>
+              <a:t> Grass powder </a:t>
+            </a:r>
+            <a:r>
+              <a:rPr lang="en-US" dirty="0" smtClean="0">
+                <a:gradFill flip="none" rotWithShape="1">
+                  <a:gsLst>
+                    <a:gs pos="0">
+                      <a:srgbClr val="03D4A8"/>
+                    </a:gs>
+                    <a:gs pos="25000">
+                      <a:srgbClr val="21D6E0"/>
+                    </a:gs>
+                    <a:gs pos="75000">
+                      <a:srgbClr val="0087E6"/>
+                    </a:gs>
+                    <a:gs pos="100000">
+                      <a:srgbClr val="005CBF"/>
+                    </a:gs>
+                  </a:gsLst>
+                  <a:lin ang="5400000" scaled="1"/>
+                  <a:tileRect/>
+                </a:gradFill>
+              </a:rPr>
+              <a:t>.</a:t>
+            </a:r>
+          </a:p>
+          <a:p>
+            <a:pPr marL="571500" indent="-571500">
+              <a:buFont typeface="+mj-lt"/>
+              <a:buAutoNum type="romanLcPeriod" startAt="19"/>
+            </a:pPr>
+            <a:r>
+              <a:rPr lang="en-US" dirty="0" smtClean="0">
+                <a:gradFill flip="none" rotWithShape="1">
+                  <a:gsLst>
+                    <a:gs pos="0">
+                      <a:srgbClr val="03D4A8"/>
+                    </a:gs>
+                    <a:gs pos="25000">
+                      <a:srgbClr val="21D6E0"/>
+                    </a:gs>
+                    <a:gs pos="75000">
+                      <a:srgbClr val="0087E6"/>
+                    </a:gs>
+                    <a:gs pos="100000">
+                      <a:srgbClr val="005CBF"/>
+                    </a:gs>
+                  </a:gsLst>
+                  <a:lin ang="5400000" scaled="1"/>
+                  <a:tileRect/>
+                </a:gradFill>
+              </a:rPr>
+              <a:t>Online buying of </a:t>
+            </a:r>
+            <a:r>
+              <a:rPr lang="en-US" b="1" i="1" u="sng" dirty="0" smtClean="0">
+                <a:gradFill flip="none" rotWithShape="1">
+                  <a:gsLst>
+                    <a:gs pos="0">
+                      <a:srgbClr val="03D4A8"/>
+                    </a:gs>
+                    <a:gs pos="25000">
+                      <a:srgbClr val="21D6E0"/>
+                    </a:gs>
+                    <a:gs pos="75000">
+                      <a:srgbClr val="0087E6"/>
+                    </a:gs>
+                    <a:gs pos="100000">
+                      <a:srgbClr val="005CBF"/>
+                    </a:gs>
+                  </a:gsLst>
+                  <a:lin ang="5400000" scaled="1"/>
+                  <a:tileRect/>
+                </a:gradFill>
+              </a:rPr>
+              <a:t>Khali</a:t>
+            </a:r>
+            <a:r>
+              <a:rPr lang="en-US" dirty="0" smtClean="0">
+                <a:gradFill flip="none" rotWithShape="1">
+                  <a:gsLst>
+                    <a:gs pos="0">
+                      <a:srgbClr val="03D4A8"/>
+                    </a:gs>
+                    <a:gs pos="25000">
+                      <a:srgbClr val="21D6E0"/>
+                    </a:gs>
+                    <a:gs pos="75000">
+                      <a:srgbClr val="0087E6"/>
+                    </a:gs>
+                    <a:gs pos="100000">
+                      <a:srgbClr val="005CBF"/>
+                    </a:gs>
+                  </a:gsLst>
+                  <a:lin ang="5400000" scaled="1"/>
+                  <a:tileRect/>
+                </a:gradFill>
+              </a:rPr>
+              <a:t>.</a:t>
+            </a:r>
+          </a:p>
+          <a:p>
+            <a:pPr marL="571500" indent="-571500">
+              <a:buFont typeface="+mj-lt"/>
+              <a:buAutoNum type="romanLcPeriod" startAt="19"/>
+            </a:pPr>
+            <a:r>
+              <a:rPr lang="en-US" b="1" i="1" u="sng" dirty="0" smtClean="0">
+                <a:gradFill flip="none" rotWithShape="1">
+                  <a:gsLst>
+                    <a:gs pos="0">
+                      <a:srgbClr val="03D4A8"/>
+                    </a:gs>
+                    <a:gs pos="25000">
+                      <a:srgbClr val="21D6E0"/>
+                    </a:gs>
+                    <a:gs pos="75000">
+                      <a:srgbClr val="0087E6"/>
+                    </a:gs>
+                    <a:gs pos="100000">
+                      <a:srgbClr val="005CBF"/>
+                    </a:gs>
+                  </a:gsLst>
+                  <a:lin ang="5400000" scaled="1"/>
+                  <a:tileRect/>
+                </a:gradFill>
+              </a:rPr>
+              <a:t>Animals</a:t>
+            </a:r>
+            <a:r>
+              <a:rPr lang="en-US" dirty="0" smtClean="0">
+                <a:gradFill flip="none" rotWithShape="1">
+                  <a:gsLst>
+                    <a:gs pos="0">
+                      <a:srgbClr val="03D4A8"/>
+                    </a:gs>
+                    <a:gs pos="25000">
+                      <a:srgbClr val="21D6E0"/>
+                    </a:gs>
+                    <a:gs pos="75000">
+                      <a:srgbClr val="0087E6"/>
+                    </a:gs>
+                    <a:gs pos="100000">
+                      <a:srgbClr val="005CBF"/>
+                    </a:gs>
+                  </a:gsLst>
+                  <a:lin ang="5400000" scaled="1"/>
+                  <a:tileRect/>
+                </a:gradFill>
+              </a:rPr>
+              <a:t> (goat, buffalo, cow   etc) can be sell or buy online from home.</a:t>
+            </a:r>
+            <a:endParaRPr lang="en-US" dirty="0" smtClean="0"/>
           </a:p>
         </p:txBody>
       </p:sp>

--- a/project.pptx
+++ b/project.pptx
@@ -4841,19 +4841,25 @@
               <a:rPr lang="en-US" dirty="0" smtClean="0">
                 <a:sym typeface="Wingdings" pitchFamily="2" charset="2"/>
               </a:rPr>
-              <a:t>NPK, DAP, </a:t>
-            </a:r>
-            <a:r>
-              <a:rPr lang="en-US" dirty="0" err="1" smtClean="0">
+              <a:t>NPK, DAP</a:t>
+            </a:r>
+            <a:r>
+              <a:rPr lang="en-US" smtClean="0">
                 <a:sym typeface="Wingdings" pitchFamily="2" charset="2"/>
               </a:rPr>
-              <a:t>Pottash</a:t>
+              <a:t>, </a:t>
+            </a:r>
+            <a:r>
+              <a:rPr lang="en-US" smtClean="0">
+                <a:sym typeface="Wingdings" pitchFamily="2" charset="2"/>
+              </a:rPr>
+              <a:t>Potash </a:t>
             </a:r>
             <a:r>
               <a:rPr lang="en-US" dirty="0" smtClean="0">
                 <a:sym typeface="Wingdings" pitchFamily="2" charset="2"/>
               </a:rPr>
-              <a:t> buy from company/Agency directly before season.</a:t>
+              <a:t>buy from company/Agency directly before season.</a:t>
             </a:r>
           </a:p>
           <a:p>
@@ -4870,9 +4876,6 @@
               </a:rPr>
               <a:t>KCC/Loan providing which needed account in bank so that EMI is deducted from account of farmer.</a:t>
             </a:r>
-            <a:endParaRPr lang="en-US" dirty="0" smtClean="0">
-              <a:sym typeface="Wingdings" pitchFamily="2" charset="2"/>
-            </a:endParaRPr>
           </a:p>
         </p:txBody>
       </p:sp>
@@ -6950,53 +6953,7 @@
                   <a:tileRect/>
                 </a:gradFill>
               </a:rPr>
-              <a:t> </a:t>
-            </a:r>
-            <a:r>
-              <a:rPr lang="en-US" dirty="0" smtClean="0">
-                <a:gradFill flip="none" rotWithShape="1">
-                  <a:gsLst>
-                    <a:gs pos="0">
-                      <a:srgbClr val="03D4A8"/>
-                    </a:gs>
-                    <a:gs pos="25000">
-                      <a:srgbClr val="21D6E0"/>
-                    </a:gs>
-                    <a:gs pos="75000">
-                      <a:srgbClr val="0087E6"/>
-                    </a:gs>
-                    <a:gs pos="100000">
-                      <a:srgbClr val="005CBF"/>
-                    </a:gs>
-                  </a:gsLst>
-                  <a:lin ang="5400000" scaled="1"/>
-                  <a:tileRect/>
-                </a:gradFill>
-              </a:rPr>
-              <a:t>(Who have a good knowledge of agriculture) </a:t>
-            </a:r>
-            <a:r>
-              <a:rPr lang="en-US" dirty="0" smtClean="0">
-                <a:gradFill flip="none" rotWithShape="1">
-                  <a:gsLst>
-                    <a:gs pos="0">
-                      <a:srgbClr val="03D4A8"/>
-                    </a:gs>
-                    <a:gs pos="25000">
-                      <a:srgbClr val="21D6E0"/>
-                    </a:gs>
-                    <a:gs pos="75000">
-                      <a:srgbClr val="0087E6"/>
-                    </a:gs>
-                    <a:gs pos="100000">
-                      <a:srgbClr val="005CBF"/>
-                    </a:gs>
-                  </a:gsLst>
-                  <a:lin ang="5400000" scaled="1"/>
-                  <a:tileRect/>
-                </a:gradFill>
-              </a:rPr>
-              <a:t>among  two  or  three  village  after  couple of  time  each  adviser  shifted  to  each  villages  for individual carrying of field. </a:t>
+              <a:t> (Who have a good knowledge of agriculture) among  two  or  three  village  after  couple of  time  each  adviser  shifted  to  each  villages  for individual carrying of field. </a:t>
             </a:r>
           </a:p>
           <a:p>
@@ -7238,76 +7195,7 @@
                   <a:tileRect/>
                 </a:gradFill>
               </a:rPr>
-              <a:t>  </a:t>
-            </a:r>
-            <a:r>
-              <a:rPr lang="en-US" dirty="0" smtClean="0">
-                <a:gradFill flip="none" rotWithShape="1">
-                  <a:gsLst>
-                    <a:gs pos="0">
-                      <a:srgbClr val="03D4A8"/>
-                    </a:gs>
-                    <a:gs pos="25000">
-                      <a:srgbClr val="21D6E0"/>
-                    </a:gs>
-                    <a:gs pos="75000">
-                      <a:srgbClr val="0087E6"/>
-                    </a:gs>
-                    <a:gs pos="100000">
-                      <a:srgbClr val="005CBF"/>
-                    </a:gs>
-                  </a:gsLst>
-                  <a:lin ang="5400000" scaled="1"/>
-                  <a:tileRect/>
-                </a:gradFill>
-              </a:rPr>
-              <a:t>every  </a:t>
-            </a:r>
-            <a:r>
-              <a:rPr lang="en-US" dirty="0" smtClean="0">
-                <a:gradFill flip="none" rotWithShape="1">
-                  <a:gsLst>
-                    <a:gs pos="0">
-                      <a:srgbClr val="03D4A8"/>
-                    </a:gs>
-                    <a:gs pos="25000">
-                      <a:srgbClr val="21D6E0"/>
-                    </a:gs>
-                    <a:gs pos="75000">
-                      <a:srgbClr val="0087E6"/>
-                    </a:gs>
-                    <a:gs pos="100000">
-                      <a:srgbClr val="005CBF"/>
-                    </a:gs>
-                  </a:gsLst>
-                  <a:lin ang="5400000" scaled="1"/>
-                  <a:tileRect/>
-                </a:gradFill>
-              </a:rPr>
-              <a:t>year </a:t>
-            </a:r>
-            <a:r>
-              <a:rPr lang="en-US" dirty="0" smtClean="0">
-                <a:gradFill flip="none" rotWithShape="1">
-                  <a:gsLst>
-                    <a:gs pos="0">
-                      <a:srgbClr val="03D4A8"/>
-                    </a:gs>
-                    <a:gs pos="25000">
-                      <a:srgbClr val="21D6E0"/>
-                    </a:gs>
-                    <a:gs pos="75000">
-                      <a:srgbClr val="0087E6"/>
-                    </a:gs>
-                    <a:gs pos="100000">
-                      <a:srgbClr val="005CBF"/>
-                    </a:gs>
-                  </a:gsLst>
-                  <a:lin ang="5400000" scaled="1"/>
-                  <a:tileRect/>
-                </a:gradFill>
-              </a:rPr>
-              <a:t>during difficult situation.</a:t>
+              <a:t>  every  year during difficult situation.</a:t>
             </a:r>
           </a:p>
           <a:p>
@@ -7601,51 +7489,8 @@
                   <a:tileRect/>
                 </a:gradFill>
               </a:rPr>
-              <a:t>  or  for any  other  farming  based   </a:t>
-            </a:r>
-            <a:r>
-              <a:rPr lang="en-US" dirty="0" smtClean="0">
-                <a:gradFill flip="none" rotWithShape="1">
-                  <a:gsLst>
-                    <a:gs pos="0">
-                      <a:srgbClr val="03D4A8"/>
-                    </a:gs>
-                    <a:gs pos="25000">
-                      <a:srgbClr val="21D6E0"/>
-                    </a:gs>
-                    <a:gs pos="75000">
-                      <a:srgbClr val="0087E6"/>
-                    </a:gs>
-                    <a:gs pos="100000">
-                      <a:srgbClr val="005CBF"/>
-                    </a:gs>
-                  </a:gsLst>
-                  <a:lin ang="5400000" scaled="1"/>
-                  <a:tileRect/>
-                </a:gradFill>
-              </a:rPr>
-              <a:t>work.</a:t>
-            </a:r>
-            <a:endParaRPr lang="en-US" dirty="0" smtClean="0">
-              <a:gradFill flip="none" rotWithShape="1">
-                <a:gsLst>
-                  <a:gs pos="0">
-                    <a:srgbClr val="03D4A8"/>
-                  </a:gs>
-                  <a:gs pos="25000">
-                    <a:srgbClr val="21D6E0"/>
-                  </a:gs>
-                  <a:gs pos="75000">
-                    <a:srgbClr val="0087E6"/>
-                  </a:gs>
-                  <a:gs pos="100000">
-                    <a:srgbClr val="005CBF"/>
-                  </a:gs>
-                </a:gsLst>
-                <a:lin ang="5400000" scaled="1"/>
-                <a:tileRect/>
-              </a:gradFill>
-            </a:endParaRPr>
+              <a:t>  or  for any  other  farming  based   work.</a:t>
+            </a:r>
           </a:p>
           <a:p>
             <a:pPr marL="571500" indent="-571500">
@@ -7696,7 +7541,30 @@
                   <a:tileRect/>
                 </a:gradFill>
               </a:rPr>
-              <a:t>pump</a:t>
+              <a:t>pump, cable, wire, pipe, </a:t>
+            </a:r>
+            <a:r>
+              <a:rPr lang="en-US" b="1" i="1" u="sng" dirty="0" err="1" smtClean="0">
+                <a:gradFill flip="none" rotWithShape="1">
+                  <a:gsLst>
+                    <a:gs pos="0">
+                      <a:srgbClr val="03D4A8"/>
+                    </a:gs>
+                    <a:gs pos="25000">
+                      <a:srgbClr val="21D6E0"/>
+                    </a:gs>
+                    <a:gs pos="75000">
+                      <a:srgbClr val="0087E6"/>
+                    </a:gs>
+                    <a:gs pos="100000">
+                      <a:srgbClr val="005CBF"/>
+                    </a:gs>
+                  </a:gsLst>
+                  <a:lin ang="5400000" scaled="1"/>
+                  <a:tileRect/>
+                </a:gradFill>
+              </a:rPr>
+              <a:t>casta</a:t>
             </a:r>
             <a:r>
               <a:rPr lang="en-US" b="1" i="1" u="sng" dirty="0" smtClean="0">
@@ -7719,76 +7587,7 @@
                   <a:tileRect/>
                 </a:gradFill>
               </a:rPr>
-              <a:t>, cable, wire, pipe, </a:t>
-            </a:r>
-            <a:r>
-              <a:rPr lang="en-US" b="1" i="1" u="sng" dirty="0" err="1" smtClean="0">
-                <a:gradFill flip="none" rotWithShape="1">
-                  <a:gsLst>
-                    <a:gs pos="0">
-                      <a:srgbClr val="03D4A8"/>
-                    </a:gs>
-                    <a:gs pos="25000">
-                      <a:srgbClr val="21D6E0"/>
-                    </a:gs>
-                    <a:gs pos="75000">
-                      <a:srgbClr val="0087E6"/>
-                    </a:gs>
-                    <a:gs pos="100000">
-                      <a:srgbClr val="005CBF"/>
-                    </a:gs>
-                  </a:gsLst>
-                  <a:lin ang="5400000" scaled="1"/>
-                  <a:tileRect/>
-                </a:gradFill>
-              </a:rPr>
-              <a:t>casta</a:t>
-            </a:r>
-            <a:r>
-              <a:rPr lang="en-US" b="1" i="1" u="sng" dirty="0" smtClean="0">
-                <a:gradFill flip="none" rotWithShape="1">
-                  <a:gsLst>
-                    <a:gs pos="0">
-                      <a:srgbClr val="03D4A8"/>
-                    </a:gs>
-                    <a:gs pos="25000">
-                      <a:srgbClr val="21D6E0"/>
-                    </a:gs>
-                    <a:gs pos="75000">
-                      <a:srgbClr val="0087E6"/>
-                    </a:gs>
-                    <a:gs pos="100000">
-                      <a:srgbClr val="005CBF"/>
-                    </a:gs>
-                  </a:gsLst>
-                  <a:lin ang="5400000" scaled="1"/>
-                  <a:tileRect/>
-                </a:gradFill>
-              </a:rPr>
-              <a:t>, iron pipe, </a:t>
-            </a:r>
-            <a:r>
-              <a:rPr lang="en-US" b="1" i="1" u="sng" dirty="0" smtClean="0">
-                <a:gradFill flip="none" rotWithShape="1">
-                  <a:gsLst>
-                    <a:gs pos="0">
-                      <a:srgbClr val="03D4A8"/>
-                    </a:gs>
-                    <a:gs pos="25000">
-                      <a:srgbClr val="21D6E0"/>
-                    </a:gs>
-                    <a:gs pos="75000">
-                      <a:srgbClr val="0087E6"/>
-                    </a:gs>
-                    <a:gs pos="100000">
-                      <a:srgbClr val="005CBF"/>
-                    </a:gs>
-                  </a:gsLst>
-                  <a:lin ang="5400000" scaled="1"/>
-                  <a:tileRect/>
-                </a:gradFill>
-              </a:rPr>
-              <a:t>torch </a:t>
+              <a:t>, iron pipe, torch </a:t>
             </a:r>
             <a:r>
               <a:rPr lang="en-US" dirty="0" smtClean="0">
@@ -8027,7 +7826,30 @@
                   <a:tileRect/>
                 </a:gradFill>
               </a:rPr>
-              <a:t>Online </a:t>
+              <a:t>Online availability of </a:t>
+            </a:r>
+            <a:r>
+              <a:rPr lang="en-US" b="1" i="1" u="sng" dirty="0" smtClean="0">
+                <a:gradFill flip="none" rotWithShape="1">
+                  <a:gsLst>
+                    <a:gs pos="0">
+                      <a:srgbClr val="03D4A8"/>
+                    </a:gs>
+                    <a:gs pos="25000">
+                      <a:srgbClr val="21D6E0"/>
+                    </a:gs>
+                    <a:gs pos="75000">
+                      <a:srgbClr val="0087E6"/>
+                    </a:gs>
+                    <a:gs pos="100000">
+                      <a:srgbClr val="005CBF"/>
+                    </a:gs>
+                  </a:gsLst>
+                  <a:lin ang="5400000" scaled="1"/>
+                  <a:tileRect/>
+                </a:gradFill>
+              </a:rPr>
+              <a:t>organic medicine</a:t>
             </a:r>
             <a:r>
               <a:rPr lang="en-US" dirty="0" smtClean="0">
@@ -8050,120 +7872,8 @@
                   <a:tileRect/>
                 </a:gradFill>
               </a:rPr>
-              <a:t>availability</a:t>
-            </a:r>
-            <a:r>
-              <a:rPr lang="en-US" dirty="0" smtClean="0">
-                <a:gradFill flip="none" rotWithShape="1">
-                  <a:gsLst>
-                    <a:gs pos="0">
-                      <a:srgbClr val="03D4A8"/>
-                    </a:gs>
-                    <a:gs pos="25000">
-                      <a:srgbClr val="21D6E0"/>
-                    </a:gs>
-                    <a:gs pos="75000">
-                      <a:srgbClr val="0087E6"/>
-                    </a:gs>
-                    <a:gs pos="100000">
-                      <a:srgbClr val="005CBF"/>
-                    </a:gs>
-                  </a:gsLst>
-                  <a:lin ang="5400000" scaled="1"/>
-                  <a:tileRect/>
-                </a:gradFill>
-              </a:rPr>
-              <a:t> </a:t>
-            </a:r>
-            <a:r>
-              <a:rPr lang="en-US" dirty="0" smtClean="0">
-                <a:gradFill flip="none" rotWithShape="1">
-                  <a:gsLst>
-                    <a:gs pos="0">
-                      <a:srgbClr val="03D4A8"/>
-                    </a:gs>
-                    <a:gs pos="25000">
-                      <a:srgbClr val="21D6E0"/>
-                    </a:gs>
-                    <a:gs pos="75000">
-                      <a:srgbClr val="0087E6"/>
-                    </a:gs>
-                    <a:gs pos="100000">
-                      <a:srgbClr val="005CBF"/>
-                    </a:gs>
-                  </a:gsLst>
-                  <a:lin ang="5400000" scaled="1"/>
-                  <a:tileRect/>
-                </a:gradFill>
-              </a:rPr>
-              <a:t>of </a:t>
-            </a:r>
-            <a:r>
-              <a:rPr lang="en-US" b="1" i="1" u="sng" dirty="0" smtClean="0">
-                <a:gradFill flip="none" rotWithShape="1">
-                  <a:gsLst>
-                    <a:gs pos="0">
-                      <a:srgbClr val="03D4A8"/>
-                    </a:gs>
-                    <a:gs pos="25000">
-                      <a:srgbClr val="21D6E0"/>
-                    </a:gs>
-                    <a:gs pos="75000">
-                      <a:srgbClr val="0087E6"/>
-                    </a:gs>
-                    <a:gs pos="100000">
-                      <a:srgbClr val="005CBF"/>
-                    </a:gs>
-                  </a:gsLst>
-                  <a:lin ang="5400000" scaled="1"/>
-                  <a:tileRect/>
-                </a:gradFill>
-              </a:rPr>
-              <a:t>organic medicine</a:t>
-            </a:r>
-            <a:r>
-              <a:rPr lang="en-US" dirty="0" smtClean="0">
-                <a:gradFill flip="none" rotWithShape="1">
-                  <a:gsLst>
-                    <a:gs pos="0">
-                      <a:srgbClr val="03D4A8"/>
-                    </a:gs>
-                    <a:gs pos="25000">
-                      <a:srgbClr val="21D6E0"/>
-                    </a:gs>
-                    <a:gs pos="75000">
-                      <a:srgbClr val="0087E6"/>
-                    </a:gs>
-                    <a:gs pos="100000">
-                      <a:srgbClr val="005CBF"/>
-                    </a:gs>
-                  </a:gsLst>
-                  <a:lin ang="5400000" scaled="1"/>
-                  <a:tileRect/>
-                </a:gradFill>
-              </a:rPr>
               <a:t> .</a:t>
             </a:r>
-            <a:endParaRPr lang="en-US" dirty="0" smtClean="0">
-              <a:gradFill flip="none" rotWithShape="1">
-                <a:gsLst>
-                  <a:gs pos="0">
-                    <a:srgbClr val="03D4A8"/>
-                  </a:gs>
-                  <a:gs pos="25000">
-                    <a:srgbClr val="21D6E0"/>
-                  </a:gs>
-                  <a:gs pos="75000">
-                    <a:srgbClr val="0087E6"/>
-                  </a:gs>
-                  <a:gs pos="100000">
-                    <a:srgbClr val="005CBF"/>
-                  </a:gs>
-                </a:gsLst>
-                <a:lin ang="5400000" scaled="1"/>
-                <a:tileRect/>
-              </a:gradFill>
-            </a:endParaRPr>
           </a:p>
           <a:p>
             <a:pPr marL="571500" indent="-571500">
@@ -8214,53 +7924,7 @@
                   <a:tileRect/>
                 </a:gradFill>
               </a:rPr>
-              <a:t>Online  buying </a:t>
-            </a:r>
-            <a:r>
-              <a:rPr lang="en-US" b="1" i="1" u="sng" dirty="0" smtClean="0">
-                <a:gradFill flip="none" rotWithShape="1">
-                  <a:gsLst>
-                    <a:gs pos="0">
-                      <a:srgbClr val="03D4A8"/>
-                    </a:gs>
-                    <a:gs pos="25000">
-                      <a:srgbClr val="21D6E0"/>
-                    </a:gs>
-                    <a:gs pos="75000">
-                      <a:srgbClr val="0087E6"/>
-                    </a:gs>
-                    <a:gs pos="100000">
-                      <a:srgbClr val="005CBF"/>
-                    </a:gs>
-                  </a:gsLst>
-                  <a:lin ang="5400000" scaled="1"/>
-                  <a:tileRect/>
-                </a:gradFill>
-              </a:rPr>
-              <a:t>of  </a:t>
-            </a:r>
-            <a:r>
-              <a:rPr lang="en-US" b="1" i="1" u="sng" dirty="0" smtClean="0">
-                <a:gradFill flip="none" rotWithShape="1">
-                  <a:gsLst>
-                    <a:gs pos="0">
-                      <a:srgbClr val="03D4A8"/>
-                    </a:gs>
-                    <a:gs pos="25000">
-                      <a:srgbClr val="21D6E0"/>
-                    </a:gs>
-                    <a:gs pos="75000">
-                      <a:srgbClr val="0087E6"/>
-                    </a:gs>
-                    <a:gs pos="100000">
-                      <a:srgbClr val="005CBF"/>
-                    </a:gs>
-                  </a:gsLst>
-                  <a:lin ang="5400000" scaled="1"/>
-                  <a:tileRect/>
-                </a:gradFill>
-              </a:rPr>
-              <a:t>crop  </a:t>
+              <a:t>Online  buying of  crop  </a:t>
             </a:r>
             <a:r>
               <a:rPr lang="en-US" dirty="0" smtClean="0">
@@ -8649,30 +8313,7 @@
                   <a:tileRect/>
                 </a:gradFill>
               </a:rPr>
-              <a:t>, (old &amp; new</a:t>
-            </a:r>
-            <a:r>
-              <a:rPr lang="en-US" dirty="0" smtClean="0">
-                <a:gradFill flip="none" rotWithShape="1">
-                  <a:gsLst>
-                    <a:gs pos="0">
-                      <a:srgbClr val="03D4A8"/>
-                    </a:gs>
-                    <a:gs pos="25000">
-                      <a:srgbClr val="21D6E0"/>
-                    </a:gs>
-                    <a:gs pos="75000">
-                      <a:srgbClr val="0087E6"/>
-                    </a:gs>
-                    <a:gs pos="100000">
-                      <a:srgbClr val="005CBF"/>
-                    </a:gs>
-                  </a:gsLst>
-                  <a:lin ang="5400000" scaled="1"/>
-                  <a:tileRect/>
-                </a:gradFill>
-              </a:rPr>
-              <a:t>) available on </a:t>
+              <a:t>, (old &amp; new) available on </a:t>
             </a:r>
             <a:r>
               <a:rPr lang="en-US" b="1" i="1" u="sng" dirty="0" smtClean="0">

--- a/project.pptx
+++ b/project.pptx
@@ -2,25 +2,34 @@
 <file path=ppt/presentation.xml><?xml version="1.0" encoding="utf-8"?>
 <p:presentation xmlns:a="http://schemas.openxmlformats.org/drawingml/2006/main" xmlns:r="http://schemas.openxmlformats.org/officeDocument/2006/relationships" xmlns:p="http://schemas.openxmlformats.org/presentationml/2006/main" saveSubsetFonts="1">
   <p:sldMasterIdLst>
-    <p:sldMasterId id="2147483660" r:id="rId1"/>
+    <p:sldMasterId id="2147483720" r:id="rId1"/>
   </p:sldMasterIdLst>
   <p:notesMasterIdLst>
-    <p:notesMasterId r:id="rId15"/>
+    <p:notesMasterId r:id="rId24"/>
   </p:notesMasterIdLst>
   <p:sldIdLst>
     <p:sldId id="263" r:id="rId2"/>
-    <p:sldId id="262" r:id="rId3"/>
-    <p:sldId id="257" r:id="rId4"/>
-    <p:sldId id="258" r:id="rId5"/>
-    <p:sldId id="259" r:id="rId6"/>
-    <p:sldId id="260" r:id="rId7"/>
-    <p:sldId id="264" r:id="rId8"/>
-    <p:sldId id="265" r:id="rId9"/>
-    <p:sldId id="266" r:id="rId10"/>
-    <p:sldId id="267" r:id="rId11"/>
-    <p:sldId id="268" r:id="rId12"/>
-    <p:sldId id="269" r:id="rId13"/>
-    <p:sldId id="261" r:id="rId14"/>
+    <p:sldId id="271" r:id="rId3"/>
+    <p:sldId id="262" r:id="rId4"/>
+    <p:sldId id="257" r:id="rId5"/>
+    <p:sldId id="258" r:id="rId6"/>
+    <p:sldId id="259" r:id="rId7"/>
+    <p:sldId id="260" r:id="rId8"/>
+    <p:sldId id="264" r:id="rId9"/>
+    <p:sldId id="265" r:id="rId10"/>
+    <p:sldId id="266" r:id="rId11"/>
+    <p:sldId id="267" r:id="rId12"/>
+    <p:sldId id="279" r:id="rId13"/>
+    <p:sldId id="280" r:id="rId14"/>
+    <p:sldId id="272" r:id="rId15"/>
+    <p:sldId id="273" r:id="rId16"/>
+    <p:sldId id="274" r:id="rId17"/>
+    <p:sldId id="275" r:id="rId18"/>
+    <p:sldId id="269" r:id="rId19"/>
+    <p:sldId id="277" r:id="rId20"/>
+    <p:sldId id="270" r:id="rId21"/>
+    <p:sldId id="278" r:id="rId22"/>
+    <p:sldId id="261" r:id="rId23"/>
   </p:sldIdLst>
   <p:sldSz cx="9144000" cy="6858000" type="screen4x3"/>
   <p:notesSz cx="6858000" cy="9144000"/>
@@ -205,7 +214,7 @@
             <a:fld id="{ED5275B1-DBA6-4201-BB93-348BBDF8772A}" type="datetimeFigureOut">
               <a:rPr lang="en-US" smtClean="0"/>
               <a:pPr/>
-              <a:t>08-Jun-19</a:t>
+              <a:t>12-Jun-19</a:t>
             </a:fld>
             <a:endParaRPr lang="en-US"/>
           </a:p>
@@ -645,7 +654,7 @@
             <a:fld id="{1D8BD707-D9CF-40AE-B4C6-C98DA3205C09}" type="datetimeFigureOut">
               <a:rPr lang="en-US" smtClean="0"/>
               <a:pPr/>
-              <a:t>08-Jun-19</a:t>
+              <a:t>12-Jun-19</a:t>
             </a:fld>
             <a:endParaRPr lang="en-US"/>
           </a:p>
@@ -812,7 +821,7 @@
             <a:fld id="{1D8BD707-D9CF-40AE-B4C6-C98DA3205C09}" type="datetimeFigureOut">
               <a:rPr lang="en-US" smtClean="0"/>
               <a:pPr/>
-              <a:t>08-Jun-19</a:t>
+              <a:t>12-Jun-19</a:t>
             </a:fld>
             <a:endParaRPr lang="en-US"/>
           </a:p>
@@ -989,7 +998,7 @@
             <a:fld id="{1D8BD707-D9CF-40AE-B4C6-C98DA3205C09}" type="datetimeFigureOut">
               <a:rPr lang="en-US" smtClean="0"/>
               <a:pPr/>
-              <a:t>08-Jun-19</a:t>
+              <a:t>12-Jun-19</a:t>
             </a:fld>
             <a:endParaRPr lang="en-US"/>
           </a:p>
@@ -1156,7 +1165,7 @@
             <a:fld id="{1D8BD707-D9CF-40AE-B4C6-C98DA3205C09}" type="datetimeFigureOut">
               <a:rPr lang="en-US" smtClean="0"/>
               <a:pPr/>
-              <a:t>08-Jun-19</a:t>
+              <a:t>12-Jun-19</a:t>
             </a:fld>
             <a:endParaRPr lang="en-US"/>
           </a:p>
@@ -1400,7 +1409,7 @@
             <a:fld id="{1D8BD707-D9CF-40AE-B4C6-C98DA3205C09}" type="datetimeFigureOut">
               <a:rPr lang="en-US" smtClean="0"/>
               <a:pPr/>
-              <a:t>08-Jun-19</a:t>
+              <a:t>12-Jun-19</a:t>
             </a:fld>
             <a:endParaRPr lang="en-US"/>
           </a:p>
@@ -1666,7 +1675,7 @@
             <a:fld id="{1D8BD707-D9CF-40AE-B4C6-C98DA3205C09}" type="datetimeFigureOut">
               <a:rPr lang="en-US" smtClean="0"/>
               <a:pPr/>
-              <a:t>08-Jun-19</a:t>
+              <a:t>12-Jun-19</a:t>
             </a:fld>
             <a:endParaRPr lang="en-US"/>
           </a:p>
@@ -2046,7 +2055,7 @@
             <a:fld id="{1D8BD707-D9CF-40AE-B4C6-C98DA3205C09}" type="datetimeFigureOut">
               <a:rPr lang="en-US" smtClean="0"/>
               <a:pPr/>
-              <a:t>08-Jun-19</a:t>
+              <a:t>12-Jun-19</a:t>
             </a:fld>
             <a:endParaRPr lang="en-US"/>
           </a:p>
@@ -2198,7 +2207,7 @@
             <a:fld id="{1D8BD707-D9CF-40AE-B4C6-C98DA3205C09}" type="datetimeFigureOut">
               <a:rPr lang="en-US" smtClean="0"/>
               <a:pPr/>
-              <a:t>08-Jun-19</a:t>
+              <a:t>12-Jun-19</a:t>
             </a:fld>
             <a:endParaRPr lang="en-US"/>
           </a:p>
@@ -2290,7 +2299,7 @@
             <a:fld id="{1D8BD707-D9CF-40AE-B4C6-C98DA3205C09}" type="datetimeFigureOut">
               <a:rPr lang="en-US" smtClean="0"/>
               <a:pPr/>
-              <a:t>08-Jun-19</a:t>
+              <a:t>12-Jun-19</a:t>
             </a:fld>
             <a:endParaRPr lang="en-US"/>
           </a:p>
@@ -2553,7 +2562,7 @@
             <a:fld id="{1D8BD707-D9CF-40AE-B4C6-C98DA3205C09}" type="datetimeFigureOut">
               <a:rPr lang="en-US" smtClean="0"/>
               <a:pPr/>
-              <a:t>08-Jun-19</a:t>
+              <a:t>12-Jun-19</a:t>
             </a:fld>
             <a:endParaRPr lang="en-US"/>
           </a:p>
@@ -2843,7 +2852,7 @@
             <a:fld id="{1D8BD707-D9CF-40AE-B4C6-C98DA3205C09}" type="datetimeFigureOut">
               <a:rPr lang="en-US" smtClean="0"/>
               <a:pPr/>
-              <a:t>08-Jun-19</a:t>
+              <a:t>12-Jun-19</a:t>
             </a:fld>
             <a:endParaRPr lang="en-US"/>
           </a:p>
@@ -3616,7 +3625,7 @@
             <a:fld id="{1D8BD707-D9CF-40AE-B4C6-C98DA3205C09}" type="datetimeFigureOut">
               <a:rPr lang="en-US" smtClean="0"/>
               <a:pPr/>
-              <a:t>08-Jun-19</a:t>
+              <a:t>12-Jun-19</a:t>
             </a:fld>
             <a:endParaRPr lang="en-US"/>
           </a:p>
@@ -3919,17 +3928,17 @@
   </p:cSld>
   <p:clrMap bg1="lt1" tx1="dk1" bg2="lt2" tx2="dk2" accent1="accent1" accent2="accent2" accent3="accent3" accent4="accent4" accent5="accent5" accent6="accent6" hlink="hlink" folHlink="folHlink"/>
   <p:sldLayoutIdLst>
-    <p:sldLayoutId id="2147483661" r:id="rId1"/>
-    <p:sldLayoutId id="2147483662" r:id="rId2"/>
-    <p:sldLayoutId id="2147483663" r:id="rId3"/>
-    <p:sldLayoutId id="2147483664" r:id="rId4"/>
-    <p:sldLayoutId id="2147483665" r:id="rId5"/>
-    <p:sldLayoutId id="2147483666" r:id="rId6"/>
-    <p:sldLayoutId id="2147483667" r:id="rId7"/>
-    <p:sldLayoutId id="2147483668" r:id="rId8"/>
-    <p:sldLayoutId id="2147483669" r:id="rId9"/>
-    <p:sldLayoutId id="2147483670" r:id="rId10"/>
-    <p:sldLayoutId id="2147483671" r:id="rId11"/>
+    <p:sldLayoutId id="2147483721" r:id="rId1"/>
+    <p:sldLayoutId id="2147483722" r:id="rId2"/>
+    <p:sldLayoutId id="2147483723" r:id="rId3"/>
+    <p:sldLayoutId id="2147483724" r:id="rId4"/>
+    <p:sldLayoutId id="2147483725" r:id="rId5"/>
+    <p:sldLayoutId id="2147483726" r:id="rId6"/>
+    <p:sldLayoutId id="2147483727" r:id="rId7"/>
+    <p:sldLayoutId id="2147483728" r:id="rId8"/>
+    <p:sldLayoutId id="2147483729" r:id="rId9"/>
+    <p:sldLayoutId id="2147483730" r:id="rId10"/>
+    <p:sldLayoutId id="2147483731" r:id="rId11"/>
   </p:sldLayoutIdLst>
   <p:txStyles>
     <p:titleStyle>
@@ -4396,6 +4405,7 @@
         </p:spPr>
         <p:txBody>
           <a:bodyPr>
+            <a:normAutofit/>
             <a:scene3d>
               <a:camera prst="orthographicFront">
                 <a:rot lat="0" lon="0" rev="0"/>
@@ -4527,7 +4537,630 @@
                   </a:outerShdw>
                 </a:effectLst>
               </a:rPr>
-              <a:t>E-commerce growth :-</a:t>
+              <a:t>E-commerce </a:t>
+            </a:r>
+            <a:r>
+              <a:rPr lang="en-US" b="1" dirty="0" smtClean="0">
+                <a:ln>
+                  <a:prstDash val="solid"/>
+                </a:ln>
+                <a:gradFill rotWithShape="1">
+                  <a:gsLst>
+                    <a:gs pos="0">
+                      <a:schemeClr val="accent4">
+                        <a:tint val="70000"/>
+                        <a:satMod val="200000"/>
+                      </a:schemeClr>
+                    </a:gs>
+                    <a:gs pos="40000">
+                      <a:schemeClr val="accent4">
+                        <a:tint val="90000"/>
+                        <a:satMod val="130000"/>
+                      </a:schemeClr>
+                    </a:gs>
+                    <a:gs pos="50000">
+                      <a:schemeClr val="accent4">
+                        <a:tint val="90000"/>
+                        <a:satMod val="130000"/>
+                      </a:schemeClr>
+                    </a:gs>
+                    <a:gs pos="68000">
+                      <a:schemeClr val="accent4">
+                        <a:tint val="90000"/>
+                        <a:satMod val="130000"/>
+                      </a:schemeClr>
+                    </a:gs>
+                    <a:gs pos="100000">
+                      <a:schemeClr val="accent4">
+                        <a:tint val="70000"/>
+                        <a:satMod val="200000"/>
+                      </a:schemeClr>
+                    </a:gs>
+                  </a:gsLst>
+                  <a:lin ang="5400000"/>
+                </a:gradFill>
+                <a:effectLst>
+                  <a:outerShdw blurRad="88000" dist="50800" dir="5040000" algn="tl">
+                    <a:schemeClr val="accent4">
+                      <a:tint val="80000"/>
+                      <a:satMod val="250000"/>
+                      <a:alpha val="45000"/>
+                    </a:schemeClr>
+                  </a:outerShdw>
+                </a:effectLst>
+              </a:rPr>
+              <a:t> growth :-</a:t>
+            </a:r>
+          </a:p>
+          <a:p>
+            <a:pPr marL="571500" indent="-571500" algn="l">
+              <a:buFont typeface="+mj-lt"/>
+              <a:buAutoNum type="romanLcPeriod"/>
+            </a:pPr>
+            <a:r>
+              <a:rPr lang="en-US" b="1" dirty="0" smtClean="0">
+                <a:ln>
+                  <a:prstDash val="solid"/>
+                </a:ln>
+                <a:gradFill rotWithShape="1">
+                  <a:gsLst>
+                    <a:gs pos="0">
+                      <a:schemeClr val="accent4">
+                        <a:tint val="70000"/>
+                        <a:satMod val="200000"/>
+                      </a:schemeClr>
+                    </a:gs>
+                    <a:gs pos="40000">
+                      <a:schemeClr val="accent4">
+                        <a:tint val="90000"/>
+                        <a:satMod val="130000"/>
+                      </a:schemeClr>
+                    </a:gs>
+                    <a:gs pos="50000">
+                      <a:schemeClr val="accent4">
+                        <a:tint val="90000"/>
+                        <a:satMod val="130000"/>
+                      </a:schemeClr>
+                    </a:gs>
+                    <a:gs pos="68000">
+                      <a:schemeClr val="accent4">
+                        <a:tint val="90000"/>
+                        <a:satMod val="130000"/>
+                      </a:schemeClr>
+                    </a:gs>
+                    <a:gs pos="100000">
+                      <a:schemeClr val="accent4">
+                        <a:tint val="70000"/>
+                        <a:satMod val="200000"/>
+                      </a:schemeClr>
+                    </a:gs>
+                  </a:gsLst>
+                  <a:lin ang="5400000"/>
+                </a:gradFill>
+                <a:effectLst>
+                  <a:outerShdw blurRad="88000" dist="50800" dir="5040000" algn="tl">
+                    <a:schemeClr val="accent4">
+                      <a:tint val="80000"/>
+                      <a:satMod val="250000"/>
+                      <a:alpha val="45000"/>
+                    </a:schemeClr>
+                  </a:outerShdw>
+                </a:effectLst>
+              </a:rPr>
+              <a:t>Pre-farm introduction:-</a:t>
+            </a:r>
+            <a:endParaRPr lang="en-US" b="1" dirty="0" smtClean="0">
+              <a:ln>
+                <a:prstDash val="solid"/>
+              </a:ln>
+              <a:gradFill rotWithShape="1">
+                <a:gsLst>
+                  <a:gs pos="0">
+                    <a:schemeClr val="accent4">
+                      <a:tint val="70000"/>
+                      <a:satMod val="200000"/>
+                    </a:schemeClr>
+                  </a:gs>
+                  <a:gs pos="40000">
+                    <a:schemeClr val="accent4">
+                      <a:tint val="90000"/>
+                      <a:satMod val="130000"/>
+                    </a:schemeClr>
+                  </a:gs>
+                  <a:gs pos="50000">
+                    <a:schemeClr val="accent4">
+                      <a:tint val="90000"/>
+                      <a:satMod val="130000"/>
+                    </a:schemeClr>
+                  </a:gs>
+                  <a:gs pos="68000">
+                    <a:schemeClr val="accent4">
+                      <a:tint val="90000"/>
+                      <a:satMod val="130000"/>
+                    </a:schemeClr>
+                  </a:gs>
+                  <a:gs pos="100000">
+                    <a:schemeClr val="accent4">
+                      <a:tint val="70000"/>
+                      <a:satMod val="200000"/>
+                    </a:schemeClr>
+                  </a:gs>
+                </a:gsLst>
+                <a:lin ang="5400000"/>
+              </a:gradFill>
+              <a:effectLst>
+                <a:outerShdw blurRad="88000" dist="50800" dir="5040000" algn="tl">
+                  <a:schemeClr val="accent4">
+                    <a:tint val="80000"/>
+                    <a:satMod val="250000"/>
+                    <a:alpha val="45000"/>
+                  </a:schemeClr>
+                </a:outerShdw>
+              </a:effectLst>
+            </a:endParaRPr>
+          </a:p>
+          <a:p>
+            <a:pPr marL="571500" indent="-571500" algn="l">
+              <a:buFont typeface="+mj-lt"/>
+              <a:buAutoNum type="romanLcPeriod"/>
+            </a:pPr>
+            <a:r>
+              <a:rPr lang="en-US" b="1" dirty="0" smtClean="0">
+                <a:ln>
+                  <a:prstDash val="solid"/>
+                </a:ln>
+                <a:gradFill rotWithShape="1">
+                  <a:gsLst>
+                    <a:gs pos="0">
+                      <a:schemeClr val="accent4">
+                        <a:tint val="70000"/>
+                        <a:satMod val="200000"/>
+                      </a:schemeClr>
+                    </a:gs>
+                    <a:gs pos="40000">
+                      <a:schemeClr val="accent4">
+                        <a:tint val="90000"/>
+                        <a:satMod val="130000"/>
+                      </a:schemeClr>
+                    </a:gs>
+                    <a:gs pos="50000">
+                      <a:schemeClr val="accent4">
+                        <a:tint val="90000"/>
+                        <a:satMod val="130000"/>
+                      </a:schemeClr>
+                    </a:gs>
+                    <a:gs pos="68000">
+                      <a:schemeClr val="accent4">
+                        <a:tint val="90000"/>
+                        <a:satMod val="130000"/>
+                      </a:schemeClr>
+                    </a:gs>
+                    <a:gs pos="100000">
+                      <a:schemeClr val="accent4">
+                        <a:tint val="70000"/>
+                        <a:satMod val="200000"/>
+                      </a:schemeClr>
+                    </a:gs>
+                  </a:gsLst>
+                  <a:lin ang="5400000"/>
+                </a:gradFill>
+                <a:effectLst>
+                  <a:outerShdw blurRad="88000" dist="50800" dir="5040000" algn="tl">
+                    <a:schemeClr val="accent4">
+                      <a:tint val="80000"/>
+                      <a:satMod val="250000"/>
+                      <a:alpha val="45000"/>
+                    </a:schemeClr>
+                  </a:outerShdw>
+                </a:effectLst>
+              </a:rPr>
+              <a:t>Services to Farmer :-</a:t>
+            </a:r>
+          </a:p>
+          <a:p>
+            <a:pPr marL="571500" indent="-571500" algn="l">
+              <a:buFont typeface="+mj-lt"/>
+              <a:buAutoNum type="romanLcPeriod"/>
+            </a:pPr>
+            <a:r>
+              <a:rPr lang="en-US" b="1" dirty="0" smtClean="0">
+                <a:ln>
+                  <a:prstDash val="solid"/>
+                </a:ln>
+                <a:gradFill rotWithShape="1">
+                  <a:gsLst>
+                    <a:gs pos="0">
+                      <a:schemeClr val="accent4">
+                        <a:tint val="70000"/>
+                        <a:satMod val="200000"/>
+                      </a:schemeClr>
+                    </a:gs>
+                    <a:gs pos="40000">
+                      <a:schemeClr val="accent4">
+                        <a:tint val="90000"/>
+                        <a:satMod val="130000"/>
+                      </a:schemeClr>
+                    </a:gs>
+                    <a:gs pos="50000">
+                      <a:schemeClr val="accent4">
+                        <a:tint val="90000"/>
+                        <a:satMod val="130000"/>
+                      </a:schemeClr>
+                    </a:gs>
+                    <a:gs pos="68000">
+                      <a:schemeClr val="accent4">
+                        <a:tint val="90000"/>
+                        <a:satMod val="130000"/>
+                      </a:schemeClr>
+                    </a:gs>
+                    <a:gs pos="100000">
+                      <a:schemeClr val="accent4">
+                        <a:tint val="70000"/>
+                        <a:satMod val="200000"/>
+                      </a:schemeClr>
+                    </a:gs>
+                  </a:gsLst>
+                  <a:lin ang="5400000"/>
+                </a:gradFill>
+                <a:effectLst>
+                  <a:outerShdw blurRad="88000" dist="50800" dir="5040000" algn="tl">
+                    <a:schemeClr val="accent4">
+                      <a:tint val="80000"/>
+                      <a:satMod val="250000"/>
+                      <a:alpha val="45000"/>
+                    </a:schemeClr>
+                  </a:outerShdw>
+                </a:effectLst>
+              </a:rPr>
+              <a:t>How our group manage it:-</a:t>
+            </a:r>
+          </a:p>
+          <a:p>
+            <a:pPr marL="571500" indent="-571500" algn="l">
+              <a:buFont typeface="+mj-lt"/>
+              <a:buAutoNum type="romanLcPeriod"/>
+            </a:pPr>
+            <a:r>
+              <a:rPr lang="en-US" b="1" dirty="0" smtClean="0">
+                <a:ln>
+                  <a:prstDash val="solid"/>
+                </a:ln>
+                <a:gradFill rotWithShape="1">
+                  <a:gsLst>
+                    <a:gs pos="0">
+                      <a:schemeClr val="accent4">
+                        <a:tint val="70000"/>
+                        <a:satMod val="200000"/>
+                      </a:schemeClr>
+                    </a:gs>
+                    <a:gs pos="40000">
+                      <a:schemeClr val="accent4">
+                        <a:tint val="90000"/>
+                        <a:satMod val="130000"/>
+                      </a:schemeClr>
+                    </a:gs>
+                    <a:gs pos="50000">
+                      <a:schemeClr val="accent4">
+                        <a:tint val="90000"/>
+                        <a:satMod val="130000"/>
+                      </a:schemeClr>
+                    </a:gs>
+                    <a:gs pos="68000">
+                      <a:schemeClr val="accent4">
+                        <a:tint val="90000"/>
+                        <a:satMod val="130000"/>
+                      </a:schemeClr>
+                    </a:gs>
+                    <a:gs pos="100000">
+                      <a:schemeClr val="accent4">
+                        <a:tint val="70000"/>
+                        <a:satMod val="200000"/>
+                      </a:schemeClr>
+                    </a:gs>
+                  </a:gsLst>
+                  <a:lin ang="5400000"/>
+                </a:gradFill>
+                <a:effectLst>
+                  <a:outerShdw blurRad="88000" dist="50800" dir="5040000" algn="tl">
+                    <a:schemeClr val="accent4">
+                      <a:tint val="80000"/>
+                      <a:satMod val="250000"/>
+                      <a:alpha val="45000"/>
+                    </a:schemeClr>
+                  </a:outerShdw>
+                </a:effectLst>
+              </a:rPr>
+              <a:t>DFD(Data Flow Diagram of website):-</a:t>
+            </a:r>
+          </a:p>
+          <a:p>
+            <a:pPr marL="571500" indent="-571500" algn="l">
+              <a:buFont typeface="+mj-lt"/>
+              <a:buAutoNum type="romanLcPeriod"/>
+            </a:pPr>
+            <a:r>
+              <a:rPr lang="en-US" b="1" dirty="0" smtClean="0">
+                <a:ln>
+                  <a:prstDash val="solid"/>
+                </a:ln>
+                <a:gradFill rotWithShape="1">
+                  <a:gsLst>
+                    <a:gs pos="0">
+                      <a:schemeClr val="accent4">
+                        <a:tint val="70000"/>
+                        <a:satMod val="200000"/>
+                      </a:schemeClr>
+                    </a:gs>
+                    <a:gs pos="40000">
+                      <a:schemeClr val="accent4">
+                        <a:tint val="90000"/>
+                        <a:satMod val="130000"/>
+                      </a:schemeClr>
+                    </a:gs>
+                    <a:gs pos="50000">
+                      <a:schemeClr val="accent4">
+                        <a:tint val="90000"/>
+                        <a:satMod val="130000"/>
+                      </a:schemeClr>
+                    </a:gs>
+                    <a:gs pos="68000">
+                      <a:schemeClr val="accent4">
+                        <a:tint val="90000"/>
+                        <a:satMod val="130000"/>
+                      </a:schemeClr>
+                    </a:gs>
+                    <a:gs pos="100000">
+                      <a:schemeClr val="accent4">
+                        <a:tint val="70000"/>
+                        <a:satMod val="200000"/>
+                      </a:schemeClr>
+                    </a:gs>
+                  </a:gsLst>
+                  <a:lin ang="5400000"/>
+                </a:gradFill>
+                <a:effectLst>
+                  <a:outerShdw blurRad="88000" dist="50800" dir="5040000" algn="tl">
+                    <a:schemeClr val="accent4">
+                      <a:tint val="80000"/>
+                      <a:satMod val="250000"/>
+                      <a:alpha val="45000"/>
+                    </a:schemeClr>
+                  </a:outerShdw>
+                </a:effectLst>
+              </a:rPr>
+              <a:t>Use case Diagram:-</a:t>
+            </a:r>
+          </a:p>
+          <a:p>
+            <a:pPr marL="571500" indent="-571500" algn="l">
+              <a:buFont typeface="+mj-lt"/>
+              <a:buAutoNum type="romanLcPeriod"/>
+            </a:pPr>
+            <a:r>
+              <a:rPr lang="en-US" b="1" dirty="0" smtClean="0">
+                <a:ln>
+                  <a:prstDash val="solid"/>
+                </a:ln>
+                <a:gradFill rotWithShape="1">
+                  <a:gsLst>
+                    <a:gs pos="0">
+                      <a:schemeClr val="accent4">
+                        <a:tint val="70000"/>
+                        <a:satMod val="200000"/>
+                      </a:schemeClr>
+                    </a:gs>
+                    <a:gs pos="40000">
+                      <a:schemeClr val="accent4">
+                        <a:tint val="90000"/>
+                        <a:satMod val="130000"/>
+                      </a:schemeClr>
+                    </a:gs>
+                    <a:gs pos="50000">
+                      <a:schemeClr val="accent4">
+                        <a:tint val="90000"/>
+                        <a:satMod val="130000"/>
+                      </a:schemeClr>
+                    </a:gs>
+                    <a:gs pos="68000">
+                      <a:schemeClr val="accent4">
+                        <a:tint val="90000"/>
+                        <a:satMod val="130000"/>
+                      </a:schemeClr>
+                    </a:gs>
+                    <a:gs pos="100000">
+                      <a:schemeClr val="accent4">
+                        <a:tint val="70000"/>
+                        <a:satMod val="200000"/>
+                      </a:schemeClr>
+                    </a:gs>
+                  </a:gsLst>
+                  <a:lin ang="5400000"/>
+                </a:gradFill>
+                <a:effectLst>
+                  <a:outerShdw blurRad="88000" dist="50800" dir="5040000" algn="tl">
+                    <a:schemeClr val="accent4">
+                      <a:tint val="80000"/>
+                      <a:satMod val="250000"/>
+                      <a:alpha val="45000"/>
+                    </a:schemeClr>
+                  </a:outerShdw>
+                </a:effectLst>
+              </a:rPr>
+              <a:t>Sequence Diagram:-</a:t>
+            </a:r>
+          </a:p>
+          <a:p>
+            <a:pPr marL="571500" indent="-571500" algn="l">
+              <a:buFont typeface="+mj-lt"/>
+              <a:buAutoNum type="romanLcPeriod"/>
+            </a:pPr>
+            <a:r>
+              <a:rPr lang="en-US" b="1" dirty="0" smtClean="0">
+                <a:ln>
+                  <a:prstDash val="solid"/>
+                </a:ln>
+                <a:gradFill rotWithShape="1">
+                  <a:gsLst>
+                    <a:gs pos="0">
+                      <a:schemeClr val="accent4">
+                        <a:tint val="70000"/>
+                        <a:satMod val="200000"/>
+                      </a:schemeClr>
+                    </a:gs>
+                    <a:gs pos="40000">
+                      <a:schemeClr val="accent4">
+                        <a:tint val="90000"/>
+                        <a:satMod val="130000"/>
+                      </a:schemeClr>
+                    </a:gs>
+                    <a:gs pos="50000">
+                      <a:schemeClr val="accent4">
+                        <a:tint val="90000"/>
+                        <a:satMod val="130000"/>
+                      </a:schemeClr>
+                    </a:gs>
+                    <a:gs pos="68000">
+                      <a:schemeClr val="accent4">
+                        <a:tint val="90000"/>
+                        <a:satMod val="130000"/>
+                      </a:schemeClr>
+                    </a:gs>
+                    <a:gs pos="100000">
+                      <a:schemeClr val="accent4">
+                        <a:tint val="70000"/>
+                        <a:satMod val="200000"/>
+                      </a:schemeClr>
+                    </a:gs>
+                  </a:gsLst>
+                  <a:lin ang="5400000"/>
+                </a:gradFill>
+                <a:effectLst>
+                  <a:outerShdw blurRad="88000" dist="50800" dir="5040000" algn="tl">
+                    <a:schemeClr val="accent4">
+                      <a:tint val="80000"/>
+                      <a:satMod val="250000"/>
+                      <a:alpha val="45000"/>
+                    </a:schemeClr>
+                  </a:outerShdw>
+                </a:effectLst>
+              </a:rPr>
+              <a:t>Class Diagram:-</a:t>
+            </a:r>
+          </a:p>
+          <a:p>
+            <a:pPr marL="571500" indent="-571500" algn="l">
+              <a:buFont typeface="+mj-lt"/>
+              <a:buAutoNum type="romanLcPeriod"/>
+            </a:pPr>
+            <a:r>
+              <a:rPr lang="en-US" b="1" dirty="0" smtClean="0">
+                <a:ln>
+                  <a:prstDash val="solid"/>
+                </a:ln>
+                <a:gradFill rotWithShape="1">
+                  <a:gsLst>
+                    <a:gs pos="0">
+                      <a:schemeClr val="accent4">
+                        <a:tint val="70000"/>
+                        <a:satMod val="200000"/>
+                      </a:schemeClr>
+                    </a:gs>
+                    <a:gs pos="40000">
+                      <a:schemeClr val="accent4">
+                        <a:tint val="90000"/>
+                        <a:satMod val="130000"/>
+                      </a:schemeClr>
+                    </a:gs>
+                    <a:gs pos="50000">
+                      <a:schemeClr val="accent4">
+                        <a:tint val="90000"/>
+                        <a:satMod val="130000"/>
+                      </a:schemeClr>
+                    </a:gs>
+                    <a:gs pos="68000">
+                      <a:schemeClr val="accent4">
+                        <a:tint val="90000"/>
+                        <a:satMod val="130000"/>
+                      </a:schemeClr>
+                    </a:gs>
+                    <a:gs pos="100000">
+                      <a:schemeClr val="accent4">
+                        <a:tint val="70000"/>
+                        <a:satMod val="200000"/>
+                      </a:schemeClr>
+                    </a:gs>
+                  </a:gsLst>
+                  <a:lin ang="5400000"/>
+                </a:gradFill>
+                <a:effectLst>
+                  <a:outerShdw blurRad="88000" dist="50800" dir="5040000" algn="tl">
+                    <a:schemeClr val="accent4">
+                      <a:tint val="80000"/>
+                      <a:satMod val="250000"/>
+                      <a:alpha val="45000"/>
+                    </a:schemeClr>
+                  </a:outerShdw>
+                </a:effectLst>
+              </a:rPr>
+              <a:t>Component Diagram:-</a:t>
+            </a:r>
+          </a:p>
+          <a:p>
+            <a:pPr marL="571500" indent="-571500" algn="l">
+              <a:buFont typeface="+mj-lt"/>
+              <a:buAutoNum type="romanLcPeriod"/>
+            </a:pPr>
+            <a:r>
+              <a:rPr lang="en-US" b="1" dirty="0" smtClean="0">
+                <a:ln>
+                  <a:prstDash val="solid"/>
+                </a:ln>
+                <a:gradFill rotWithShape="1">
+                  <a:gsLst>
+                    <a:gs pos="0">
+                      <a:schemeClr val="accent4">
+                        <a:tint val="70000"/>
+                        <a:satMod val="200000"/>
+                      </a:schemeClr>
+                    </a:gs>
+                    <a:gs pos="40000">
+                      <a:schemeClr val="accent4">
+                        <a:tint val="90000"/>
+                        <a:satMod val="130000"/>
+                      </a:schemeClr>
+                    </a:gs>
+                    <a:gs pos="50000">
+                      <a:schemeClr val="accent4">
+                        <a:tint val="90000"/>
+                        <a:satMod val="130000"/>
+                      </a:schemeClr>
+                    </a:gs>
+                    <a:gs pos="68000">
+                      <a:schemeClr val="accent4">
+                        <a:tint val="90000"/>
+                        <a:satMod val="130000"/>
+                      </a:schemeClr>
+                    </a:gs>
+                    <a:gs pos="100000">
+                      <a:schemeClr val="accent4">
+                        <a:tint val="70000"/>
+                        <a:satMod val="200000"/>
+                      </a:schemeClr>
+                    </a:gs>
+                  </a:gsLst>
+                  <a:lin ang="5400000"/>
+                </a:gradFill>
+                <a:effectLst>
+                  <a:outerShdw blurRad="88000" dist="50800" dir="5040000" algn="tl">
+                    <a:schemeClr val="accent4">
+                      <a:tint val="80000"/>
+                      <a:satMod val="250000"/>
+                      <a:alpha val="45000"/>
+                    </a:schemeClr>
+                  </a:outerShdw>
+                </a:effectLst>
+              </a:rPr>
+              <a:t>Activity Diagram:-</a:t>
             </a:r>
           </a:p>
           <a:p>
@@ -4590,6 +5223,116 @@
               <a:buFont typeface="+mj-lt"/>
               <a:buAutoNum type="romanLcPeriod"/>
             </a:pPr>
+            <a:endParaRPr lang="en-US" b="1" dirty="0" smtClean="0">
+              <a:ln>
+                <a:prstDash val="solid"/>
+              </a:ln>
+              <a:gradFill rotWithShape="1">
+                <a:gsLst>
+                  <a:gs pos="0">
+                    <a:schemeClr val="accent4">
+                      <a:tint val="70000"/>
+                      <a:satMod val="200000"/>
+                    </a:schemeClr>
+                  </a:gs>
+                  <a:gs pos="40000">
+                    <a:schemeClr val="accent4">
+                      <a:tint val="90000"/>
+                      <a:satMod val="130000"/>
+                    </a:schemeClr>
+                  </a:gs>
+                  <a:gs pos="50000">
+                    <a:schemeClr val="accent4">
+                      <a:tint val="90000"/>
+                      <a:satMod val="130000"/>
+                    </a:schemeClr>
+                  </a:gs>
+                  <a:gs pos="68000">
+                    <a:schemeClr val="accent4">
+                      <a:tint val="90000"/>
+                      <a:satMod val="130000"/>
+                    </a:schemeClr>
+                  </a:gs>
+                  <a:gs pos="100000">
+                    <a:schemeClr val="accent4">
+                      <a:tint val="70000"/>
+                      <a:satMod val="200000"/>
+                    </a:schemeClr>
+                  </a:gs>
+                </a:gsLst>
+                <a:lin ang="5400000"/>
+              </a:gradFill>
+              <a:effectLst>
+                <a:outerShdw blurRad="88000" dist="50800" dir="5040000" algn="tl">
+                  <a:schemeClr val="accent4">
+                    <a:tint val="80000"/>
+                    <a:satMod val="250000"/>
+                    <a:alpha val="45000"/>
+                  </a:schemeClr>
+                </a:outerShdw>
+              </a:effectLst>
+            </a:endParaRPr>
+          </a:p>
+          <a:p>
+            <a:pPr marL="571500" indent="-571500" algn="l">
+              <a:buFont typeface="+mj-lt"/>
+              <a:buAutoNum type="romanLcPeriod"/>
+            </a:pPr>
+            <a:endParaRPr lang="en-US" b="1" dirty="0" smtClean="0">
+              <a:ln>
+                <a:prstDash val="solid"/>
+              </a:ln>
+              <a:gradFill rotWithShape="1">
+                <a:gsLst>
+                  <a:gs pos="0">
+                    <a:schemeClr val="accent4">
+                      <a:tint val="70000"/>
+                      <a:satMod val="200000"/>
+                    </a:schemeClr>
+                  </a:gs>
+                  <a:gs pos="40000">
+                    <a:schemeClr val="accent4">
+                      <a:tint val="90000"/>
+                      <a:satMod val="130000"/>
+                    </a:schemeClr>
+                  </a:gs>
+                  <a:gs pos="50000">
+                    <a:schemeClr val="accent4">
+                      <a:tint val="90000"/>
+                      <a:satMod val="130000"/>
+                    </a:schemeClr>
+                  </a:gs>
+                  <a:gs pos="68000">
+                    <a:schemeClr val="accent4">
+                      <a:tint val="90000"/>
+                      <a:satMod val="130000"/>
+                    </a:schemeClr>
+                  </a:gs>
+                  <a:gs pos="100000">
+                    <a:schemeClr val="accent4">
+                      <a:tint val="70000"/>
+                      <a:satMod val="200000"/>
+                    </a:schemeClr>
+                  </a:gs>
+                </a:gsLst>
+                <a:lin ang="5400000"/>
+              </a:gradFill>
+              <a:effectLst>
+                <a:outerShdw blurRad="88000" dist="50800" dir="5040000" algn="tl">
+                  <a:schemeClr val="accent4">
+                    <a:tint val="80000"/>
+                    <a:satMod val="250000"/>
+                    <a:alpha val="45000"/>
+                  </a:schemeClr>
+                </a:outerShdw>
+              </a:effectLst>
+            </a:endParaRPr>
+          </a:p>
+          <a:p>
+            <a:pPr marL="571500" indent="-571500" algn="l">
+              <a:buFont typeface="+mj-lt"/>
+              <a:buAutoNum type="romanLcPeriod"/>
+            </a:pPr>
             <a:endParaRPr lang="en-US" b="1" dirty="0">
               <a:ln>
                 <a:prstDash val="solid"/>
@@ -4669,45 +5412,6 @@
       </p:grpSpPr>
       <p:sp>
         <p:nvSpPr>
-          <p:cNvPr id="2" name="Title 1"/>
-          <p:cNvSpPr>
-            <a:spLocks noGrp="1"/>
-          </p:cNvSpPr>
-          <p:nvPr>
-            <p:ph type="title"/>
-          </p:nvPr>
-        </p:nvSpPr>
-        <p:spPr>
-          <a:xfrm>
-            <a:off x="457200" y="457200"/>
-            <a:ext cx="8229600" cy="609600"/>
-          </a:xfrm>
-        </p:spPr>
-        <p:txBody>
-          <a:bodyPr>
-            <a:normAutofit fontScale="90000"/>
-          </a:bodyPr>
-          <a:lstStyle/>
-          <a:p>
-            <a:pPr algn="ctr"/>
-            <a:r>
-              <a:rPr lang="en-US" b="1" dirty="0" smtClean="0">
-                <a:solidFill>
-                  <a:srgbClr val="FF0000"/>
-                </a:solidFill>
-              </a:rPr>
-              <a:t>Producers how?</a:t>
-            </a:r>
-            <a:endParaRPr lang="en-US" b="1" dirty="0">
-              <a:solidFill>
-                <a:srgbClr val="FF0000"/>
-              </a:solidFill>
-            </a:endParaRPr>
-          </a:p>
-        </p:txBody>
-      </p:sp>
-      <p:sp>
-        <p:nvSpPr>
           <p:cNvPr id="3" name="Content Placeholder 2"/>
           <p:cNvSpPr>
             <a:spLocks noGrp="1"/>
@@ -4718,164 +5422,215 @@
         </p:nvSpPr>
         <p:spPr>
           <a:xfrm>
-            <a:off x="457200" y="1066800"/>
-            <a:ext cx="8229600" cy="6019800"/>
+            <a:off x="457200" y="685800"/>
+            <a:ext cx="8229600" cy="5638800"/>
           </a:xfrm>
         </p:spPr>
         <p:txBody>
-          <a:bodyPr>
-            <a:normAutofit fontScale="92500"/>
-          </a:bodyPr>
+          <a:bodyPr/>
           <a:lstStyle/>
           <a:p>
             <a:pPr marL="571500" indent="-571500">
-              <a:buClr>
-                <a:srgbClr val="002060"/>
-              </a:buClr>
               <a:buFont typeface="+mj-lt"/>
-              <a:buAutoNum type="romanLcPeriod"/>
+              <a:buAutoNum type="romanLcPeriod" startAt="19"/>
             </a:pPr>
             <a:r>
-              <a:rPr lang="en-US" dirty="0" smtClean="0"/>
-              <a:t>Delivery initially from near shop and then from stock (stock buy from pharmaceutical company) and quality matters.</a:t>
+              <a:rPr lang="en-US" dirty="0" smtClean="0">
+                <a:gradFill flip="none" rotWithShape="1">
+                  <a:gsLst>
+                    <a:gs pos="0">
+                      <a:srgbClr val="03D4A8"/>
+                    </a:gs>
+                    <a:gs pos="25000">
+                      <a:srgbClr val="21D6E0"/>
+                    </a:gs>
+                    <a:gs pos="75000">
+                      <a:srgbClr val="0087E6"/>
+                    </a:gs>
+                    <a:gs pos="100000">
+                      <a:srgbClr val="005CBF"/>
+                    </a:gs>
+                  </a:gsLst>
+                  <a:lin ang="5400000" scaled="1"/>
+                  <a:tileRect/>
+                </a:gradFill>
+              </a:rPr>
+              <a:t>Online buying of </a:t>
+            </a:r>
+            <a:r>
+              <a:rPr lang="en-US" b="1" i="1" u="sng" dirty="0" smtClean="0">
+                <a:gradFill flip="none" rotWithShape="1">
+                  <a:gsLst>
+                    <a:gs pos="0">
+                      <a:srgbClr val="03D4A8"/>
+                    </a:gs>
+                    <a:gs pos="25000">
+                      <a:srgbClr val="21D6E0"/>
+                    </a:gs>
+                    <a:gs pos="75000">
+                      <a:srgbClr val="0087E6"/>
+                    </a:gs>
+                    <a:gs pos="100000">
+                      <a:srgbClr val="005CBF"/>
+                    </a:gs>
+                  </a:gsLst>
+                  <a:lin ang="5400000" scaled="1"/>
+                  <a:tileRect/>
+                </a:gradFill>
+              </a:rPr>
+              <a:t> Grass powder </a:t>
+            </a:r>
+            <a:r>
+              <a:rPr lang="en-US" dirty="0" smtClean="0">
+                <a:gradFill flip="none" rotWithShape="1">
+                  <a:gsLst>
+                    <a:gs pos="0">
+                      <a:srgbClr val="03D4A8"/>
+                    </a:gs>
+                    <a:gs pos="25000">
+                      <a:srgbClr val="21D6E0"/>
+                    </a:gs>
+                    <a:gs pos="75000">
+                      <a:srgbClr val="0087E6"/>
+                    </a:gs>
+                    <a:gs pos="100000">
+                      <a:srgbClr val="005CBF"/>
+                    </a:gs>
+                  </a:gsLst>
+                  <a:lin ang="5400000" scaled="1"/>
+                  <a:tileRect/>
+                </a:gradFill>
+              </a:rPr>
+              <a:t>.</a:t>
             </a:r>
           </a:p>
           <a:p>
             <a:pPr marL="571500" indent="-571500">
-              <a:buClr>
-                <a:srgbClr val="002060"/>
-              </a:buClr>
-              <a:buFont typeface="Wingdings"/>
-              <a:buChar char="à"/>
+              <a:buFont typeface="+mj-lt"/>
+              <a:buAutoNum type="romanLcPeriod" startAt="19"/>
             </a:pPr>
             <a:r>
               <a:rPr lang="en-US" dirty="0" smtClean="0">
-                <a:sym typeface="Wingdings" pitchFamily="2" charset="2"/>
-              </a:rPr>
-              <a:t>Same with cloths (if required ).</a:t>
+                <a:gradFill flip="none" rotWithShape="1">
+                  <a:gsLst>
+                    <a:gs pos="0">
+                      <a:srgbClr val="03D4A8"/>
+                    </a:gs>
+                    <a:gs pos="25000">
+                      <a:srgbClr val="21D6E0"/>
+                    </a:gs>
+                    <a:gs pos="75000">
+                      <a:srgbClr val="0087E6"/>
+                    </a:gs>
+                    <a:gs pos="100000">
+                      <a:srgbClr val="005CBF"/>
+                    </a:gs>
+                  </a:gsLst>
+                  <a:lin ang="5400000" scaled="1"/>
+                  <a:tileRect/>
+                </a:gradFill>
+              </a:rPr>
+              <a:t>Online buying of </a:t>
+            </a:r>
+            <a:r>
+              <a:rPr lang="en-US" b="1" i="1" u="sng" dirty="0" smtClean="0">
+                <a:gradFill flip="none" rotWithShape="1">
+                  <a:gsLst>
+                    <a:gs pos="0">
+                      <a:srgbClr val="03D4A8"/>
+                    </a:gs>
+                    <a:gs pos="25000">
+                      <a:srgbClr val="21D6E0"/>
+                    </a:gs>
+                    <a:gs pos="75000">
+                      <a:srgbClr val="0087E6"/>
+                    </a:gs>
+                    <a:gs pos="100000">
+                      <a:srgbClr val="005CBF"/>
+                    </a:gs>
+                  </a:gsLst>
+                  <a:lin ang="5400000" scaled="1"/>
+                  <a:tileRect/>
+                </a:gradFill>
+              </a:rPr>
+              <a:t>Khali</a:t>
+            </a:r>
+            <a:r>
+              <a:rPr lang="en-US" dirty="0" smtClean="0">
+                <a:gradFill flip="none" rotWithShape="1">
+                  <a:gsLst>
+                    <a:gs pos="0">
+                      <a:srgbClr val="03D4A8"/>
+                    </a:gs>
+                    <a:gs pos="25000">
+                      <a:srgbClr val="21D6E0"/>
+                    </a:gs>
+                    <a:gs pos="75000">
+                      <a:srgbClr val="0087E6"/>
+                    </a:gs>
+                    <a:gs pos="100000">
+                      <a:srgbClr val="005CBF"/>
+                    </a:gs>
+                  </a:gsLst>
+                  <a:lin ang="5400000" scaled="1"/>
+                  <a:tileRect/>
+                </a:gradFill>
+              </a:rPr>
+              <a:t>.</a:t>
             </a:r>
           </a:p>
           <a:p>
             <a:pPr marL="571500" indent="-571500">
-              <a:buClr>
-                <a:srgbClr val="002060"/>
-              </a:buClr>
-              <a:buFont typeface="Wingdings"/>
-              <a:buChar char="à"/>
+              <a:buFont typeface="+mj-lt"/>
+              <a:buAutoNum type="romanLcPeriod" startAt="19"/>
             </a:pPr>
             <a:r>
+              <a:rPr lang="en-US" b="1" i="1" u="sng" dirty="0" smtClean="0">
+                <a:gradFill flip="none" rotWithShape="1">
+                  <a:gsLst>
+                    <a:gs pos="0">
+                      <a:srgbClr val="03D4A8"/>
+                    </a:gs>
+                    <a:gs pos="25000">
+                      <a:srgbClr val="21D6E0"/>
+                    </a:gs>
+                    <a:gs pos="75000">
+                      <a:srgbClr val="0087E6"/>
+                    </a:gs>
+                    <a:gs pos="100000">
+                      <a:srgbClr val="005CBF"/>
+                    </a:gs>
+                  </a:gsLst>
+                  <a:lin ang="5400000" scaled="1"/>
+                  <a:tileRect/>
+                </a:gradFill>
+              </a:rPr>
+              <a:t>Animals</a:t>
+            </a:r>
+            <a:r>
               <a:rPr lang="en-US" dirty="0" smtClean="0">
-                <a:sym typeface="Wingdings" pitchFamily="2" charset="2"/>
-              </a:rPr>
-              <a:t>Medicine store in hall with different section like library.</a:t>
-            </a:r>
-          </a:p>
-          <a:p>
-            <a:pPr marL="571500" indent="-571500">
-              <a:buClr>
-                <a:srgbClr val="002060"/>
-              </a:buClr>
-              <a:buFont typeface="Wingdings"/>
-              <a:buChar char="à"/>
-            </a:pPr>
-            <a:r>
-              <a:rPr lang="en-US" dirty="0" smtClean="0">
-                <a:sym typeface="Wingdings" pitchFamily="2" charset="2"/>
-              </a:rPr>
-              <a:t>Testing the medicines on plant then added to website.  </a:t>
-            </a:r>
-          </a:p>
-          <a:p>
-            <a:pPr marL="571500" indent="-571500">
-              <a:buClr>
-                <a:srgbClr val="002060"/>
-              </a:buClr>
-              <a:buFont typeface="+mj-lt"/>
-              <a:buAutoNum type="romanLcPeriod" startAt="2"/>
-            </a:pPr>
-            <a:r>
-              <a:rPr lang="en-US" dirty="0" smtClean="0">
-                <a:sym typeface="Wingdings" pitchFamily="2" charset="2"/>
-              </a:rPr>
-              <a:t>Seminar and certification with gift kit during seminar to best producing farmers.</a:t>
-            </a:r>
-          </a:p>
-          <a:p>
-            <a:pPr marL="571500" indent="-571500">
-              <a:buClr>
-                <a:srgbClr val="002060"/>
-              </a:buClr>
-              <a:buFont typeface="+mj-lt"/>
-              <a:buAutoNum type="romanLcPeriod" startAt="2"/>
-            </a:pPr>
-            <a:r>
-              <a:rPr lang="en-US" dirty="0" smtClean="0">
-                <a:sym typeface="Wingdings" pitchFamily="2" charset="2"/>
-              </a:rPr>
-              <a:t>Adviser  should be agricultural specialist.</a:t>
-            </a:r>
-          </a:p>
-          <a:p>
-            <a:pPr marL="571500" indent="-571500">
-              <a:buClr>
-                <a:srgbClr val="002060"/>
-              </a:buClr>
-              <a:buNone/>
-            </a:pPr>
-            <a:r>
-              <a:rPr lang="en-US" dirty="0" smtClean="0">
-                <a:sym typeface="Wingdings" pitchFamily="2" charset="2"/>
-              </a:rPr>
-              <a:t>    1 adviser between/among villages.</a:t>
-            </a:r>
-          </a:p>
-          <a:p>
-            <a:pPr marL="571500" indent="-571500">
-              <a:buClr>
-                <a:srgbClr val="002060"/>
-              </a:buClr>
-              <a:buFont typeface="+mj-lt"/>
-              <a:buAutoNum type="romanLcPeriod" startAt="4"/>
-            </a:pPr>
-            <a:r>
-              <a:rPr lang="en-US" dirty="0" smtClean="0">
-                <a:sym typeface="Wingdings" pitchFamily="2" charset="2"/>
-              </a:rPr>
-              <a:t>NPK, DAP</a:t>
-            </a:r>
-            <a:r>
-              <a:rPr lang="en-US" smtClean="0">
-                <a:sym typeface="Wingdings" pitchFamily="2" charset="2"/>
-              </a:rPr>
-              <a:t>, </a:t>
-            </a:r>
-            <a:r>
-              <a:rPr lang="en-US" smtClean="0">
-                <a:sym typeface="Wingdings" pitchFamily="2" charset="2"/>
-              </a:rPr>
-              <a:t>Potash </a:t>
-            </a:r>
-            <a:r>
-              <a:rPr lang="en-US" dirty="0" smtClean="0">
-                <a:sym typeface="Wingdings" pitchFamily="2" charset="2"/>
-              </a:rPr>
-              <a:t>buy from company/Agency directly before season.</a:t>
-            </a:r>
-          </a:p>
-          <a:p>
-            <a:pPr marL="571500" indent="-571500">
-              <a:buClr>
-                <a:srgbClr val="002060"/>
-              </a:buClr>
-              <a:buFont typeface="+mj-lt"/>
-              <a:buAutoNum type="romanLcPeriod" startAt="4"/>
-            </a:pPr>
-            <a:r>
-              <a:rPr lang="en-US" dirty="0" smtClean="0">
-                <a:sym typeface="Wingdings" pitchFamily="2" charset="2"/>
-              </a:rPr>
-              <a:t>KCC/Loan providing which needed account in bank so that EMI is deducted from account of farmer.</a:t>
-            </a:r>
+                <a:gradFill flip="none" rotWithShape="1">
+                  <a:gsLst>
+                    <a:gs pos="0">
+                      <a:srgbClr val="03D4A8"/>
+                    </a:gs>
+                    <a:gs pos="25000">
+                      <a:srgbClr val="21D6E0"/>
+                    </a:gs>
+                    <a:gs pos="75000">
+                      <a:srgbClr val="0087E6"/>
+                    </a:gs>
+                    <a:gs pos="100000">
+                      <a:srgbClr val="005CBF"/>
+                    </a:gs>
+                  </a:gsLst>
+                  <a:lin ang="5400000" scaled="1"/>
+                  <a:tileRect/>
+                </a:gradFill>
+              </a:rPr>
+              <a:t> (goat, buffalo, cow   etc) can be sell or buy online from home.</a:t>
+            </a:r>
+            <a:endParaRPr lang="en-US" dirty="0" smtClean="0"/>
           </a:p>
         </p:txBody>
       </p:sp>
@@ -4906,6 +5661,45 @@
       </p:grpSpPr>
       <p:sp>
         <p:nvSpPr>
+          <p:cNvPr id="2" name="Title 1"/>
+          <p:cNvSpPr>
+            <a:spLocks noGrp="1"/>
+          </p:cNvSpPr>
+          <p:nvPr>
+            <p:ph type="title"/>
+          </p:nvPr>
+        </p:nvSpPr>
+        <p:spPr>
+          <a:xfrm>
+            <a:off x="457200" y="457200"/>
+            <a:ext cx="8229600" cy="609600"/>
+          </a:xfrm>
+        </p:spPr>
+        <p:txBody>
+          <a:bodyPr>
+            <a:normAutofit fontScale="90000"/>
+          </a:bodyPr>
+          <a:lstStyle/>
+          <a:p>
+            <a:pPr algn="ctr"/>
+            <a:r>
+              <a:rPr lang="en-US" b="1" dirty="0" smtClean="0">
+                <a:solidFill>
+                  <a:srgbClr val="FF0000"/>
+                </a:solidFill>
+              </a:rPr>
+              <a:t>Producers how?</a:t>
+            </a:r>
+            <a:endParaRPr lang="en-US" b="1" dirty="0">
+              <a:solidFill>
+                <a:srgbClr val="FF0000"/>
+              </a:solidFill>
+            </a:endParaRPr>
+          </a:p>
+        </p:txBody>
+      </p:sp>
+      <p:sp>
+        <p:nvSpPr>
           <p:cNvPr id="3" name="Content Placeholder 2"/>
           <p:cNvSpPr>
             <a:spLocks noGrp="1"/>
@@ -4916,15 +5710,158 @@
         </p:nvSpPr>
         <p:spPr>
           <a:xfrm>
-            <a:off x="457200" y="457200"/>
-            <a:ext cx="8229600" cy="6096000"/>
+            <a:off x="457200" y="1066800"/>
+            <a:ext cx="8229600" cy="6019800"/>
           </a:xfrm>
         </p:spPr>
         <p:txBody>
-          <a:bodyPr/>
+          <a:bodyPr>
+            <a:normAutofit fontScale="92500"/>
+          </a:bodyPr>
           <a:lstStyle/>
           <a:p>
-            <a:endParaRPr lang="en-US" dirty="0"/>
+            <a:pPr marL="571500" indent="-571500">
+              <a:buClr>
+                <a:srgbClr val="002060"/>
+              </a:buClr>
+              <a:buFont typeface="+mj-lt"/>
+              <a:buAutoNum type="romanLcPeriod"/>
+            </a:pPr>
+            <a:r>
+              <a:rPr lang="en-US" dirty="0" smtClean="0"/>
+              <a:t>Delivery initially from near shop and then from stock (stock buy from pharmaceutical company) and quality matters.</a:t>
+            </a:r>
+          </a:p>
+          <a:p>
+            <a:pPr marL="571500" indent="-571500">
+              <a:buClr>
+                <a:srgbClr val="002060"/>
+              </a:buClr>
+              <a:buFont typeface="Wingdings"/>
+              <a:buChar char="à"/>
+            </a:pPr>
+            <a:r>
+              <a:rPr lang="en-US" dirty="0" smtClean="0">
+                <a:sym typeface="Wingdings" pitchFamily="2" charset="2"/>
+              </a:rPr>
+              <a:t>Same with cloths (if required ).</a:t>
+            </a:r>
+          </a:p>
+          <a:p>
+            <a:pPr marL="571500" indent="-571500">
+              <a:buClr>
+                <a:srgbClr val="002060"/>
+              </a:buClr>
+              <a:buFont typeface="Wingdings"/>
+              <a:buChar char="à"/>
+            </a:pPr>
+            <a:r>
+              <a:rPr lang="en-US" dirty="0" smtClean="0">
+                <a:sym typeface="Wingdings" pitchFamily="2" charset="2"/>
+              </a:rPr>
+              <a:t>Medicine store in hall with different section like library.</a:t>
+            </a:r>
+          </a:p>
+          <a:p>
+            <a:pPr marL="571500" indent="-571500">
+              <a:buClr>
+                <a:srgbClr val="002060"/>
+              </a:buClr>
+              <a:buFont typeface="Wingdings"/>
+              <a:buChar char="à"/>
+            </a:pPr>
+            <a:r>
+              <a:rPr lang="en-US" dirty="0" smtClean="0">
+                <a:sym typeface="Wingdings" pitchFamily="2" charset="2"/>
+              </a:rPr>
+              <a:t>Testing the medicines on plant then added to website.  </a:t>
+            </a:r>
+          </a:p>
+          <a:p>
+            <a:pPr marL="571500" indent="-571500">
+              <a:buClr>
+                <a:srgbClr val="002060"/>
+              </a:buClr>
+              <a:buFont typeface="+mj-lt"/>
+              <a:buAutoNum type="romanLcPeriod" startAt="2"/>
+            </a:pPr>
+            <a:r>
+              <a:rPr lang="en-US" dirty="0" smtClean="0">
+                <a:sym typeface="Wingdings" pitchFamily="2" charset="2"/>
+              </a:rPr>
+              <a:t>Seminar and certification with gift kit during seminar to best producing farmers.</a:t>
+            </a:r>
+          </a:p>
+          <a:p>
+            <a:pPr marL="571500" indent="-571500">
+              <a:buClr>
+                <a:srgbClr val="002060"/>
+              </a:buClr>
+              <a:buFont typeface="+mj-lt"/>
+              <a:buAutoNum type="romanLcPeriod" startAt="2"/>
+            </a:pPr>
+            <a:r>
+              <a:rPr lang="en-US" dirty="0" smtClean="0">
+                <a:sym typeface="Wingdings" pitchFamily="2" charset="2"/>
+              </a:rPr>
+              <a:t>Adviser  should be agricultural specialist.</a:t>
+            </a:r>
+          </a:p>
+          <a:p>
+            <a:pPr marL="571500" indent="-571500">
+              <a:buClr>
+                <a:srgbClr val="002060"/>
+              </a:buClr>
+              <a:buNone/>
+            </a:pPr>
+            <a:r>
+              <a:rPr lang="en-US" dirty="0" smtClean="0">
+                <a:sym typeface="Wingdings" pitchFamily="2" charset="2"/>
+              </a:rPr>
+              <a:t>    1 adviser between/among villages.</a:t>
+            </a:r>
+          </a:p>
+          <a:p>
+            <a:pPr marL="571500" indent="-571500">
+              <a:buClr>
+                <a:srgbClr val="002060"/>
+              </a:buClr>
+              <a:buFont typeface="+mj-lt"/>
+              <a:buAutoNum type="romanLcPeriod" startAt="4"/>
+            </a:pPr>
+            <a:r>
+              <a:rPr lang="en-US" dirty="0" smtClean="0">
+                <a:sym typeface="Wingdings" pitchFamily="2" charset="2"/>
+              </a:rPr>
+              <a:t>NPK, DAP</a:t>
+            </a:r>
+            <a:r>
+              <a:rPr lang="en-US" smtClean="0">
+                <a:sym typeface="Wingdings" pitchFamily="2" charset="2"/>
+              </a:rPr>
+              <a:t>, Potash </a:t>
+            </a:r>
+            <a:r>
+              <a:rPr lang="en-US" dirty="0" smtClean="0">
+                <a:sym typeface="Wingdings" pitchFamily="2" charset="2"/>
+              </a:rPr>
+              <a:t>buy from company/Agency directly before season.</a:t>
+            </a:r>
+          </a:p>
+          <a:p>
+            <a:pPr marL="571500" indent="-571500">
+              <a:buClr>
+                <a:srgbClr val="002060"/>
+              </a:buClr>
+              <a:buFont typeface="+mj-lt"/>
+              <a:buAutoNum type="romanLcPeriod" startAt="4"/>
+            </a:pPr>
+            <a:r>
+              <a:rPr lang="en-US" dirty="0" smtClean="0">
+                <a:sym typeface="Wingdings" pitchFamily="2" charset="2"/>
+              </a:rPr>
+              <a:t>KCC/Loan providing which needed account in bank so that EMI is deducted from account of farmer.</a:t>
+            </a:r>
           </a:p>
         </p:txBody>
       </p:sp>
@@ -4963,6 +5900,1037 @@
             <p:ph type="title"/>
           </p:nvPr>
         </p:nvSpPr>
+        <p:spPr>
+          <a:xfrm>
+            <a:off x="457200" y="228600"/>
+            <a:ext cx="8229600" cy="838200"/>
+          </a:xfrm>
+        </p:spPr>
+        <p:txBody>
+          <a:bodyPr anchor="ctr">
+            <a:normAutofit/>
+          </a:bodyPr>
+          <a:lstStyle/>
+          <a:p>
+            <a:pPr algn="ctr"/>
+            <a:r>
+              <a:rPr lang="en-US" sz="3200" b="1" u="sng" dirty="0" smtClean="0">
+                <a:solidFill>
+                  <a:srgbClr val="FF0000"/>
+                </a:solidFill>
+              </a:rPr>
+              <a:t>Data Flow Diagram </a:t>
+            </a:r>
+            <a:r>
+              <a:rPr lang="en-US" sz="2000" i="1" u="sng" dirty="0" smtClean="0">
+                <a:solidFill>
+                  <a:srgbClr val="FF0000"/>
+                </a:solidFill>
+              </a:rPr>
+              <a:t>(level 0)</a:t>
+            </a:r>
+            <a:endParaRPr lang="en-US" sz="2000" i="1" u="sng" dirty="0">
+              <a:solidFill>
+                <a:srgbClr val="FF0000"/>
+              </a:solidFill>
+            </a:endParaRPr>
+          </a:p>
+        </p:txBody>
+      </p:sp>
+      <p:sp>
+        <p:nvSpPr>
+          <p:cNvPr id="3" name="Content Placeholder 2"/>
+          <p:cNvSpPr>
+            <a:spLocks noGrp="1"/>
+          </p:cNvSpPr>
+          <p:nvPr>
+            <p:ph idx="1"/>
+          </p:nvPr>
+        </p:nvSpPr>
+        <p:spPr>
+          <a:xfrm>
+            <a:off x="457200" y="1143000"/>
+            <a:ext cx="8229600" cy="5181600"/>
+          </a:xfrm>
+        </p:spPr>
+        <p:txBody>
+          <a:bodyPr/>
+          <a:lstStyle/>
+          <a:p>
+            <a:endParaRPr lang="en-US" dirty="0"/>
+          </a:p>
+        </p:txBody>
+      </p:sp>
+      <p:pic>
+        <p:nvPicPr>
+          <p:cNvPr id="3074" name="Picture 2" descr="C:\Users\ASGR\Desktop\dfd level 0.PNG"/>
+          <p:cNvPicPr>
+            <a:picLocks noChangeAspect="1" noChangeArrowheads="1"/>
+          </p:cNvPicPr>
+          <p:nvPr/>
+        </p:nvPicPr>
+        <p:blipFill>
+          <a:blip r:embed="rId2"/>
+          <a:srcRect/>
+          <a:stretch>
+            <a:fillRect/>
+          </a:stretch>
+        </p:blipFill>
+        <p:spPr bwMode="auto">
+          <a:xfrm>
+            <a:off x="457200" y="1143000"/>
+            <a:ext cx="8229600" cy="5181600"/>
+          </a:xfrm>
+          <a:prstGeom prst="rect">
+            <a:avLst/>
+          </a:prstGeom>
+          <a:noFill/>
+        </p:spPr>
+      </p:pic>
+    </p:spTree>
+  </p:cSld>
+  <p:clrMapOvr>
+    <a:masterClrMapping/>
+  </p:clrMapOvr>
+</p:sld>
+</file>
+
+<file path=ppt/slides/slide13.xml><?xml version="1.0" encoding="utf-8"?>
+<p:sld xmlns:a="http://schemas.openxmlformats.org/drawingml/2006/main" xmlns:r="http://schemas.openxmlformats.org/officeDocument/2006/relationships" xmlns:p="http://schemas.openxmlformats.org/presentationml/2006/main">
+  <p:cSld>
+    <p:spTree>
+      <p:nvGrpSpPr>
+        <p:cNvPr id="1" name=""/>
+        <p:cNvGrpSpPr/>
+        <p:nvPr/>
+      </p:nvGrpSpPr>
+      <p:grpSpPr>
+        <a:xfrm>
+          <a:off x="0" y="0"/>
+          <a:ext cx="0" cy="0"/>
+          <a:chOff x="0" y="0"/>
+          <a:chExt cx="0" cy="0"/>
+        </a:xfrm>
+      </p:grpSpPr>
+      <p:sp>
+        <p:nvSpPr>
+          <p:cNvPr id="2" name="Title 1"/>
+          <p:cNvSpPr>
+            <a:spLocks noGrp="1"/>
+          </p:cNvSpPr>
+          <p:nvPr>
+            <p:ph type="title"/>
+          </p:nvPr>
+        </p:nvSpPr>
+        <p:spPr>
+          <a:xfrm>
+            <a:off x="457200" y="228600"/>
+            <a:ext cx="8229600" cy="838200"/>
+          </a:xfrm>
+        </p:spPr>
+        <p:txBody>
+          <a:bodyPr anchor="ctr">
+            <a:normAutofit/>
+          </a:bodyPr>
+          <a:lstStyle/>
+          <a:p>
+            <a:pPr algn="ctr"/>
+            <a:r>
+              <a:rPr lang="en-US" sz="3200" b="1" u="sng" dirty="0" smtClean="0">
+                <a:solidFill>
+                  <a:srgbClr val="FF0000"/>
+                </a:solidFill>
+              </a:rPr>
+              <a:t>Data Flow Diagram </a:t>
+            </a:r>
+            <a:r>
+              <a:rPr lang="en-US" sz="2000" u="sng" dirty="0" smtClean="0">
+                <a:solidFill>
+                  <a:srgbClr val="FF0000"/>
+                </a:solidFill>
+              </a:rPr>
+              <a:t>(level 1)</a:t>
+            </a:r>
+            <a:endParaRPr lang="en-US" sz="2000" u="sng" dirty="0">
+              <a:solidFill>
+                <a:srgbClr val="FF0000"/>
+              </a:solidFill>
+            </a:endParaRPr>
+          </a:p>
+        </p:txBody>
+      </p:sp>
+      <p:sp>
+        <p:nvSpPr>
+          <p:cNvPr id="3" name="Content Placeholder 2"/>
+          <p:cNvSpPr>
+            <a:spLocks noGrp="1"/>
+          </p:cNvSpPr>
+          <p:nvPr>
+            <p:ph idx="1"/>
+          </p:nvPr>
+        </p:nvSpPr>
+        <p:spPr>
+          <a:xfrm>
+            <a:off x="457200" y="1143000"/>
+            <a:ext cx="8229600" cy="5181600"/>
+          </a:xfrm>
+        </p:spPr>
+        <p:txBody>
+          <a:bodyPr/>
+          <a:lstStyle/>
+          <a:p>
+            <a:endParaRPr lang="en-US" dirty="0"/>
+          </a:p>
+        </p:txBody>
+      </p:sp>
+    </p:spTree>
+  </p:cSld>
+  <p:clrMapOvr>
+    <a:masterClrMapping/>
+  </p:clrMapOvr>
+</p:sld>
+</file>
+
+<file path=ppt/slides/slide14.xml><?xml version="1.0" encoding="utf-8"?>
+<p:sld xmlns:a="http://schemas.openxmlformats.org/drawingml/2006/main" xmlns:r="http://schemas.openxmlformats.org/officeDocument/2006/relationships" xmlns:p="http://schemas.openxmlformats.org/presentationml/2006/main">
+  <p:cSld>
+    <p:spTree>
+      <p:nvGrpSpPr>
+        <p:cNvPr id="1" name=""/>
+        <p:cNvGrpSpPr/>
+        <p:nvPr/>
+      </p:nvGrpSpPr>
+      <p:grpSpPr>
+        <a:xfrm>
+          <a:off x="0" y="0"/>
+          <a:ext cx="0" cy="0"/>
+          <a:chOff x="0" y="0"/>
+          <a:chExt cx="0" cy="0"/>
+        </a:xfrm>
+      </p:grpSpPr>
+      <p:sp>
+        <p:nvSpPr>
+          <p:cNvPr id="2" name="Title 1"/>
+          <p:cNvSpPr>
+            <a:spLocks noGrp="1"/>
+          </p:cNvSpPr>
+          <p:nvPr>
+            <p:ph type="title"/>
+          </p:nvPr>
+        </p:nvSpPr>
+        <p:spPr>
+          <a:xfrm>
+            <a:off x="457200" y="228600"/>
+            <a:ext cx="8229600" cy="685800"/>
+          </a:xfrm>
+        </p:spPr>
+        <p:txBody>
+          <a:bodyPr anchor="ctr">
+            <a:normAutofit/>
+          </a:bodyPr>
+          <a:lstStyle/>
+          <a:p>
+            <a:pPr algn="ctr"/>
+            <a:r>
+              <a:rPr lang="en-US" sz="3200" b="1" u="sng" dirty="0" smtClean="0">
+                <a:solidFill>
+                  <a:srgbClr val="FF0000"/>
+                </a:solidFill>
+              </a:rPr>
+              <a:t>Use Case Diagram</a:t>
+            </a:r>
+            <a:endParaRPr lang="en-US" sz="3200" b="1" u="sng" dirty="0">
+              <a:solidFill>
+                <a:srgbClr val="FF0000"/>
+              </a:solidFill>
+            </a:endParaRPr>
+          </a:p>
+        </p:txBody>
+      </p:sp>
+      <p:sp>
+        <p:nvSpPr>
+          <p:cNvPr id="3" name="Content Placeholder 2"/>
+          <p:cNvSpPr>
+            <a:spLocks noGrp="1"/>
+          </p:cNvSpPr>
+          <p:nvPr>
+            <p:ph idx="1"/>
+          </p:nvPr>
+        </p:nvSpPr>
+        <p:spPr>
+          <a:xfrm>
+            <a:off x="457200" y="1143000"/>
+            <a:ext cx="8229600" cy="5257800"/>
+          </a:xfrm>
+        </p:spPr>
+        <p:txBody>
+          <a:bodyPr/>
+          <a:lstStyle/>
+          <a:p>
+            <a:endParaRPr lang="en-US" dirty="0"/>
+          </a:p>
+        </p:txBody>
+      </p:sp>
+      <p:pic>
+        <p:nvPicPr>
+          <p:cNvPr id="4098" name="Picture 2" descr="C:\Users\ASGR\Desktop\use case diagram.PNG"/>
+          <p:cNvPicPr>
+            <a:picLocks noChangeAspect="1" noChangeArrowheads="1"/>
+          </p:cNvPicPr>
+          <p:nvPr/>
+        </p:nvPicPr>
+        <p:blipFill>
+          <a:blip r:embed="rId2"/>
+          <a:srcRect/>
+          <a:stretch>
+            <a:fillRect/>
+          </a:stretch>
+        </p:blipFill>
+        <p:spPr bwMode="auto">
+          <a:xfrm>
+            <a:off x="381000" y="1166812"/>
+            <a:ext cx="8458200" cy="5462588"/>
+          </a:xfrm>
+          <a:prstGeom prst="rect">
+            <a:avLst/>
+          </a:prstGeom>
+          <a:noFill/>
+        </p:spPr>
+      </p:pic>
+    </p:spTree>
+  </p:cSld>
+  <p:clrMapOvr>
+    <a:masterClrMapping/>
+  </p:clrMapOvr>
+</p:sld>
+</file>
+
+<file path=ppt/slides/slide15.xml><?xml version="1.0" encoding="utf-8"?>
+<p:sld xmlns:a="http://schemas.openxmlformats.org/drawingml/2006/main" xmlns:r="http://schemas.openxmlformats.org/officeDocument/2006/relationships" xmlns:p="http://schemas.openxmlformats.org/presentationml/2006/main">
+  <p:cSld>
+    <p:spTree>
+      <p:nvGrpSpPr>
+        <p:cNvPr id="1" name=""/>
+        <p:cNvGrpSpPr/>
+        <p:nvPr/>
+      </p:nvGrpSpPr>
+      <p:grpSpPr>
+        <a:xfrm>
+          <a:off x="0" y="0"/>
+          <a:ext cx="0" cy="0"/>
+          <a:chOff x="0" y="0"/>
+          <a:chExt cx="0" cy="0"/>
+        </a:xfrm>
+      </p:grpSpPr>
+      <p:sp>
+        <p:nvSpPr>
+          <p:cNvPr id="2" name="Title 1"/>
+          <p:cNvSpPr>
+            <a:spLocks noGrp="1"/>
+          </p:cNvSpPr>
+          <p:nvPr>
+            <p:ph type="title"/>
+          </p:nvPr>
+        </p:nvSpPr>
+        <p:spPr>
+          <a:xfrm>
+            <a:off x="457200" y="228600"/>
+            <a:ext cx="8229600" cy="838200"/>
+          </a:xfrm>
+        </p:spPr>
+        <p:txBody>
+          <a:bodyPr anchor="ctr">
+            <a:normAutofit/>
+          </a:bodyPr>
+          <a:lstStyle/>
+          <a:p>
+            <a:pPr algn="ctr"/>
+            <a:r>
+              <a:rPr lang="en-US" sz="3200" b="1" u="sng" dirty="0" smtClean="0">
+                <a:solidFill>
+                  <a:srgbClr val="FF0000"/>
+                </a:solidFill>
+              </a:rPr>
+              <a:t>Sequence Diagram (Buying)</a:t>
+            </a:r>
+            <a:endParaRPr lang="en-US" sz="3200" b="1" u="sng" dirty="0">
+              <a:solidFill>
+                <a:srgbClr val="FF0000"/>
+              </a:solidFill>
+            </a:endParaRPr>
+          </a:p>
+        </p:txBody>
+      </p:sp>
+      <p:pic>
+        <p:nvPicPr>
+          <p:cNvPr id="5122" name="Picture 2" descr="C:\Users\ASGR\Desktop\sequence(Buy).PNG"/>
+          <p:cNvPicPr>
+            <a:picLocks noChangeAspect="1" noChangeArrowheads="1"/>
+          </p:cNvPicPr>
+          <p:nvPr/>
+        </p:nvPicPr>
+        <p:blipFill>
+          <a:blip r:embed="rId2"/>
+          <a:srcRect/>
+          <a:stretch>
+            <a:fillRect/>
+          </a:stretch>
+        </p:blipFill>
+        <p:spPr bwMode="auto">
+          <a:xfrm>
+            <a:off x="381000" y="1219200"/>
+            <a:ext cx="8382000" cy="5410200"/>
+          </a:xfrm>
+          <a:prstGeom prst="rect">
+            <a:avLst/>
+          </a:prstGeom>
+          <a:noFill/>
+        </p:spPr>
+      </p:pic>
+    </p:spTree>
+  </p:cSld>
+  <p:clrMapOvr>
+    <a:masterClrMapping/>
+  </p:clrMapOvr>
+</p:sld>
+</file>
+
+<file path=ppt/slides/slide16.xml><?xml version="1.0" encoding="utf-8"?>
+<p:sld xmlns:a="http://schemas.openxmlformats.org/drawingml/2006/main" xmlns:r="http://schemas.openxmlformats.org/officeDocument/2006/relationships" xmlns:p="http://schemas.openxmlformats.org/presentationml/2006/main">
+  <p:cSld>
+    <p:spTree>
+      <p:nvGrpSpPr>
+        <p:cNvPr id="1" name=""/>
+        <p:cNvGrpSpPr/>
+        <p:nvPr/>
+      </p:nvGrpSpPr>
+      <p:grpSpPr>
+        <a:xfrm>
+          <a:off x="0" y="0"/>
+          <a:ext cx="0" cy="0"/>
+          <a:chOff x="0" y="0"/>
+          <a:chExt cx="0" cy="0"/>
+        </a:xfrm>
+      </p:grpSpPr>
+      <p:sp>
+        <p:nvSpPr>
+          <p:cNvPr id="2" name="Title 1"/>
+          <p:cNvSpPr>
+            <a:spLocks noGrp="1"/>
+          </p:cNvSpPr>
+          <p:nvPr>
+            <p:ph type="title"/>
+          </p:nvPr>
+        </p:nvSpPr>
+        <p:spPr>
+          <a:xfrm>
+            <a:off x="457200" y="228600"/>
+            <a:ext cx="8229600" cy="838200"/>
+          </a:xfrm>
+        </p:spPr>
+        <p:txBody>
+          <a:bodyPr anchor="ctr">
+            <a:normAutofit/>
+          </a:bodyPr>
+          <a:lstStyle/>
+          <a:p>
+            <a:pPr algn="ctr"/>
+            <a:r>
+              <a:rPr lang="en-US" sz="3200" b="1" u="sng" dirty="0" smtClean="0">
+                <a:solidFill>
+                  <a:srgbClr val="FF0000"/>
+                </a:solidFill>
+              </a:rPr>
+              <a:t>Class Diagram</a:t>
+            </a:r>
+            <a:endParaRPr lang="en-US" sz="3200" b="1" u="sng" dirty="0">
+              <a:solidFill>
+                <a:srgbClr val="FF0000"/>
+              </a:solidFill>
+            </a:endParaRPr>
+          </a:p>
+        </p:txBody>
+      </p:sp>
+      <p:sp>
+        <p:nvSpPr>
+          <p:cNvPr id="3" name="Content Placeholder 2"/>
+          <p:cNvSpPr>
+            <a:spLocks noGrp="1"/>
+          </p:cNvSpPr>
+          <p:nvPr>
+            <p:ph idx="1"/>
+          </p:nvPr>
+        </p:nvSpPr>
+        <p:spPr>
+          <a:xfrm>
+            <a:off x="457200" y="1143000"/>
+            <a:ext cx="8229600" cy="5181600"/>
+          </a:xfrm>
+        </p:spPr>
+        <p:txBody>
+          <a:bodyPr/>
+          <a:lstStyle/>
+          <a:p>
+            <a:endParaRPr lang="en-US" dirty="0"/>
+          </a:p>
+        </p:txBody>
+      </p:sp>
+    </p:spTree>
+  </p:cSld>
+  <p:clrMapOvr>
+    <a:masterClrMapping/>
+  </p:clrMapOvr>
+</p:sld>
+</file>
+
+<file path=ppt/slides/slide17.xml><?xml version="1.0" encoding="utf-8"?>
+<p:sld xmlns:a="http://schemas.openxmlformats.org/drawingml/2006/main" xmlns:r="http://schemas.openxmlformats.org/officeDocument/2006/relationships" xmlns:p="http://schemas.openxmlformats.org/presentationml/2006/main">
+  <p:cSld>
+    <p:spTree>
+      <p:nvGrpSpPr>
+        <p:cNvPr id="1" name=""/>
+        <p:cNvGrpSpPr/>
+        <p:nvPr/>
+      </p:nvGrpSpPr>
+      <p:grpSpPr>
+        <a:xfrm>
+          <a:off x="0" y="0"/>
+          <a:ext cx="0" cy="0"/>
+          <a:chOff x="0" y="0"/>
+          <a:chExt cx="0" cy="0"/>
+        </a:xfrm>
+      </p:grpSpPr>
+      <p:sp>
+        <p:nvSpPr>
+          <p:cNvPr id="2" name="Title 1"/>
+          <p:cNvSpPr>
+            <a:spLocks noGrp="1"/>
+          </p:cNvSpPr>
+          <p:nvPr>
+            <p:ph type="title"/>
+          </p:nvPr>
+        </p:nvSpPr>
+        <p:spPr>
+          <a:xfrm>
+            <a:off x="457200" y="228600"/>
+            <a:ext cx="8229600" cy="838200"/>
+          </a:xfrm>
+        </p:spPr>
+        <p:txBody>
+          <a:bodyPr anchor="ctr">
+            <a:normAutofit/>
+          </a:bodyPr>
+          <a:lstStyle/>
+          <a:p>
+            <a:pPr algn="ctr"/>
+            <a:r>
+              <a:rPr lang="en-US" sz="3200" b="1" u="sng" dirty="0" smtClean="0">
+                <a:solidFill>
+                  <a:srgbClr val="FF0000"/>
+                </a:solidFill>
+              </a:rPr>
+              <a:t>Component Diagram</a:t>
+            </a:r>
+            <a:endParaRPr lang="en-US" sz="3200" b="1" u="sng" dirty="0">
+              <a:solidFill>
+                <a:srgbClr val="FF0000"/>
+              </a:solidFill>
+            </a:endParaRPr>
+          </a:p>
+        </p:txBody>
+      </p:sp>
+      <p:sp>
+        <p:nvSpPr>
+          <p:cNvPr id="3" name="Content Placeholder 2"/>
+          <p:cNvSpPr>
+            <a:spLocks noGrp="1"/>
+          </p:cNvSpPr>
+          <p:nvPr>
+            <p:ph idx="1"/>
+          </p:nvPr>
+        </p:nvSpPr>
+        <p:spPr>
+          <a:xfrm>
+            <a:off x="457200" y="1143000"/>
+            <a:ext cx="8229600" cy="5181600"/>
+          </a:xfrm>
+        </p:spPr>
+        <p:txBody>
+          <a:bodyPr/>
+          <a:lstStyle/>
+          <a:p>
+            <a:endParaRPr lang="en-US" dirty="0"/>
+          </a:p>
+        </p:txBody>
+      </p:sp>
+    </p:spTree>
+  </p:cSld>
+  <p:clrMapOvr>
+    <a:masterClrMapping/>
+  </p:clrMapOvr>
+</p:sld>
+</file>
+
+<file path=ppt/slides/slide18.xml><?xml version="1.0" encoding="utf-8"?>
+<p:sld xmlns:a="http://schemas.openxmlformats.org/drawingml/2006/main" xmlns:r="http://schemas.openxmlformats.org/officeDocument/2006/relationships" xmlns:p="http://schemas.openxmlformats.org/presentationml/2006/main">
+  <p:cSld>
+    <p:spTree>
+      <p:nvGrpSpPr>
+        <p:cNvPr id="1" name=""/>
+        <p:cNvGrpSpPr/>
+        <p:nvPr/>
+      </p:nvGrpSpPr>
+      <p:grpSpPr>
+        <a:xfrm>
+          <a:off x="0" y="0"/>
+          <a:ext cx="0" cy="0"/>
+          <a:chOff x="0" y="0"/>
+          <a:chExt cx="0" cy="0"/>
+        </a:xfrm>
+      </p:grpSpPr>
+      <p:sp>
+        <p:nvSpPr>
+          <p:cNvPr id="2" name="Title 1"/>
+          <p:cNvSpPr>
+            <a:spLocks noGrp="1"/>
+          </p:cNvSpPr>
+          <p:nvPr>
+            <p:ph type="title"/>
+          </p:nvPr>
+        </p:nvSpPr>
+        <p:spPr>
+          <a:xfrm>
+            <a:off x="457200" y="0"/>
+            <a:ext cx="8229600" cy="838200"/>
+          </a:xfrm>
+        </p:spPr>
+        <p:txBody>
+          <a:bodyPr anchor="ctr">
+            <a:normAutofit/>
+          </a:bodyPr>
+          <a:lstStyle/>
+          <a:p>
+            <a:pPr algn="ctr"/>
+            <a:r>
+              <a:rPr lang="en-US" sz="3200" b="1" u="sng" dirty="0" smtClean="0">
+                <a:solidFill>
+                  <a:srgbClr val="FF0000"/>
+                </a:solidFill>
+              </a:rPr>
+              <a:t>Activity Diagram</a:t>
+            </a:r>
+            <a:endParaRPr lang="en-US" sz="3200" b="1" u="sng" dirty="0">
+              <a:solidFill>
+                <a:srgbClr val="FF0000"/>
+              </a:solidFill>
+            </a:endParaRPr>
+          </a:p>
+        </p:txBody>
+      </p:sp>
+      <p:pic>
+        <p:nvPicPr>
+          <p:cNvPr id="2050" name="Picture 2" descr="C:\Users\ASGR\Desktop\activity dia.PNG"/>
+          <p:cNvPicPr>
+            <a:picLocks noChangeAspect="1" noChangeArrowheads="1"/>
+          </p:cNvPicPr>
+          <p:nvPr/>
+        </p:nvPicPr>
+        <p:blipFill>
+          <a:blip r:embed="rId2"/>
+          <a:srcRect/>
+          <a:stretch>
+            <a:fillRect/>
+          </a:stretch>
+        </p:blipFill>
+        <p:spPr bwMode="auto">
+          <a:xfrm>
+            <a:off x="152400" y="990600"/>
+            <a:ext cx="8745538" cy="5648325"/>
+          </a:xfrm>
+          <a:prstGeom prst="rect">
+            <a:avLst/>
+          </a:prstGeom>
+          <a:noFill/>
+        </p:spPr>
+      </p:pic>
+    </p:spTree>
+  </p:cSld>
+  <p:clrMapOvr>
+    <a:masterClrMapping/>
+  </p:clrMapOvr>
+</p:sld>
+</file>
+
+<file path=ppt/slides/slide19.xml><?xml version="1.0" encoding="utf-8"?>
+<p:sld xmlns:a="http://schemas.openxmlformats.org/drawingml/2006/main" xmlns:r="http://schemas.openxmlformats.org/officeDocument/2006/relationships" xmlns:p="http://schemas.openxmlformats.org/presentationml/2006/main">
+  <p:cSld>
+    <p:spTree>
+      <p:nvGrpSpPr>
+        <p:cNvPr id="1" name=""/>
+        <p:cNvGrpSpPr/>
+        <p:nvPr/>
+      </p:nvGrpSpPr>
+      <p:grpSpPr>
+        <a:xfrm>
+          <a:off x="0" y="0"/>
+          <a:ext cx="0" cy="0"/>
+          <a:chOff x="0" y="0"/>
+          <a:chExt cx="0" cy="0"/>
+        </a:xfrm>
+      </p:grpSpPr>
+      <p:sp>
+        <p:nvSpPr>
+          <p:cNvPr id="2" name="Title 1"/>
+          <p:cNvSpPr>
+            <a:spLocks noGrp="1"/>
+          </p:cNvSpPr>
+          <p:nvPr>
+            <p:ph type="title"/>
+          </p:nvPr>
+        </p:nvSpPr>
+        <p:spPr>
+          <a:xfrm>
+            <a:off x="457200" y="228600"/>
+            <a:ext cx="8229600" cy="838200"/>
+          </a:xfrm>
+        </p:spPr>
+        <p:txBody>
+          <a:bodyPr anchor="ctr">
+            <a:normAutofit/>
+          </a:bodyPr>
+          <a:lstStyle/>
+          <a:p>
+            <a:pPr algn="ctr"/>
+            <a:r>
+              <a:rPr lang="en-US" sz="3200" b="1" u="sng" dirty="0" smtClean="0">
+                <a:solidFill>
+                  <a:srgbClr val="FF0000"/>
+                </a:solidFill>
+              </a:rPr>
+              <a:t>State Chart Diagram</a:t>
+            </a:r>
+            <a:endParaRPr lang="en-US" sz="3200" b="1" u="sng" dirty="0">
+              <a:solidFill>
+                <a:srgbClr val="FF0000"/>
+              </a:solidFill>
+            </a:endParaRPr>
+          </a:p>
+        </p:txBody>
+      </p:sp>
+      <p:sp>
+        <p:nvSpPr>
+          <p:cNvPr id="3" name="Content Placeholder 2"/>
+          <p:cNvSpPr>
+            <a:spLocks noGrp="1"/>
+          </p:cNvSpPr>
+          <p:nvPr>
+            <p:ph idx="1"/>
+          </p:nvPr>
+        </p:nvSpPr>
+        <p:spPr>
+          <a:xfrm>
+            <a:off x="457200" y="1143000"/>
+            <a:ext cx="8229600" cy="5181600"/>
+          </a:xfrm>
+        </p:spPr>
+        <p:txBody>
+          <a:bodyPr/>
+          <a:lstStyle/>
+          <a:p>
+            <a:endParaRPr lang="en-US" dirty="0"/>
+          </a:p>
+        </p:txBody>
+      </p:sp>
+    </p:spTree>
+  </p:cSld>
+  <p:clrMapOvr>
+    <a:masterClrMapping/>
+  </p:clrMapOvr>
+</p:sld>
+</file>
+
+<file path=ppt/slides/slide2.xml><?xml version="1.0" encoding="utf-8"?>
+<p:sld xmlns:a="http://schemas.openxmlformats.org/drawingml/2006/main" xmlns:r="http://schemas.openxmlformats.org/officeDocument/2006/relationships" xmlns:p="http://schemas.openxmlformats.org/presentationml/2006/main">
+  <p:cSld>
+    <p:spTree>
+      <p:nvGrpSpPr>
+        <p:cNvPr id="1" name=""/>
+        <p:cNvGrpSpPr/>
+        <p:nvPr/>
+      </p:nvGrpSpPr>
+      <p:grpSpPr>
+        <a:xfrm>
+          <a:off x="0" y="0"/>
+          <a:ext cx="0" cy="0"/>
+          <a:chOff x="0" y="0"/>
+          <a:chExt cx="0" cy="0"/>
+        </a:xfrm>
+      </p:grpSpPr>
+      <p:sp>
+        <p:nvSpPr>
+          <p:cNvPr id="3" name="Content Placeholder 2"/>
+          <p:cNvSpPr>
+            <a:spLocks noGrp="1"/>
+          </p:cNvSpPr>
+          <p:nvPr>
+            <p:ph idx="1"/>
+          </p:nvPr>
+        </p:nvSpPr>
+        <p:spPr>
+          <a:xfrm>
+            <a:off x="457200" y="762000"/>
+            <a:ext cx="8229600" cy="5791200"/>
+          </a:xfrm>
+        </p:spPr>
+        <p:txBody>
+          <a:bodyPr/>
+          <a:lstStyle/>
+          <a:p>
+            <a:pPr marL="571500" indent="-571500">
+              <a:buFont typeface="+mj-lt"/>
+              <a:buAutoNum type="romanLcPeriod" startAt="12"/>
+            </a:pPr>
+            <a:r>
+              <a:rPr lang="en-US" b="1" dirty="0" smtClean="0">
+                <a:ln>
+                  <a:prstDash val="solid"/>
+                </a:ln>
+                <a:gradFill rotWithShape="1">
+                  <a:gsLst>
+                    <a:gs pos="0">
+                      <a:schemeClr val="accent4">
+                        <a:tint val="70000"/>
+                        <a:satMod val="200000"/>
+                      </a:schemeClr>
+                    </a:gs>
+                    <a:gs pos="40000">
+                      <a:schemeClr val="accent4">
+                        <a:tint val="90000"/>
+                        <a:satMod val="130000"/>
+                      </a:schemeClr>
+                    </a:gs>
+                    <a:gs pos="50000">
+                      <a:schemeClr val="accent4">
+                        <a:tint val="90000"/>
+                        <a:satMod val="130000"/>
+                      </a:schemeClr>
+                    </a:gs>
+                    <a:gs pos="68000">
+                      <a:schemeClr val="accent4">
+                        <a:tint val="90000"/>
+                        <a:satMod val="130000"/>
+                      </a:schemeClr>
+                    </a:gs>
+                    <a:gs pos="100000">
+                      <a:schemeClr val="accent4">
+                        <a:tint val="70000"/>
+                        <a:satMod val="200000"/>
+                      </a:schemeClr>
+                    </a:gs>
+                  </a:gsLst>
+                  <a:lin ang="5400000"/>
+                </a:gradFill>
+                <a:effectLst>
+                  <a:outerShdw blurRad="88000" dist="50800" dir="5040000" algn="tl">
+                    <a:schemeClr val="accent4">
+                      <a:tint val="80000"/>
+                      <a:satMod val="250000"/>
+                      <a:alpha val="45000"/>
+                    </a:schemeClr>
+                  </a:outerShdw>
+                </a:effectLst>
+              </a:rPr>
+              <a:t>State Diagram:-</a:t>
+            </a:r>
+          </a:p>
+          <a:p>
+            <a:pPr marL="571500" indent="-571500">
+              <a:buFont typeface="+mj-lt"/>
+              <a:buAutoNum type="romanLcPeriod" startAt="12"/>
+            </a:pPr>
+            <a:r>
+              <a:rPr lang="en-US" b="1" dirty="0" smtClean="0">
+                <a:ln>
+                  <a:prstDash val="solid"/>
+                </a:ln>
+                <a:gradFill rotWithShape="1">
+                  <a:gsLst>
+                    <a:gs pos="0">
+                      <a:schemeClr val="accent4">
+                        <a:tint val="70000"/>
+                        <a:satMod val="200000"/>
+                      </a:schemeClr>
+                    </a:gs>
+                    <a:gs pos="40000">
+                      <a:schemeClr val="accent4">
+                        <a:tint val="90000"/>
+                        <a:satMod val="130000"/>
+                      </a:schemeClr>
+                    </a:gs>
+                    <a:gs pos="50000">
+                      <a:schemeClr val="accent4">
+                        <a:tint val="90000"/>
+                        <a:satMod val="130000"/>
+                      </a:schemeClr>
+                    </a:gs>
+                    <a:gs pos="68000">
+                      <a:schemeClr val="accent4">
+                        <a:tint val="90000"/>
+                        <a:satMod val="130000"/>
+                      </a:schemeClr>
+                    </a:gs>
+                    <a:gs pos="100000">
+                      <a:schemeClr val="accent4">
+                        <a:tint val="70000"/>
+                        <a:satMod val="200000"/>
+                      </a:schemeClr>
+                    </a:gs>
+                  </a:gsLst>
+                  <a:lin ang="5400000"/>
+                </a:gradFill>
+                <a:effectLst>
+                  <a:outerShdw blurRad="88000" dist="50800" dir="5040000" algn="tl">
+                    <a:schemeClr val="accent4">
+                      <a:tint val="80000"/>
+                      <a:satMod val="250000"/>
+                      <a:alpha val="45000"/>
+                    </a:schemeClr>
+                  </a:outerShdw>
+                </a:effectLst>
+              </a:rPr>
+              <a:t>Deployment Diagram:- </a:t>
+            </a:r>
+            <a:endParaRPr lang="en-US" dirty="0"/>
+          </a:p>
+        </p:txBody>
+      </p:sp>
+    </p:spTree>
+  </p:cSld>
+  <p:clrMapOvr>
+    <a:masterClrMapping/>
+  </p:clrMapOvr>
+</p:sld>
+</file>
+
+<file path=ppt/slides/slide20.xml><?xml version="1.0" encoding="utf-8"?>
+<p:sld xmlns:a="http://schemas.openxmlformats.org/drawingml/2006/main" xmlns:r="http://schemas.openxmlformats.org/officeDocument/2006/relationships" xmlns:p="http://schemas.openxmlformats.org/presentationml/2006/main">
+  <p:cSld>
+    <p:spTree>
+      <p:nvGrpSpPr>
+        <p:cNvPr id="1" name=""/>
+        <p:cNvGrpSpPr/>
+        <p:nvPr/>
+      </p:nvGrpSpPr>
+      <p:grpSpPr>
+        <a:xfrm>
+          <a:off x="0" y="0"/>
+          <a:ext cx="0" cy="0"/>
+          <a:chOff x="0" y="0"/>
+          <a:chExt cx="0" cy="0"/>
+        </a:xfrm>
+      </p:grpSpPr>
+      <p:sp>
+        <p:nvSpPr>
+          <p:cNvPr id="2" name="Title 1"/>
+          <p:cNvSpPr>
+            <a:spLocks noGrp="1"/>
+          </p:cNvSpPr>
+          <p:nvPr>
+            <p:ph type="title"/>
+          </p:nvPr>
+        </p:nvSpPr>
+        <p:spPr>
+          <a:xfrm>
+            <a:off x="457200" y="152400"/>
+            <a:ext cx="8229600" cy="762000"/>
+          </a:xfrm>
+        </p:spPr>
+        <p:txBody>
+          <a:bodyPr anchor="ctr">
+            <a:normAutofit/>
+          </a:bodyPr>
+          <a:lstStyle/>
+          <a:p>
+            <a:pPr algn="ctr"/>
+            <a:r>
+              <a:rPr lang="en-US" sz="3200" b="1" u="sng" dirty="0" smtClean="0">
+                <a:solidFill>
+                  <a:srgbClr val="FF0000"/>
+                </a:solidFill>
+              </a:rPr>
+              <a:t>Deployment </a:t>
+            </a:r>
+            <a:r>
+              <a:rPr lang="en-US" sz="3200" b="1" u="sng" dirty="0" smtClean="0">
+                <a:solidFill>
+                  <a:srgbClr val="FF0000"/>
+                </a:solidFill>
+              </a:rPr>
+              <a:t>Diagram</a:t>
+            </a:r>
+            <a:endParaRPr lang="en-US" sz="2800" dirty="0"/>
+          </a:p>
+        </p:txBody>
+      </p:sp>
+      <p:sp>
+        <p:nvSpPr>
+          <p:cNvPr id="3" name="Content Placeholder 2"/>
+          <p:cNvSpPr>
+            <a:spLocks noGrp="1"/>
+          </p:cNvSpPr>
+          <p:nvPr>
+            <p:ph idx="1"/>
+          </p:nvPr>
+        </p:nvSpPr>
+        <p:spPr>
+          <a:xfrm>
+            <a:off x="457200" y="1066800"/>
+            <a:ext cx="8229600" cy="5257800"/>
+          </a:xfrm>
+        </p:spPr>
+        <p:txBody>
+          <a:bodyPr/>
+          <a:lstStyle/>
+          <a:p>
+            <a:endParaRPr lang="en-US" dirty="0"/>
+          </a:p>
+        </p:txBody>
+      </p:sp>
+    </p:spTree>
+  </p:cSld>
+  <p:clrMapOvr>
+    <a:masterClrMapping/>
+  </p:clrMapOvr>
+</p:sld>
+</file>
+
+<file path=ppt/slides/slide21.xml><?xml version="1.0" encoding="utf-8"?>
+<p:sld xmlns:a="http://schemas.openxmlformats.org/drawingml/2006/main" xmlns:r="http://schemas.openxmlformats.org/officeDocument/2006/relationships" xmlns:p="http://schemas.openxmlformats.org/presentationml/2006/main">
+  <p:cSld>
+    <p:spTree>
+      <p:nvGrpSpPr>
+        <p:cNvPr id="1" name=""/>
+        <p:cNvGrpSpPr/>
+        <p:nvPr/>
+      </p:nvGrpSpPr>
+      <p:grpSpPr>
+        <a:xfrm>
+          <a:off x="0" y="0"/>
+          <a:ext cx="0" cy="0"/>
+          <a:chOff x="0" y="0"/>
+          <a:chExt cx="0" cy="0"/>
+        </a:xfrm>
+      </p:grpSpPr>
+      <p:sp>
+        <p:nvSpPr>
+          <p:cNvPr id="2" name="Title 1"/>
+          <p:cNvSpPr>
+            <a:spLocks noGrp="1"/>
+          </p:cNvSpPr>
+          <p:nvPr>
+            <p:ph type="title"/>
+          </p:nvPr>
+        </p:nvSpPr>
         <p:spPr/>
         <p:txBody>
           <a:bodyPr/>
@@ -4999,7 +6967,7 @@
 </p:sld>
 </file>
 
-<file path=ppt/slides/slide13.xml><?xml version="1.0" encoding="utf-8"?>
+<file path=ppt/slides/slide22.xml><?xml version="1.0" encoding="utf-8"?>
 <p:sld xmlns:a="http://schemas.openxmlformats.org/drawingml/2006/main" xmlns:r="http://schemas.openxmlformats.org/officeDocument/2006/relationships" xmlns:p="http://schemas.openxmlformats.org/presentationml/2006/main">
   <p:cSld>
     <p:spTree>
@@ -5070,7 +7038,7 @@
 </p:sld>
 </file>
 
-<file path=ppt/slides/slide2.xml><?xml version="1.0" encoding="utf-8"?>
+<file path=ppt/slides/slide3.xml><?xml version="1.0" encoding="utf-8"?>
 <p:sld xmlns:a="http://schemas.openxmlformats.org/drawingml/2006/main" xmlns:r="http://schemas.openxmlformats.org/officeDocument/2006/relationships" xmlns:p="http://schemas.openxmlformats.org/presentationml/2006/main">
   <p:cSld>
     <p:spTree>
@@ -5549,7 +7517,7 @@
 </p:sld>
 </file>
 
-<file path=ppt/slides/slide3.xml><?xml version="1.0" encoding="utf-8"?>
+<file path=ppt/slides/slide4.xml><?xml version="1.0" encoding="utf-8"?>
 <p:sld xmlns:a="http://schemas.openxmlformats.org/drawingml/2006/main" xmlns:r="http://schemas.openxmlformats.org/officeDocument/2006/relationships" xmlns:p="http://schemas.openxmlformats.org/presentationml/2006/main">
   <p:cSld>
     <p:spTree>
@@ -5619,8 +7587,8 @@
         </p:blipFill>
         <p:spPr>
           <a:xfrm>
-            <a:off x="609600" y="1828800"/>
-            <a:ext cx="8001000" cy="4724400"/>
+            <a:off x="1809750" y="2120106"/>
+            <a:ext cx="5524500" cy="4019550"/>
           </a:xfrm>
         </p:spPr>
       </p:pic>
@@ -5632,7 +7600,7 @@
 </p:sld>
 </file>
 
-<file path=ppt/slides/slide4.xml><?xml version="1.0" encoding="utf-8"?>
+<file path=ppt/slides/slide5.xml><?xml version="1.0" encoding="utf-8"?>
 <p:sld xmlns:a="http://schemas.openxmlformats.org/drawingml/2006/main" xmlns:r="http://schemas.openxmlformats.org/officeDocument/2006/relationships" xmlns:p="http://schemas.openxmlformats.org/presentationml/2006/main">
   <p:cSld>
     <p:spTree>
@@ -5715,7 +7683,7 @@
 </p:sld>
 </file>
 
-<file path=ppt/slides/slide5.xml><?xml version="1.0" encoding="utf-8"?>
+<file path=ppt/slides/slide6.xml><?xml version="1.0" encoding="utf-8"?>
 <p:sld xmlns:a="http://schemas.openxmlformats.org/drawingml/2006/main" xmlns:r="http://schemas.openxmlformats.org/officeDocument/2006/relationships" xmlns:p="http://schemas.openxmlformats.org/presentationml/2006/main">
   <p:cSld>
     <p:spTree>
@@ -6083,7 +8051,7 @@
 </p:sld>
 </file>
 
-<file path=ppt/slides/slide6.xml><?xml version="1.0" encoding="utf-8"?>
+<file path=ppt/slides/slide7.xml><?xml version="1.0" encoding="utf-8"?>
 <p:sld xmlns:a="http://schemas.openxmlformats.org/drawingml/2006/main" xmlns:r="http://schemas.openxmlformats.org/officeDocument/2006/relationships" xmlns:p="http://schemas.openxmlformats.org/presentationml/2006/main">
   <p:cSld>
     <p:spTree>
@@ -6100,350 +8068,6 @@
           <a:chExt cx="0" cy="0"/>
         </a:xfrm>
       </p:grpSpPr>
-      <p:sp>
-        <p:nvSpPr>
-          <p:cNvPr id="3" name="Content Placeholder 2"/>
-          <p:cNvSpPr>
-            <a:spLocks noGrp="1"/>
-          </p:cNvSpPr>
-          <p:nvPr>
-            <p:ph idx="1"/>
-          </p:nvPr>
-        </p:nvSpPr>
-        <p:spPr>
-          <a:xfrm>
-            <a:off x="457200" y="1295400"/>
-            <a:ext cx="8229600" cy="5334000"/>
-          </a:xfrm>
-        </p:spPr>
-        <p:txBody>
-          <a:bodyPr/>
-          <a:lstStyle/>
-          <a:p>
-            <a:pPr>
-              <a:buFont typeface="Wingdings" pitchFamily="2" charset="2"/>
-              <a:buChar char="Ø"/>
-            </a:pPr>
-            <a:r>
-              <a:rPr lang="en-US" b="1" i="1" u="sng" dirty="0" smtClean="0">
-                <a:gradFill flip="none" rotWithShape="1">
-                  <a:gsLst>
-                    <a:gs pos="0">
-                      <a:srgbClr val="03D4A8"/>
-                    </a:gs>
-                    <a:gs pos="25000">
-                      <a:srgbClr val="21D6E0"/>
-                    </a:gs>
-                    <a:gs pos="75000">
-                      <a:srgbClr val="0087E6"/>
-                    </a:gs>
-                    <a:gs pos="100000">
-                      <a:srgbClr val="005CBF"/>
-                    </a:gs>
-                  </a:gsLst>
-                  <a:lin ang="5400000" scaled="1"/>
-                  <a:tileRect/>
-                </a:gradFill>
-              </a:rPr>
-              <a:t>Prefarm </a:t>
-            </a:r>
-            <a:r>
-              <a:rPr lang="en-US" dirty="0" smtClean="0">
-                <a:gradFill flip="none" rotWithShape="1">
-                  <a:gsLst>
-                    <a:gs pos="0">
-                      <a:srgbClr val="03D4A8"/>
-                    </a:gs>
-                    <a:gs pos="25000">
-                      <a:srgbClr val="21D6E0"/>
-                    </a:gs>
-                    <a:gs pos="75000">
-                      <a:srgbClr val="0087E6"/>
-                    </a:gs>
-                    <a:gs pos="100000">
-                      <a:srgbClr val="005CBF"/>
-                    </a:gs>
-                  </a:gsLst>
-                  <a:lin ang="5400000" scaled="1"/>
-                  <a:tileRect/>
-                </a:gradFill>
-              </a:rPr>
-              <a:t> connecting  all the farmers in </a:t>
-            </a:r>
-            <a:r>
-              <a:rPr lang="en-US" b="1" i="1" u="sng" dirty="0" smtClean="0">
-                <a:gradFill flip="none" rotWithShape="1">
-                  <a:gsLst>
-                    <a:gs pos="0">
-                      <a:srgbClr val="03D4A8"/>
-                    </a:gs>
-                    <a:gs pos="25000">
-                      <a:srgbClr val="21D6E0"/>
-                    </a:gs>
-                    <a:gs pos="75000">
-                      <a:srgbClr val="0087E6"/>
-                    </a:gs>
-                    <a:gs pos="100000">
-                      <a:srgbClr val="005CBF"/>
-                    </a:gs>
-                  </a:gsLst>
-                  <a:lin ang="5400000" scaled="1"/>
-                  <a:tileRect/>
-                </a:gradFill>
-              </a:rPr>
-              <a:t>E-commerce</a:t>
-            </a:r>
-            <a:r>
-              <a:rPr lang="en-US" dirty="0" smtClean="0">
-                <a:gradFill flip="none" rotWithShape="1">
-                  <a:gsLst>
-                    <a:gs pos="0">
-                      <a:srgbClr val="03D4A8"/>
-                    </a:gs>
-                    <a:gs pos="25000">
-                      <a:srgbClr val="21D6E0"/>
-                    </a:gs>
-                    <a:gs pos="75000">
-                      <a:srgbClr val="0087E6"/>
-                    </a:gs>
-                    <a:gs pos="100000">
-                      <a:srgbClr val="005CBF"/>
-                    </a:gs>
-                  </a:gsLst>
-                  <a:lin ang="5400000" scaled="1"/>
-                  <a:tileRect/>
-                </a:gradFill>
-              </a:rPr>
-              <a:t> </a:t>
-            </a:r>
-          </a:p>
-          <a:p>
-            <a:pPr>
-              <a:buNone/>
-            </a:pPr>
-            <a:r>
-              <a:rPr lang="en-US" dirty="0" smtClean="0">
-                <a:gradFill flip="none" rotWithShape="1">
-                  <a:gsLst>
-                    <a:gs pos="0">
-                      <a:srgbClr val="03D4A8"/>
-                    </a:gs>
-                    <a:gs pos="25000">
-                      <a:srgbClr val="21D6E0"/>
-                    </a:gs>
-                    <a:gs pos="75000">
-                      <a:srgbClr val="0087E6"/>
-                    </a:gs>
-                    <a:gs pos="100000">
-                      <a:srgbClr val="005CBF"/>
-                    </a:gs>
-                  </a:gsLst>
-                  <a:lin ang="5400000" scaled="1"/>
-                  <a:tileRect/>
-                </a:gradFill>
-              </a:rPr>
-              <a:t> world .</a:t>
-            </a:r>
-          </a:p>
-          <a:p>
-            <a:pPr>
-              <a:buFont typeface="Wingdings" pitchFamily="2" charset="2"/>
-              <a:buChar char="Ø"/>
-            </a:pPr>
-            <a:endParaRPr lang="en-US" dirty="0" smtClean="0">
-              <a:gradFill flip="none" rotWithShape="1">
-                <a:gsLst>
-                  <a:gs pos="0">
-                    <a:srgbClr val="03D4A8"/>
-                  </a:gs>
-                  <a:gs pos="25000">
-                    <a:srgbClr val="21D6E0"/>
-                  </a:gs>
-                  <a:gs pos="75000">
-                    <a:srgbClr val="0087E6"/>
-                  </a:gs>
-                  <a:gs pos="100000">
-                    <a:srgbClr val="005CBF"/>
-                  </a:gs>
-                </a:gsLst>
-                <a:lin ang="5400000" scaled="1"/>
-                <a:tileRect/>
-              </a:gradFill>
-            </a:endParaRPr>
-          </a:p>
-          <a:p>
-            <a:pPr>
-              <a:buFont typeface="Wingdings" pitchFamily="2" charset="2"/>
-              <a:buChar char="Ø"/>
-            </a:pPr>
-            <a:r>
-              <a:rPr lang="en-US" dirty="0" smtClean="0">
-                <a:gradFill flip="none" rotWithShape="1">
-                  <a:gsLst>
-                    <a:gs pos="0">
-                      <a:srgbClr val="03D4A8"/>
-                    </a:gs>
-                    <a:gs pos="25000">
-                      <a:srgbClr val="21D6E0"/>
-                    </a:gs>
-                    <a:gs pos="75000">
-                      <a:srgbClr val="0087E6"/>
-                    </a:gs>
-                    <a:gs pos="100000">
-                      <a:srgbClr val="005CBF"/>
-                    </a:gs>
-                  </a:gsLst>
-                  <a:lin ang="5400000" scaled="1"/>
-                  <a:tileRect/>
-                </a:gradFill>
-              </a:rPr>
-              <a:t>Built a </a:t>
-            </a:r>
-            <a:r>
-              <a:rPr lang="en-US" b="1" i="1" u="sng" dirty="0" smtClean="0">
-                <a:gradFill flip="none" rotWithShape="1">
-                  <a:gsLst>
-                    <a:gs pos="0">
-                      <a:srgbClr val="03D4A8"/>
-                    </a:gs>
-                    <a:gs pos="25000">
-                      <a:srgbClr val="21D6E0"/>
-                    </a:gs>
-                    <a:gs pos="75000">
-                      <a:srgbClr val="0087E6"/>
-                    </a:gs>
-                    <a:gs pos="100000">
-                      <a:srgbClr val="005CBF"/>
-                    </a:gs>
-                  </a:gsLst>
-                  <a:lin ang="5400000" scaled="1"/>
-                  <a:tileRect/>
-                </a:gradFill>
-              </a:rPr>
-              <a:t>platform</a:t>
-            </a:r>
-            <a:r>
-              <a:rPr lang="en-US" dirty="0" smtClean="0">
-                <a:gradFill flip="none" rotWithShape="1">
-                  <a:gsLst>
-                    <a:gs pos="0">
-                      <a:srgbClr val="03D4A8"/>
-                    </a:gs>
-                    <a:gs pos="25000">
-                      <a:srgbClr val="21D6E0"/>
-                    </a:gs>
-                    <a:gs pos="75000">
-                      <a:srgbClr val="0087E6"/>
-                    </a:gs>
-                    <a:gs pos="100000">
-                      <a:srgbClr val="005CBF"/>
-                    </a:gs>
-                  </a:gsLst>
-                  <a:lin ang="5400000" scaled="1"/>
-                  <a:tileRect/>
-                </a:gradFill>
-              </a:rPr>
-              <a:t> for  all  that  person   which  depend  on agriculture  sector.</a:t>
-            </a:r>
-          </a:p>
-          <a:p>
-            <a:endParaRPr lang="en-US" dirty="0" smtClean="0">
-              <a:gradFill flip="none" rotWithShape="1">
-                <a:gsLst>
-                  <a:gs pos="0">
-                    <a:srgbClr val="03D4A8"/>
-                  </a:gs>
-                  <a:gs pos="25000">
-                    <a:srgbClr val="21D6E0"/>
-                  </a:gs>
-                  <a:gs pos="75000">
-                    <a:srgbClr val="0087E6"/>
-                  </a:gs>
-                  <a:gs pos="100000">
-                    <a:srgbClr val="005CBF"/>
-                  </a:gs>
-                </a:gsLst>
-                <a:lin ang="5400000" scaled="1"/>
-                <a:tileRect/>
-              </a:gradFill>
-            </a:endParaRPr>
-          </a:p>
-          <a:p>
-            <a:pPr>
-              <a:buFont typeface="Wingdings" pitchFamily="2" charset="2"/>
-              <a:buChar char="Ø"/>
-            </a:pPr>
-            <a:r>
-              <a:rPr lang="en-US" dirty="0" smtClean="0">
-                <a:gradFill flip="none" rotWithShape="1">
-                  <a:gsLst>
-                    <a:gs pos="0">
-                      <a:srgbClr val="03D4A8"/>
-                    </a:gs>
-                    <a:gs pos="25000">
-                      <a:srgbClr val="21D6E0"/>
-                    </a:gs>
-                    <a:gs pos="75000">
-                      <a:srgbClr val="0087E6"/>
-                    </a:gs>
-                    <a:gs pos="100000">
-                      <a:srgbClr val="005CBF"/>
-                    </a:gs>
-                  </a:gsLst>
-                  <a:lin ang="5400000" scaled="1"/>
-                  <a:tileRect/>
-                </a:gradFill>
-              </a:rPr>
-              <a:t>A  agricultural platform  for  availability  of  all type of   </a:t>
-            </a:r>
-            <a:r>
-              <a:rPr lang="en-US" b="1" i="1" u="sng" dirty="0" smtClean="0">
-                <a:gradFill flip="none" rotWithShape="1">
-                  <a:gsLst>
-                    <a:gs pos="0">
-                      <a:srgbClr val="03D4A8"/>
-                    </a:gs>
-                    <a:gs pos="25000">
-                      <a:srgbClr val="21D6E0"/>
-                    </a:gs>
-                    <a:gs pos="75000">
-                      <a:srgbClr val="0087E6"/>
-                    </a:gs>
-                    <a:gs pos="100000">
-                      <a:srgbClr val="005CBF"/>
-                    </a:gs>
-                  </a:gsLst>
-                  <a:lin ang="5400000" scaled="1"/>
-                  <a:tileRect/>
-                </a:gradFill>
-              </a:rPr>
-              <a:t>plants  protective  chemicals.</a:t>
-            </a:r>
-          </a:p>
-          <a:p>
-            <a:endParaRPr lang="en-US" dirty="0">
-              <a:gradFill flip="none" rotWithShape="1">
-                <a:gsLst>
-                  <a:gs pos="0">
-                    <a:srgbClr val="03D4A8"/>
-                  </a:gs>
-                  <a:gs pos="25000">
-                    <a:srgbClr val="21D6E0"/>
-                  </a:gs>
-                  <a:gs pos="75000">
-                    <a:srgbClr val="0087E6"/>
-                  </a:gs>
-                  <a:gs pos="100000">
-                    <a:srgbClr val="005CBF"/>
-                  </a:gs>
-                </a:gsLst>
-                <a:lin ang="5400000" scaled="1"/>
-                <a:tileRect/>
-              </a:gradFill>
-            </a:endParaRPr>
-          </a:p>
-        </p:txBody>
-      </p:sp>
       <p:sp>
         <p:nvSpPr>
           <p:cNvPr id="4" name="Title 1"/>
@@ -6577,6 +8201,350 @@
           </a:p>
         </p:txBody>
       </p:sp>
+      <p:sp>
+        <p:nvSpPr>
+          <p:cNvPr id="3" name="Content Placeholder 2"/>
+          <p:cNvSpPr>
+            <a:spLocks noGrp="1"/>
+          </p:cNvSpPr>
+          <p:nvPr>
+            <p:ph idx="1"/>
+          </p:nvPr>
+        </p:nvSpPr>
+        <p:spPr>
+          <a:xfrm>
+            <a:off x="457200" y="1295400"/>
+            <a:ext cx="8229600" cy="5334000"/>
+          </a:xfrm>
+        </p:spPr>
+        <p:txBody>
+          <a:bodyPr/>
+          <a:lstStyle/>
+          <a:p>
+            <a:pPr>
+              <a:buFont typeface="Wingdings" pitchFamily="2" charset="2"/>
+              <a:buChar char="Ø"/>
+            </a:pPr>
+            <a:r>
+              <a:rPr lang="en-US" b="1" i="1" u="sng" dirty="0" smtClean="0">
+                <a:gradFill flip="none" rotWithShape="1">
+                  <a:gsLst>
+                    <a:gs pos="0">
+                      <a:srgbClr val="03D4A8"/>
+                    </a:gs>
+                    <a:gs pos="25000">
+                      <a:srgbClr val="21D6E0"/>
+                    </a:gs>
+                    <a:gs pos="75000">
+                      <a:srgbClr val="0087E6"/>
+                    </a:gs>
+                    <a:gs pos="100000">
+                      <a:srgbClr val="005CBF"/>
+                    </a:gs>
+                  </a:gsLst>
+                  <a:lin ang="5400000" scaled="1"/>
+                  <a:tileRect/>
+                </a:gradFill>
+              </a:rPr>
+              <a:t>Prefarm </a:t>
+            </a:r>
+            <a:r>
+              <a:rPr lang="en-US" dirty="0" smtClean="0">
+                <a:gradFill flip="none" rotWithShape="1">
+                  <a:gsLst>
+                    <a:gs pos="0">
+                      <a:srgbClr val="03D4A8"/>
+                    </a:gs>
+                    <a:gs pos="25000">
+                      <a:srgbClr val="21D6E0"/>
+                    </a:gs>
+                    <a:gs pos="75000">
+                      <a:srgbClr val="0087E6"/>
+                    </a:gs>
+                    <a:gs pos="100000">
+                      <a:srgbClr val="005CBF"/>
+                    </a:gs>
+                  </a:gsLst>
+                  <a:lin ang="5400000" scaled="1"/>
+                  <a:tileRect/>
+                </a:gradFill>
+              </a:rPr>
+              <a:t> connecting  all the farmers in </a:t>
+            </a:r>
+            <a:r>
+              <a:rPr lang="en-US" b="1" i="1" u="sng" dirty="0" smtClean="0">
+                <a:gradFill flip="none" rotWithShape="1">
+                  <a:gsLst>
+                    <a:gs pos="0">
+                      <a:srgbClr val="03D4A8"/>
+                    </a:gs>
+                    <a:gs pos="25000">
+                      <a:srgbClr val="21D6E0"/>
+                    </a:gs>
+                    <a:gs pos="75000">
+                      <a:srgbClr val="0087E6"/>
+                    </a:gs>
+                    <a:gs pos="100000">
+                      <a:srgbClr val="005CBF"/>
+                    </a:gs>
+                  </a:gsLst>
+                  <a:lin ang="5400000" scaled="1"/>
+                  <a:tileRect/>
+                </a:gradFill>
+              </a:rPr>
+              <a:t>E-commerce</a:t>
+            </a:r>
+            <a:r>
+              <a:rPr lang="en-US" dirty="0" smtClean="0">
+                <a:gradFill flip="none" rotWithShape="1">
+                  <a:gsLst>
+                    <a:gs pos="0">
+                      <a:srgbClr val="03D4A8"/>
+                    </a:gs>
+                    <a:gs pos="25000">
+                      <a:srgbClr val="21D6E0"/>
+                    </a:gs>
+                    <a:gs pos="75000">
+                      <a:srgbClr val="0087E6"/>
+                    </a:gs>
+                    <a:gs pos="100000">
+                      <a:srgbClr val="005CBF"/>
+                    </a:gs>
+                  </a:gsLst>
+                  <a:lin ang="5400000" scaled="1"/>
+                  <a:tileRect/>
+                </a:gradFill>
+              </a:rPr>
+              <a:t> </a:t>
+            </a:r>
+          </a:p>
+          <a:p>
+            <a:pPr>
+              <a:buNone/>
+            </a:pPr>
+            <a:r>
+              <a:rPr lang="en-US" dirty="0" smtClean="0">
+                <a:gradFill flip="none" rotWithShape="1">
+                  <a:gsLst>
+                    <a:gs pos="0">
+                      <a:srgbClr val="03D4A8"/>
+                    </a:gs>
+                    <a:gs pos="25000">
+                      <a:srgbClr val="21D6E0"/>
+                    </a:gs>
+                    <a:gs pos="75000">
+                      <a:srgbClr val="0087E6"/>
+                    </a:gs>
+                    <a:gs pos="100000">
+                      <a:srgbClr val="005CBF"/>
+                    </a:gs>
+                  </a:gsLst>
+                  <a:lin ang="5400000" scaled="1"/>
+                  <a:tileRect/>
+                </a:gradFill>
+              </a:rPr>
+              <a:t> world .</a:t>
+            </a:r>
+          </a:p>
+          <a:p>
+            <a:pPr>
+              <a:buFont typeface="Wingdings" pitchFamily="2" charset="2"/>
+              <a:buChar char="Ø"/>
+            </a:pPr>
+            <a:endParaRPr lang="en-US" dirty="0" smtClean="0">
+              <a:gradFill flip="none" rotWithShape="1">
+                <a:gsLst>
+                  <a:gs pos="0">
+                    <a:srgbClr val="03D4A8"/>
+                  </a:gs>
+                  <a:gs pos="25000">
+                    <a:srgbClr val="21D6E0"/>
+                  </a:gs>
+                  <a:gs pos="75000">
+                    <a:srgbClr val="0087E6"/>
+                  </a:gs>
+                  <a:gs pos="100000">
+                    <a:srgbClr val="005CBF"/>
+                  </a:gs>
+                </a:gsLst>
+                <a:lin ang="5400000" scaled="1"/>
+                <a:tileRect/>
+              </a:gradFill>
+            </a:endParaRPr>
+          </a:p>
+          <a:p>
+            <a:pPr>
+              <a:buFont typeface="Wingdings" pitchFamily="2" charset="2"/>
+              <a:buChar char="Ø"/>
+            </a:pPr>
+            <a:r>
+              <a:rPr lang="en-US" dirty="0" smtClean="0">
+                <a:gradFill flip="none" rotWithShape="1">
+                  <a:gsLst>
+                    <a:gs pos="0">
+                      <a:srgbClr val="03D4A8"/>
+                    </a:gs>
+                    <a:gs pos="25000">
+                      <a:srgbClr val="21D6E0"/>
+                    </a:gs>
+                    <a:gs pos="75000">
+                      <a:srgbClr val="0087E6"/>
+                    </a:gs>
+                    <a:gs pos="100000">
+                      <a:srgbClr val="005CBF"/>
+                    </a:gs>
+                  </a:gsLst>
+                  <a:lin ang="5400000" scaled="1"/>
+                  <a:tileRect/>
+                </a:gradFill>
+              </a:rPr>
+              <a:t>Built a </a:t>
+            </a:r>
+            <a:r>
+              <a:rPr lang="en-US" b="1" i="1" u="sng" dirty="0" smtClean="0">
+                <a:gradFill flip="none" rotWithShape="1">
+                  <a:gsLst>
+                    <a:gs pos="0">
+                      <a:srgbClr val="03D4A8"/>
+                    </a:gs>
+                    <a:gs pos="25000">
+                      <a:srgbClr val="21D6E0"/>
+                    </a:gs>
+                    <a:gs pos="75000">
+                      <a:srgbClr val="0087E6"/>
+                    </a:gs>
+                    <a:gs pos="100000">
+                      <a:srgbClr val="005CBF"/>
+                    </a:gs>
+                  </a:gsLst>
+                  <a:lin ang="5400000" scaled="1"/>
+                  <a:tileRect/>
+                </a:gradFill>
+              </a:rPr>
+              <a:t>platform</a:t>
+            </a:r>
+            <a:r>
+              <a:rPr lang="en-US" dirty="0" smtClean="0">
+                <a:gradFill flip="none" rotWithShape="1">
+                  <a:gsLst>
+                    <a:gs pos="0">
+                      <a:srgbClr val="03D4A8"/>
+                    </a:gs>
+                    <a:gs pos="25000">
+                      <a:srgbClr val="21D6E0"/>
+                    </a:gs>
+                    <a:gs pos="75000">
+                      <a:srgbClr val="0087E6"/>
+                    </a:gs>
+                    <a:gs pos="100000">
+                      <a:srgbClr val="005CBF"/>
+                    </a:gs>
+                  </a:gsLst>
+                  <a:lin ang="5400000" scaled="1"/>
+                  <a:tileRect/>
+                </a:gradFill>
+              </a:rPr>
+              <a:t> for  all  that  person   which  depend  on agriculture  sector.</a:t>
+            </a:r>
+          </a:p>
+          <a:p>
+            <a:endParaRPr lang="en-US" dirty="0" smtClean="0">
+              <a:gradFill flip="none" rotWithShape="1">
+                <a:gsLst>
+                  <a:gs pos="0">
+                    <a:srgbClr val="03D4A8"/>
+                  </a:gs>
+                  <a:gs pos="25000">
+                    <a:srgbClr val="21D6E0"/>
+                  </a:gs>
+                  <a:gs pos="75000">
+                    <a:srgbClr val="0087E6"/>
+                  </a:gs>
+                  <a:gs pos="100000">
+                    <a:srgbClr val="005CBF"/>
+                  </a:gs>
+                </a:gsLst>
+                <a:lin ang="5400000" scaled="1"/>
+                <a:tileRect/>
+              </a:gradFill>
+            </a:endParaRPr>
+          </a:p>
+          <a:p>
+            <a:pPr>
+              <a:buFont typeface="Wingdings" pitchFamily="2" charset="2"/>
+              <a:buChar char="Ø"/>
+            </a:pPr>
+            <a:r>
+              <a:rPr lang="en-US" dirty="0" smtClean="0">
+                <a:gradFill flip="none" rotWithShape="1">
+                  <a:gsLst>
+                    <a:gs pos="0">
+                      <a:srgbClr val="03D4A8"/>
+                    </a:gs>
+                    <a:gs pos="25000">
+                      <a:srgbClr val="21D6E0"/>
+                    </a:gs>
+                    <a:gs pos="75000">
+                      <a:srgbClr val="0087E6"/>
+                    </a:gs>
+                    <a:gs pos="100000">
+                      <a:srgbClr val="005CBF"/>
+                    </a:gs>
+                  </a:gsLst>
+                  <a:lin ang="5400000" scaled="1"/>
+                  <a:tileRect/>
+                </a:gradFill>
+              </a:rPr>
+              <a:t>A  agricultural platform  for  availability  of  all type of   </a:t>
+            </a:r>
+            <a:r>
+              <a:rPr lang="en-US" b="1" i="1" u="sng" dirty="0" smtClean="0">
+                <a:gradFill flip="none" rotWithShape="1">
+                  <a:gsLst>
+                    <a:gs pos="0">
+                      <a:srgbClr val="03D4A8"/>
+                    </a:gs>
+                    <a:gs pos="25000">
+                      <a:srgbClr val="21D6E0"/>
+                    </a:gs>
+                    <a:gs pos="75000">
+                      <a:srgbClr val="0087E6"/>
+                    </a:gs>
+                    <a:gs pos="100000">
+                      <a:srgbClr val="005CBF"/>
+                    </a:gs>
+                  </a:gsLst>
+                  <a:lin ang="5400000" scaled="1"/>
+                  <a:tileRect/>
+                </a:gradFill>
+              </a:rPr>
+              <a:t>plants  protective  chemicals.</a:t>
+            </a:r>
+          </a:p>
+          <a:p>
+            <a:endParaRPr lang="en-US" dirty="0">
+              <a:gradFill flip="none" rotWithShape="1">
+                <a:gsLst>
+                  <a:gs pos="0">
+                    <a:srgbClr val="03D4A8"/>
+                  </a:gs>
+                  <a:gs pos="25000">
+                    <a:srgbClr val="21D6E0"/>
+                  </a:gs>
+                  <a:gs pos="75000">
+                    <a:srgbClr val="0087E6"/>
+                  </a:gs>
+                  <a:gs pos="100000">
+                    <a:srgbClr val="005CBF"/>
+                  </a:gs>
+                </a:gsLst>
+                <a:lin ang="5400000" scaled="1"/>
+                <a:tileRect/>
+              </a:gradFill>
+            </a:endParaRPr>
+          </a:p>
+        </p:txBody>
+      </p:sp>
     </p:spTree>
   </p:cSld>
   <p:clrMapOvr>
@@ -6585,7 +8553,7 @@
 </p:sld>
 </file>
 
-<file path=ppt/slides/slide7.xml><?xml version="1.0" encoding="utf-8"?>
+<file path=ppt/slides/slide8.xml><?xml version="1.0" encoding="utf-8"?>
 <p:sld xmlns:a="http://schemas.openxmlformats.org/drawingml/2006/main" xmlns:r="http://schemas.openxmlformats.org/officeDocument/2006/relationships" xmlns:p="http://schemas.openxmlformats.org/presentationml/2006/main">
   <p:cSld>
     <p:spTree>
@@ -7686,7 +9654,7 @@
 </p:sld>
 </file>
 
-<file path=ppt/slides/slide8.xml><?xml version="1.0" encoding="utf-8"?>
+<file path=ppt/slides/slide9.xml><?xml version="1.0" encoding="utf-8"?>
 <p:sld xmlns:a="http://schemas.openxmlformats.org/drawingml/2006/main" xmlns:r="http://schemas.openxmlformats.org/officeDocument/2006/relationships" xmlns:p="http://schemas.openxmlformats.org/presentationml/2006/main">
   <p:cSld>
     <p:spTree>
@@ -7720,7 +9688,9 @@
           </a:xfrm>
         </p:spPr>
         <p:txBody>
-          <a:bodyPr/>
+          <a:bodyPr>
+            <a:normAutofit/>
+          </a:bodyPr>
           <a:lstStyle/>
           <a:p>
             <a:pPr marL="571500" indent="-571500">
@@ -8468,255 +10438,6 @@
                 <a:tileRect/>
               </a:gradFill>
             </a:endParaRPr>
-          </a:p>
-        </p:txBody>
-      </p:sp>
-    </p:spTree>
-  </p:cSld>
-  <p:clrMapOvr>
-    <a:masterClrMapping/>
-  </p:clrMapOvr>
-</p:sld>
-</file>
-
-<file path=ppt/slides/slide9.xml><?xml version="1.0" encoding="utf-8"?>
-<p:sld xmlns:a="http://schemas.openxmlformats.org/drawingml/2006/main" xmlns:r="http://schemas.openxmlformats.org/officeDocument/2006/relationships" xmlns:p="http://schemas.openxmlformats.org/presentationml/2006/main">
-  <p:cSld>
-    <p:spTree>
-      <p:nvGrpSpPr>
-        <p:cNvPr id="1" name=""/>
-        <p:cNvGrpSpPr/>
-        <p:nvPr/>
-      </p:nvGrpSpPr>
-      <p:grpSpPr>
-        <a:xfrm>
-          <a:off x="0" y="0"/>
-          <a:ext cx="0" cy="0"/>
-          <a:chOff x="0" y="0"/>
-          <a:chExt cx="0" cy="0"/>
-        </a:xfrm>
-      </p:grpSpPr>
-      <p:sp>
-        <p:nvSpPr>
-          <p:cNvPr id="3" name="Content Placeholder 2"/>
-          <p:cNvSpPr>
-            <a:spLocks noGrp="1"/>
-          </p:cNvSpPr>
-          <p:nvPr>
-            <p:ph idx="1"/>
-          </p:nvPr>
-        </p:nvSpPr>
-        <p:spPr>
-          <a:xfrm>
-            <a:off x="457200" y="685800"/>
-            <a:ext cx="8229600" cy="5638800"/>
-          </a:xfrm>
-        </p:spPr>
-        <p:txBody>
-          <a:bodyPr/>
-          <a:lstStyle/>
-          <a:p>
-            <a:pPr marL="571500" indent="-571500">
-              <a:buFont typeface="+mj-lt"/>
-              <a:buAutoNum type="romanLcPeriod" startAt="19"/>
-            </a:pPr>
-            <a:r>
-              <a:rPr lang="en-US" dirty="0" smtClean="0">
-                <a:gradFill flip="none" rotWithShape="1">
-                  <a:gsLst>
-                    <a:gs pos="0">
-                      <a:srgbClr val="03D4A8"/>
-                    </a:gs>
-                    <a:gs pos="25000">
-                      <a:srgbClr val="21D6E0"/>
-                    </a:gs>
-                    <a:gs pos="75000">
-                      <a:srgbClr val="0087E6"/>
-                    </a:gs>
-                    <a:gs pos="100000">
-                      <a:srgbClr val="005CBF"/>
-                    </a:gs>
-                  </a:gsLst>
-                  <a:lin ang="5400000" scaled="1"/>
-                  <a:tileRect/>
-                </a:gradFill>
-              </a:rPr>
-              <a:t>Online buying of </a:t>
-            </a:r>
-            <a:r>
-              <a:rPr lang="en-US" b="1" i="1" u="sng" dirty="0" smtClean="0">
-                <a:gradFill flip="none" rotWithShape="1">
-                  <a:gsLst>
-                    <a:gs pos="0">
-                      <a:srgbClr val="03D4A8"/>
-                    </a:gs>
-                    <a:gs pos="25000">
-                      <a:srgbClr val="21D6E0"/>
-                    </a:gs>
-                    <a:gs pos="75000">
-                      <a:srgbClr val="0087E6"/>
-                    </a:gs>
-                    <a:gs pos="100000">
-                      <a:srgbClr val="005CBF"/>
-                    </a:gs>
-                  </a:gsLst>
-                  <a:lin ang="5400000" scaled="1"/>
-                  <a:tileRect/>
-                </a:gradFill>
-              </a:rPr>
-              <a:t> Grass powder </a:t>
-            </a:r>
-            <a:r>
-              <a:rPr lang="en-US" dirty="0" smtClean="0">
-                <a:gradFill flip="none" rotWithShape="1">
-                  <a:gsLst>
-                    <a:gs pos="0">
-                      <a:srgbClr val="03D4A8"/>
-                    </a:gs>
-                    <a:gs pos="25000">
-                      <a:srgbClr val="21D6E0"/>
-                    </a:gs>
-                    <a:gs pos="75000">
-                      <a:srgbClr val="0087E6"/>
-                    </a:gs>
-                    <a:gs pos="100000">
-                      <a:srgbClr val="005CBF"/>
-                    </a:gs>
-                  </a:gsLst>
-                  <a:lin ang="5400000" scaled="1"/>
-                  <a:tileRect/>
-                </a:gradFill>
-              </a:rPr>
-              <a:t>.</a:t>
-            </a:r>
-          </a:p>
-          <a:p>
-            <a:pPr marL="571500" indent="-571500">
-              <a:buFont typeface="+mj-lt"/>
-              <a:buAutoNum type="romanLcPeriod" startAt="19"/>
-            </a:pPr>
-            <a:r>
-              <a:rPr lang="en-US" dirty="0" smtClean="0">
-                <a:gradFill flip="none" rotWithShape="1">
-                  <a:gsLst>
-                    <a:gs pos="0">
-                      <a:srgbClr val="03D4A8"/>
-                    </a:gs>
-                    <a:gs pos="25000">
-                      <a:srgbClr val="21D6E0"/>
-                    </a:gs>
-                    <a:gs pos="75000">
-                      <a:srgbClr val="0087E6"/>
-                    </a:gs>
-                    <a:gs pos="100000">
-                      <a:srgbClr val="005CBF"/>
-                    </a:gs>
-                  </a:gsLst>
-                  <a:lin ang="5400000" scaled="1"/>
-                  <a:tileRect/>
-                </a:gradFill>
-              </a:rPr>
-              <a:t>Online buying of </a:t>
-            </a:r>
-            <a:r>
-              <a:rPr lang="en-US" b="1" i="1" u="sng" dirty="0" smtClean="0">
-                <a:gradFill flip="none" rotWithShape="1">
-                  <a:gsLst>
-                    <a:gs pos="0">
-                      <a:srgbClr val="03D4A8"/>
-                    </a:gs>
-                    <a:gs pos="25000">
-                      <a:srgbClr val="21D6E0"/>
-                    </a:gs>
-                    <a:gs pos="75000">
-                      <a:srgbClr val="0087E6"/>
-                    </a:gs>
-                    <a:gs pos="100000">
-                      <a:srgbClr val="005CBF"/>
-                    </a:gs>
-                  </a:gsLst>
-                  <a:lin ang="5400000" scaled="1"/>
-                  <a:tileRect/>
-                </a:gradFill>
-              </a:rPr>
-              <a:t>Khali</a:t>
-            </a:r>
-            <a:r>
-              <a:rPr lang="en-US" dirty="0" smtClean="0">
-                <a:gradFill flip="none" rotWithShape="1">
-                  <a:gsLst>
-                    <a:gs pos="0">
-                      <a:srgbClr val="03D4A8"/>
-                    </a:gs>
-                    <a:gs pos="25000">
-                      <a:srgbClr val="21D6E0"/>
-                    </a:gs>
-                    <a:gs pos="75000">
-                      <a:srgbClr val="0087E6"/>
-                    </a:gs>
-                    <a:gs pos="100000">
-                      <a:srgbClr val="005CBF"/>
-                    </a:gs>
-                  </a:gsLst>
-                  <a:lin ang="5400000" scaled="1"/>
-                  <a:tileRect/>
-                </a:gradFill>
-              </a:rPr>
-              <a:t>.</a:t>
-            </a:r>
-          </a:p>
-          <a:p>
-            <a:pPr marL="571500" indent="-571500">
-              <a:buFont typeface="+mj-lt"/>
-              <a:buAutoNum type="romanLcPeriod" startAt="19"/>
-            </a:pPr>
-            <a:r>
-              <a:rPr lang="en-US" b="1" i="1" u="sng" dirty="0" smtClean="0">
-                <a:gradFill flip="none" rotWithShape="1">
-                  <a:gsLst>
-                    <a:gs pos="0">
-                      <a:srgbClr val="03D4A8"/>
-                    </a:gs>
-                    <a:gs pos="25000">
-                      <a:srgbClr val="21D6E0"/>
-                    </a:gs>
-                    <a:gs pos="75000">
-                      <a:srgbClr val="0087E6"/>
-                    </a:gs>
-                    <a:gs pos="100000">
-                      <a:srgbClr val="005CBF"/>
-                    </a:gs>
-                  </a:gsLst>
-                  <a:lin ang="5400000" scaled="1"/>
-                  <a:tileRect/>
-                </a:gradFill>
-              </a:rPr>
-              <a:t>Animals</a:t>
-            </a:r>
-            <a:r>
-              <a:rPr lang="en-US" dirty="0" smtClean="0">
-                <a:gradFill flip="none" rotWithShape="1">
-                  <a:gsLst>
-                    <a:gs pos="0">
-                      <a:srgbClr val="03D4A8"/>
-                    </a:gs>
-                    <a:gs pos="25000">
-                      <a:srgbClr val="21D6E0"/>
-                    </a:gs>
-                    <a:gs pos="75000">
-                      <a:srgbClr val="0087E6"/>
-                    </a:gs>
-                    <a:gs pos="100000">
-                      <a:srgbClr val="005CBF"/>
-                    </a:gs>
-                  </a:gsLst>
-                  <a:lin ang="5400000" scaled="1"/>
-                  <a:tileRect/>
-                </a:gradFill>
-              </a:rPr>
-              <a:t> (goat, buffalo, cow   etc) can be sell or buy online from home.</a:t>
-            </a:r>
-            <a:endParaRPr lang="en-US" dirty="0" smtClean="0"/>
           </a:p>
         </p:txBody>
       </p:sp>

--- a/project.pptx
+++ b/project.pptx
@@ -5,7 +5,7 @@
     <p:sldMasterId id="2147483720" r:id="rId1"/>
   </p:sldMasterIdLst>
   <p:notesMasterIdLst>
-    <p:notesMasterId r:id="rId24"/>
+    <p:notesMasterId r:id="rId25"/>
   </p:notesMasterIdLst>
   <p:sldIdLst>
     <p:sldId id="263" r:id="rId2"/>
@@ -23,13 +23,14 @@
     <p:sldId id="280" r:id="rId14"/>
     <p:sldId id="272" r:id="rId15"/>
     <p:sldId id="273" r:id="rId16"/>
-    <p:sldId id="274" r:id="rId17"/>
-    <p:sldId id="275" r:id="rId18"/>
-    <p:sldId id="269" r:id="rId19"/>
-    <p:sldId id="277" r:id="rId20"/>
-    <p:sldId id="270" r:id="rId21"/>
-    <p:sldId id="278" r:id="rId22"/>
-    <p:sldId id="261" r:id="rId23"/>
+    <p:sldId id="281" r:id="rId17"/>
+    <p:sldId id="274" r:id="rId18"/>
+    <p:sldId id="275" r:id="rId19"/>
+    <p:sldId id="269" r:id="rId20"/>
+    <p:sldId id="277" r:id="rId21"/>
+    <p:sldId id="270" r:id="rId22"/>
+    <p:sldId id="278" r:id="rId23"/>
+    <p:sldId id="261" r:id="rId24"/>
   </p:sldIdLst>
   <p:sldSz cx="9144000" cy="6858000" type="screen4x3"/>
   <p:notesSz cx="6858000" cy="9144000"/>
@@ -214,7 +215,7 @@
             <a:fld id="{ED5275B1-DBA6-4201-BB93-348BBDF8772A}" type="datetimeFigureOut">
               <a:rPr lang="en-US" smtClean="0"/>
               <a:pPr/>
-              <a:t>12-Jun-19</a:t>
+              <a:t>13-Jun-19</a:t>
             </a:fld>
             <a:endParaRPr lang="en-US"/>
           </a:p>
@@ -654,7 +655,7 @@
             <a:fld id="{1D8BD707-D9CF-40AE-B4C6-C98DA3205C09}" type="datetimeFigureOut">
               <a:rPr lang="en-US" smtClean="0"/>
               <a:pPr/>
-              <a:t>12-Jun-19</a:t>
+              <a:t>13-Jun-19</a:t>
             </a:fld>
             <a:endParaRPr lang="en-US"/>
           </a:p>
@@ -821,7 +822,7 @@
             <a:fld id="{1D8BD707-D9CF-40AE-B4C6-C98DA3205C09}" type="datetimeFigureOut">
               <a:rPr lang="en-US" smtClean="0"/>
               <a:pPr/>
-              <a:t>12-Jun-19</a:t>
+              <a:t>13-Jun-19</a:t>
             </a:fld>
             <a:endParaRPr lang="en-US"/>
           </a:p>
@@ -998,7 +999,7 @@
             <a:fld id="{1D8BD707-D9CF-40AE-B4C6-C98DA3205C09}" type="datetimeFigureOut">
               <a:rPr lang="en-US" smtClean="0"/>
               <a:pPr/>
-              <a:t>12-Jun-19</a:t>
+              <a:t>13-Jun-19</a:t>
             </a:fld>
             <a:endParaRPr lang="en-US"/>
           </a:p>
@@ -1165,7 +1166,7 @@
             <a:fld id="{1D8BD707-D9CF-40AE-B4C6-C98DA3205C09}" type="datetimeFigureOut">
               <a:rPr lang="en-US" smtClean="0"/>
               <a:pPr/>
-              <a:t>12-Jun-19</a:t>
+              <a:t>13-Jun-19</a:t>
             </a:fld>
             <a:endParaRPr lang="en-US"/>
           </a:p>
@@ -1409,7 +1410,7 @@
             <a:fld id="{1D8BD707-D9CF-40AE-B4C6-C98DA3205C09}" type="datetimeFigureOut">
               <a:rPr lang="en-US" smtClean="0"/>
               <a:pPr/>
-              <a:t>12-Jun-19</a:t>
+              <a:t>13-Jun-19</a:t>
             </a:fld>
             <a:endParaRPr lang="en-US"/>
           </a:p>
@@ -1675,7 +1676,7 @@
             <a:fld id="{1D8BD707-D9CF-40AE-B4C6-C98DA3205C09}" type="datetimeFigureOut">
               <a:rPr lang="en-US" smtClean="0"/>
               <a:pPr/>
-              <a:t>12-Jun-19</a:t>
+              <a:t>13-Jun-19</a:t>
             </a:fld>
             <a:endParaRPr lang="en-US"/>
           </a:p>
@@ -2055,7 +2056,7 @@
             <a:fld id="{1D8BD707-D9CF-40AE-B4C6-C98DA3205C09}" type="datetimeFigureOut">
               <a:rPr lang="en-US" smtClean="0"/>
               <a:pPr/>
-              <a:t>12-Jun-19</a:t>
+              <a:t>13-Jun-19</a:t>
             </a:fld>
             <a:endParaRPr lang="en-US"/>
           </a:p>
@@ -2207,7 +2208,7 @@
             <a:fld id="{1D8BD707-D9CF-40AE-B4C6-C98DA3205C09}" type="datetimeFigureOut">
               <a:rPr lang="en-US" smtClean="0"/>
               <a:pPr/>
-              <a:t>12-Jun-19</a:t>
+              <a:t>13-Jun-19</a:t>
             </a:fld>
             <a:endParaRPr lang="en-US"/>
           </a:p>
@@ -2299,7 +2300,7 @@
             <a:fld id="{1D8BD707-D9CF-40AE-B4C6-C98DA3205C09}" type="datetimeFigureOut">
               <a:rPr lang="en-US" smtClean="0"/>
               <a:pPr/>
-              <a:t>12-Jun-19</a:t>
+              <a:t>13-Jun-19</a:t>
             </a:fld>
             <a:endParaRPr lang="en-US"/>
           </a:p>
@@ -2562,7 +2563,7 @@
             <a:fld id="{1D8BD707-D9CF-40AE-B4C6-C98DA3205C09}" type="datetimeFigureOut">
               <a:rPr lang="en-US" smtClean="0"/>
               <a:pPr/>
-              <a:t>12-Jun-19</a:t>
+              <a:t>13-Jun-19</a:t>
             </a:fld>
             <a:endParaRPr lang="en-US"/>
           </a:p>
@@ -2852,7 +2853,7 @@
             <a:fld id="{1D8BD707-D9CF-40AE-B4C6-C98DA3205C09}" type="datetimeFigureOut">
               <a:rPr lang="en-US" smtClean="0"/>
               <a:pPr/>
-              <a:t>12-Jun-19</a:t>
+              <a:t>13-Jun-19</a:t>
             </a:fld>
             <a:endParaRPr lang="en-US"/>
           </a:p>
@@ -3625,7 +3626,7 @@
             <a:fld id="{1D8BD707-D9CF-40AE-B4C6-C98DA3205C09}" type="datetimeFigureOut">
               <a:rPr lang="en-US" smtClean="0"/>
               <a:pPr/>
-              <a:t>12-Jun-19</a:t>
+              <a:t>13-Jun-19</a:t>
             </a:fld>
             <a:endParaRPr lang="en-US"/>
           </a:p>
@@ -4537,8 +4538,14 @@
                   </a:outerShdw>
                 </a:effectLst>
               </a:rPr>
-              <a:t>E-commerce </a:t>
-            </a:r>
+              <a:t>E-commerce  growth :-</a:t>
+            </a:r>
+          </a:p>
+          <a:p>
+            <a:pPr marL="571500" indent="-571500" algn="l">
+              <a:buFont typeface="+mj-lt"/>
+              <a:buAutoNum type="romanLcPeriod"/>
+            </a:pPr>
             <a:r>
               <a:rPr lang="en-US" b="1" dirty="0" smtClean="0">
                 <a:ln>
@@ -4589,115 +4596,8 @@
                   </a:outerShdw>
                 </a:effectLst>
               </a:rPr>
-              <a:t> growth :-</a:t>
-            </a:r>
-          </a:p>
-          <a:p>
-            <a:pPr marL="571500" indent="-571500" algn="l">
-              <a:buFont typeface="+mj-lt"/>
-              <a:buAutoNum type="romanLcPeriod"/>
-            </a:pPr>
-            <a:r>
-              <a:rPr lang="en-US" b="1" dirty="0" smtClean="0">
-                <a:ln>
-                  <a:prstDash val="solid"/>
-                </a:ln>
-                <a:gradFill rotWithShape="1">
-                  <a:gsLst>
-                    <a:gs pos="0">
-                      <a:schemeClr val="accent4">
-                        <a:tint val="70000"/>
-                        <a:satMod val="200000"/>
-                      </a:schemeClr>
-                    </a:gs>
-                    <a:gs pos="40000">
-                      <a:schemeClr val="accent4">
-                        <a:tint val="90000"/>
-                        <a:satMod val="130000"/>
-                      </a:schemeClr>
-                    </a:gs>
-                    <a:gs pos="50000">
-                      <a:schemeClr val="accent4">
-                        <a:tint val="90000"/>
-                        <a:satMod val="130000"/>
-                      </a:schemeClr>
-                    </a:gs>
-                    <a:gs pos="68000">
-                      <a:schemeClr val="accent4">
-                        <a:tint val="90000"/>
-                        <a:satMod val="130000"/>
-                      </a:schemeClr>
-                    </a:gs>
-                    <a:gs pos="100000">
-                      <a:schemeClr val="accent4">
-                        <a:tint val="70000"/>
-                        <a:satMod val="200000"/>
-                      </a:schemeClr>
-                    </a:gs>
-                  </a:gsLst>
-                  <a:lin ang="5400000"/>
-                </a:gradFill>
-                <a:effectLst>
-                  <a:outerShdw blurRad="88000" dist="50800" dir="5040000" algn="tl">
-                    <a:schemeClr val="accent4">
-                      <a:tint val="80000"/>
-                      <a:satMod val="250000"/>
-                      <a:alpha val="45000"/>
-                    </a:schemeClr>
-                  </a:outerShdw>
-                </a:effectLst>
-              </a:rPr>
               <a:t>Pre-farm introduction:-</a:t>
             </a:r>
-            <a:endParaRPr lang="en-US" b="1" dirty="0" smtClean="0">
-              <a:ln>
-                <a:prstDash val="solid"/>
-              </a:ln>
-              <a:gradFill rotWithShape="1">
-                <a:gsLst>
-                  <a:gs pos="0">
-                    <a:schemeClr val="accent4">
-                      <a:tint val="70000"/>
-                      <a:satMod val="200000"/>
-                    </a:schemeClr>
-                  </a:gs>
-                  <a:gs pos="40000">
-                    <a:schemeClr val="accent4">
-                      <a:tint val="90000"/>
-                      <a:satMod val="130000"/>
-                    </a:schemeClr>
-                  </a:gs>
-                  <a:gs pos="50000">
-                    <a:schemeClr val="accent4">
-                      <a:tint val="90000"/>
-                      <a:satMod val="130000"/>
-                    </a:schemeClr>
-                  </a:gs>
-                  <a:gs pos="68000">
-                    <a:schemeClr val="accent4">
-                      <a:tint val="90000"/>
-                      <a:satMod val="130000"/>
-                    </a:schemeClr>
-                  </a:gs>
-                  <a:gs pos="100000">
-                    <a:schemeClr val="accent4">
-                      <a:tint val="70000"/>
-                      <a:satMod val="200000"/>
-                    </a:schemeClr>
-                  </a:gs>
-                </a:gsLst>
-                <a:lin ang="5400000"/>
-              </a:gradFill>
-              <a:effectLst>
-                <a:outerShdw blurRad="88000" dist="50800" dir="5040000" algn="tl">
-                  <a:schemeClr val="accent4">
-                    <a:tint val="80000"/>
-                    <a:satMod val="250000"/>
-                    <a:alpha val="45000"/>
-                  </a:schemeClr>
-                </a:outerShdw>
-              </a:effectLst>
-            </a:endParaRPr>
           </a:p>
           <a:p>
             <a:pPr marL="571500" indent="-571500" algn="l">
@@ -6341,7 +6241,7 @@
                   <a:srgbClr val="FF0000"/>
                 </a:solidFill>
               </a:rPr>
-              <a:t>Class Diagram</a:t>
+              <a:t>Sequence Diagram (selling crop)</a:t>
             </a:r>
             <a:endParaRPr lang="en-US" sz="3200" b="1" u="sng" dirty="0">
               <a:solidFill>
@@ -6375,6 +6275,32 @@
           </a:p>
         </p:txBody>
       </p:sp>
+      <p:pic>
+        <p:nvPicPr>
+          <p:cNvPr id="1027" name="Picture 3" descr="C:\Users\ASGR\Desktop\sequence(Sell).PNG"/>
+          <p:cNvPicPr>
+            <a:picLocks noChangeAspect="1" noChangeArrowheads="1"/>
+          </p:cNvPicPr>
+          <p:nvPr/>
+        </p:nvPicPr>
+        <p:blipFill>
+          <a:blip r:embed="rId2"/>
+          <a:srcRect/>
+          <a:stretch>
+            <a:fillRect/>
+          </a:stretch>
+        </p:blipFill>
+        <p:spPr bwMode="auto">
+          <a:xfrm>
+            <a:off x="228600" y="1143000"/>
+            <a:ext cx="8650288" cy="5410200"/>
+          </a:xfrm>
+          <a:prstGeom prst="rect">
+            <a:avLst/>
+          </a:prstGeom>
+          <a:noFill/>
+        </p:spPr>
+      </p:pic>
     </p:spTree>
   </p:cSld>
   <p:clrMapOvr>
@@ -6429,7 +6355,7 @@
                   <a:srgbClr val="FF0000"/>
                 </a:solidFill>
               </a:rPr>
-              <a:t>Component Diagram</a:t>
+              <a:t>Class Diagram</a:t>
             </a:r>
             <a:endParaRPr lang="en-US" sz="3200" b="1" u="sng" dirty="0">
               <a:solidFill>
@@ -6472,6 +6398,94 @@
 </file>
 
 <file path=ppt/slides/slide18.xml><?xml version="1.0" encoding="utf-8"?>
+<p:sld xmlns:a="http://schemas.openxmlformats.org/drawingml/2006/main" xmlns:r="http://schemas.openxmlformats.org/officeDocument/2006/relationships" xmlns:p="http://schemas.openxmlformats.org/presentationml/2006/main">
+  <p:cSld>
+    <p:spTree>
+      <p:nvGrpSpPr>
+        <p:cNvPr id="1" name=""/>
+        <p:cNvGrpSpPr/>
+        <p:nvPr/>
+      </p:nvGrpSpPr>
+      <p:grpSpPr>
+        <a:xfrm>
+          <a:off x="0" y="0"/>
+          <a:ext cx="0" cy="0"/>
+          <a:chOff x="0" y="0"/>
+          <a:chExt cx="0" cy="0"/>
+        </a:xfrm>
+      </p:grpSpPr>
+      <p:sp>
+        <p:nvSpPr>
+          <p:cNvPr id="2" name="Title 1"/>
+          <p:cNvSpPr>
+            <a:spLocks noGrp="1"/>
+          </p:cNvSpPr>
+          <p:nvPr>
+            <p:ph type="title"/>
+          </p:nvPr>
+        </p:nvSpPr>
+        <p:spPr>
+          <a:xfrm>
+            <a:off x="457200" y="228600"/>
+            <a:ext cx="8229600" cy="838200"/>
+          </a:xfrm>
+        </p:spPr>
+        <p:txBody>
+          <a:bodyPr anchor="ctr">
+            <a:normAutofit/>
+          </a:bodyPr>
+          <a:lstStyle/>
+          <a:p>
+            <a:pPr algn="ctr"/>
+            <a:r>
+              <a:rPr lang="en-US" sz="3200" b="1" u="sng" dirty="0" smtClean="0">
+                <a:solidFill>
+                  <a:srgbClr val="FF0000"/>
+                </a:solidFill>
+              </a:rPr>
+              <a:t>Component Diagram</a:t>
+            </a:r>
+            <a:endParaRPr lang="en-US" sz="3200" b="1" u="sng" dirty="0">
+              <a:solidFill>
+                <a:srgbClr val="FF0000"/>
+              </a:solidFill>
+            </a:endParaRPr>
+          </a:p>
+        </p:txBody>
+      </p:sp>
+      <p:sp>
+        <p:nvSpPr>
+          <p:cNvPr id="3" name="Content Placeholder 2"/>
+          <p:cNvSpPr>
+            <a:spLocks noGrp="1"/>
+          </p:cNvSpPr>
+          <p:nvPr>
+            <p:ph idx="1"/>
+          </p:nvPr>
+        </p:nvSpPr>
+        <p:spPr>
+          <a:xfrm>
+            <a:off x="457200" y="1143000"/>
+            <a:ext cx="8229600" cy="5181600"/>
+          </a:xfrm>
+        </p:spPr>
+        <p:txBody>
+          <a:bodyPr/>
+          <a:lstStyle/>
+          <a:p>
+            <a:endParaRPr lang="en-US" dirty="0"/>
+          </a:p>
+        </p:txBody>
+      </p:sp>
+    </p:spTree>
+  </p:cSld>
+  <p:clrMapOvr>
+    <a:masterClrMapping/>
+  </p:clrMapOvr>
+</p:sld>
+</file>
+
+<file path=ppt/slides/slide19.xml><?xml version="1.0" encoding="utf-8"?>
 <p:sld xmlns:a="http://schemas.openxmlformats.org/drawingml/2006/main" xmlns:r="http://schemas.openxmlformats.org/officeDocument/2006/relationships" xmlns:p="http://schemas.openxmlformats.org/presentationml/2006/main">
   <p:cSld>
     <p:spTree>
@@ -6561,94 +6575,6 @@
 </p:sld>
 </file>
 
-<file path=ppt/slides/slide19.xml><?xml version="1.0" encoding="utf-8"?>
-<p:sld xmlns:a="http://schemas.openxmlformats.org/drawingml/2006/main" xmlns:r="http://schemas.openxmlformats.org/officeDocument/2006/relationships" xmlns:p="http://schemas.openxmlformats.org/presentationml/2006/main">
-  <p:cSld>
-    <p:spTree>
-      <p:nvGrpSpPr>
-        <p:cNvPr id="1" name=""/>
-        <p:cNvGrpSpPr/>
-        <p:nvPr/>
-      </p:nvGrpSpPr>
-      <p:grpSpPr>
-        <a:xfrm>
-          <a:off x="0" y="0"/>
-          <a:ext cx="0" cy="0"/>
-          <a:chOff x="0" y="0"/>
-          <a:chExt cx="0" cy="0"/>
-        </a:xfrm>
-      </p:grpSpPr>
-      <p:sp>
-        <p:nvSpPr>
-          <p:cNvPr id="2" name="Title 1"/>
-          <p:cNvSpPr>
-            <a:spLocks noGrp="1"/>
-          </p:cNvSpPr>
-          <p:nvPr>
-            <p:ph type="title"/>
-          </p:nvPr>
-        </p:nvSpPr>
-        <p:spPr>
-          <a:xfrm>
-            <a:off x="457200" y="228600"/>
-            <a:ext cx="8229600" cy="838200"/>
-          </a:xfrm>
-        </p:spPr>
-        <p:txBody>
-          <a:bodyPr anchor="ctr">
-            <a:normAutofit/>
-          </a:bodyPr>
-          <a:lstStyle/>
-          <a:p>
-            <a:pPr algn="ctr"/>
-            <a:r>
-              <a:rPr lang="en-US" sz="3200" b="1" u="sng" dirty="0" smtClean="0">
-                <a:solidFill>
-                  <a:srgbClr val="FF0000"/>
-                </a:solidFill>
-              </a:rPr>
-              <a:t>State Chart Diagram</a:t>
-            </a:r>
-            <a:endParaRPr lang="en-US" sz="3200" b="1" u="sng" dirty="0">
-              <a:solidFill>
-                <a:srgbClr val="FF0000"/>
-              </a:solidFill>
-            </a:endParaRPr>
-          </a:p>
-        </p:txBody>
-      </p:sp>
-      <p:sp>
-        <p:nvSpPr>
-          <p:cNvPr id="3" name="Content Placeholder 2"/>
-          <p:cNvSpPr>
-            <a:spLocks noGrp="1"/>
-          </p:cNvSpPr>
-          <p:nvPr>
-            <p:ph idx="1"/>
-          </p:nvPr>
-        </p:nvSpPr>
-        <p:spPr>
-          <a:xfrm>
-            <a:off x="457200" y="1143000"/>
-            <a:ext cx="8229600" cy="5181600"/>
-          </a:xfrm>
-        </p:spPr>
-        <p:txBody>
-          <a:bodyPr/>
-          <a:lstStyle/>
-          <a:p>
-            <a:endParaRPr lang="en-US" dirty="0"/>
-          </a:p>
-        </p:txBody>
-      </p:sp>
-    </p:spTree>
-  </p:cSld>
-  <p:clrMapOvr>
-    <a:masterClrMapping/>
-  </p:clrMapOvr>
-</p:sld>
-</file>
-
 <file path=ppt/slides/slide2.xml><?xml version="1.0" encoding="utf-8"?>
 <p:sld xmlns:a="http://schemas.openxmlformats.org/drawingml/2006/main" xmlns:r="http://schemas.openxmlformats.org/officeDocument/2006/relationships" xmlns:p="http://schemas.openxmlformats.org/presentationml/2006/main">
   <p:cSld>
@@ -6841,8 +6767,8 @@
         </p:nvSpPr>
         <p:spPr>
           <a:xfrm>
-            <a:off x="457200" y="152400"/>
-            <a:ext cx="8229600" cy="762000"/>
+            <a:off x="457200" y="228600"/>
+            <a:ext cx="8229600" cy="838200"/>
           </a:xfrm>
         </p:spPr>
         <p:txBody>
@@ -6858,17 +6784,13 @@
                   <a:srgbClr val="FF0000"/>
                 </a:solidFill>
               </a:rPr>
-              <a:t>Deployment </a:t>
-            </a:r>
-            <a:r>
-              <a:rPr lang="en-US" sz="3200" b="1" u="sng" dirty="0" smtClean="0">
-                <a:solidFill>
-                  <a:srgbClr val="FF0000"/>
-                </a:solidFill>
-              </a:rPr>
-              <a:t>Diagram</a:t>
-            </a:r>
-            <a:endParaRPr lang="en-US" sz="2800" dirty="0"/>
+              <a:t>State Chart Diagram</a:t>
+            </a:r>
+            <a:endParaRPr lang="en-US" sz="3200" b="1" u="sng" dirty="0">
+              <a:solidFill>
+                <a:srgbClr val="FF0000"/>
+              </a:solidFill>
+            </a:endParaRPr>
           </a:p>
         </p:txBody>
       </p:sp>
@@ -6884,8 +6806,8 @@
         </p:nvSpPr>
         <p:spPr>
           <a:xfrm>
-            <a:off x="457200" y="1066800"/>
-            <a:ext cx="8229600" cy="5257800"/>
+            <a:off x="457200" y="1143000"/>
+            <a:ext cx="8229600" cy="5181600"/>
           </a:xfrm>
         </p:spPr>
         <p:txBody>
@@ -6931,12 +6853,28 @@
             <p:ph type="title"/>
           </p:nvPr>
         </p:nvSpPr>
-        <p:spPr/>
-        <p:txBody>
-          <a:bodyPr/>
+        <p:spPr>
+          <a:xfrm>
+            <a:off x="457200" y="152400"/>
+            <a:ext cx="8229600" cy="762000"/>
+          </a:xfrm>
+        </p:spPr>
+        <p:txBody>
+          <a:bodyPr anchor="ctr">
+            <a:normAutofit/>
+          </a:bodyPr>
           <a:lstStyle/>
           <a:p>
-            <a:endParaRPr lang="en-US"/>
+            <a:pPr algn="ctr"/>
+            <a:r>
+              <a:rPr lang="en-US" sz="3200" b="1" u="sng" dirty="0" smtClean="0">
+                <a:solidFill>
+                  <a:srgbClr val="FF0000"/>
+                </a:solidFill>
+              </a:rPr>
+              <a:t>Deployment Diagram</a:t>
+            </a:r>
+            <a:endParaRPr lang="en-US" sz="2800" dirty="0"/>
           </a:p>
         </p:txBody>
       </p:sp>
@@ -6950,12 +6888,17 @@
             <p:ph idx="1"/>
           </p:nvPr>
         </p:nvSpPr>
-        <p:spPr/>
+        <p:spPr>
+          <a:xfrm>
+            <a:off x="457200" y="1066800"/>
+            <a:ext cx="8229600" cy="5257800"/>
+          </a:xfrm>
+        </p:spPr>
         <p:txBody>
           <a:bodyPr/>
           <a:lstStyle/>
           <a:p>
-            <a:endParaRPr lang="en-US"/>
+            <a:endParaRPr lang="en-US" dirty="0"/>
           </a:p>
         </p:txBody>
       </p:sp>
@@ -6968,6 +6911,69 @@
 </file>
 
 <file path=ppt/slides/slide22.xml><?xml version="1.0" encoding="utf-8"?>
+<p:sld xmlns:a="http://schemas.openxmlformats.org/drawingml/2006/main" xmlns:r="http://schemas.openxmlformats.org/officeDocument/2006/relationships" xmlns:p="http://schemas.openxmlformats.org/presentationml/2006/main">
+  <p:cSld>
+    <p:spTree>
+      <p:nvGrpSpPr>
+        <p:cNvPr id="1" name=""/>
+        <p:cNvGrpSpPr/>
+        <p:nvPr/>
+      </p:nvGrpSpPr>
+      <p:grpSpPr>
+        <a:xfrm>
+          <a:off x="0" y="0"/>
+          <a:ext cx="0" cy="0"/>
+          <a:chOff x="0" y="0"/>
+          <a:chExt cx="0" cy="0"/>
+        </a:xfrm>
+      </p:grpSpPr>
+      <p:sp>
+        <p:nvSpPr>
+          <p:cNvPr id="2" name="Title 1"/>
+          <p:cNvSpPr>
+            <a:spLocks noGrp="1"/>
+          </p:cNvSpPr>
+          <p:nvPr>
+            <p:ph type="title"/>
+          </p:nvPr>
+        </p:nvSpPr>
+        <p:spPr/>
+        <p:txBody>
+          <a:bodyPr/>
+          <a:lstStyle/>
+          <a:p>
+            <a:endParaRPr lang="en-US"/>
+          </a:p>
+        </p:txBody>
+      </p:sp>
+      <p:sp>
+        <p:nvSpPr>
+          <p:cNvPr id="3" name="Content Placeholder 2"/>
+          <p:cNvSpPr>
+            <a:spLocks noGrp="1"/>
+          </p:cNvSpPr>
+          <p:nvPr>
+            <p:ph idx="1"/>
+          </p:nvPr>
+        </p:nvSpPr>
+        <p:spPr/>
+        <p:txBody>
+          <a:bodyPr/>
+          <a:lstStyle/>
+          <a:p>
+            <a:endParaRPr lang="en-US"/>
+          </a:p>
+        </p:txBody>
+      </p:sp>
+    </p:spTree>
+  </p:cSld>
+  <p:clrMapOvr>
+    <a:masterClrMapping/>
+  </p:clrMapOvr>
+</p:sld>
+</file>
+
+<file path=ppt/slides/slide23.xml><?xml version="1.0" encoding="utf-8"?>
 <p:sld xmlns:a="http://schemas.openxmlformats.org/drawingml/2006/main" xmlns:r="http://schemas.openxmlformats.org/officeDocument/2006/relationships" xmlns:p="http://schemas.openxmlformats.org/presentationml/2006/main">
   <p:cSld>
     <p:spTree>
